--- a/2013/slides/G.pptx
+++ b/2013/slides/G.pptx
@@ -6,11 +6,15 @@
   </p:sldMasterIdLst>
   <p:sldIdLst>
     <p:sldId id="256" r:id="rId2"/>
-    <p:sldId id="257" r:id="rId3"/>
-    <p:sldId id="258" r:id="rId4"/>
-    <p:sldId id="259" r:id="rId5"/>
-    <p:sldId id="260" r:id="rId6"/>
-    <p:sldId id="261" r:id="rId7"/>
+    <p:sldId id="262" r:id="rId3"/>
+    <p:sldId id="257" r:id="rId4"/>
+    <p:sldId id="258" r:id="rId5"/>
+    <p:sldId id="263" r:id="rId6"/>
+    <p:sldId id="259" r:id="rId7"/>
+    <p:sldId id="264" r:id="rId8"/>
+    <p:sldId id="260" r:id="rId9"/>
+    <p:sldId id="265" r:id="rId10"/>
+    <p:sldId id="261" r:id="rId11"/>
   </p:sldIdLst>
   <p:sldSz cx="9144000" cy="6858000" type="screen4x3"/>
   <p:notesSz cx="6858000" cy="9144000"/>
@@ -293,7 +297,7 @@
           <a:p>
             <a:fld id="{AC4B45C2-0BA5-4BB8-9919-15C86ABBFF50}" type="datetimeFigureOut">
               <a:rPr kumimoji="1" lang="ja-JP" altLang="en-US" smtClean="0"/>
-              <a:t>2014/3/2</a:t>
+              <a:t>2014/3/6</a:t>
             </a:fld>
             <a:endParaRPr kumimoji="1" lang="ja-JP" altLang="en-US"/>
           </a:p>
@@ -495,7 +499,7 @@
           <a:p>
             <a:fld id="{AC4B45C2-0BA5-4BB8-9919-15C86ABBFF50}" type="datetimeFigureOut">
               <a:rPr kumimoji="1" lang="ja-JP" altLang="en-US" smtClean="0"/>
-              <a:t>2014/3/2</a:t>
+              <a:t>2014/3/6</a:t>
             </a:fld>
             <a:endParaRPr kumimoji="1" lang="ja-JP" altLang="en-US"/>
           </a:p>
@@ -707,7 +711,7 @@
           <a:p>
             <a:fld id="{AC4B45C2-0BA5-4BB8-9919-15C86ABBFF50}" type="datetimeFigureOut">
               <a:rPr kumimoji="1" lang="ja-JP" altLang="en-US" smtClean="0"/>
-              <a:t>2014/3/2</a:t>
+              <a:t>2014/3/6</a:t>
             </a:fld>
             <a:endParaRPr kumimoji="1" lang="ja-JP" altLang="en-US"/>
           </a:p>
@@ -909,7 +913,7 @@
           <a:p>
             <a:fld id="{AC4B45C2-0BA5-4BB8-9919-15C86ABBFF50}" type="datetimeFigureOut">
               <a:rPr kumimoji="1" lang="ja-JP" altLang="en-US" smtClean="0"/>
-              <a:t>2014/3/2</a:t>
+              <a:t>2014/3/6</a:t>
             </a:fld>
             <a:endParaRPr kumimoji="1" lang="ja-JP" altLang="en-US"/>
           </a:p>
@@ -1155,7 +1159,7 @@
           <a:p>
             <a:fld id="{AC4B45C2-0BA5-4BB8-9919-15C86ABBFF50}" type="datetimeFigureOut">
               <a:rPr kumimoji="1" lang="ja-JP" altLang="en-US" smtClean="0"/>
-              <a:t>2014/3/2</a:t>
+              <a:t>2014/3/6</a:t>
             </a:fld>
             <a:endParaRPr kumimoji="1" lang="ja-JP" altLang="en-US"/>
           </a:p>
@@ -1507,7 +1511,7 @@
           <a:p>
             <a:fld id="{AC4B45C2-0BA5-4BB8-9919-15C86ABBFF50}" type="datetimeFigureOut">
               <a:rPr kumimoji="1" lang="ja-JP" altLang="en-US" smtClean="0"/>
-              <a:t>2014/3/2</a:t>
+              <a:t>2014/3/6</a:t>
             </a:fld>
             <a:endParaRPr kumimoji="1" lang="ja-JP" altLang="en-US"/>
           </a:p>
@@ -1993,7 +1997,7 @@
           <a:p>
             <a:fld id="{AC4B45C2-0BA5-4BB8-9919-15C86ABBFF50}" type="datetimeFigureOut">
               <a:rPr kumimoji="1" lang="ja-JP" altLang="en-US" smtClean="0"/>
-              <a:t>2014/3/2</a:t>
+              <a:t>2014/3/6</a:t>
             </a:fld>
             <a:endParaRPr kumimoji="1" lang="ja-JP" altLang="en-US"/>
           </a:p>
@@ -2111,7 +2115,7 @@
           <a:p>
             <a:fld id="{AC4B45C2-0BA5-4BB8-9919-15C86ABBFF50}" type="datetimeFigureOut">
               <a:rPr kumimoji="1" lang="ja-JP" altLang="en-US" smtClean="0"/>
-              <a:t>2014/3/2</a:t>
+              <a:t>2014/3/6</a:t>
             </a:fld>
             <a:endParaRPr kumimoji="1" lang="ja-JP" altLang="en-US"/>
           </a:p>
@@ -2206,7 +2210,7 @@
           <a:p>
             <a:fld id="{AC4B45C2-0BA5-4BB8-9919-15C86ABBFF50}" type="datetimeFigureOut">
               <a:rPr kumimoji="1" lang="ja-JP" altLang="en-US" smtClean="0"/>
-              <a:t>2014/3/2</a:t>
+              <a:t>2014/3/6</a:t>
             </a:fld>
             <a:endParaRPr kumimoji="1" lang="ja-JP" altLang="en-US"/>
           </a:p>
@@ -2515,7 +2519,7 @@
           <a:p>
             <a:fld id="{AC4B45C2-0BA5-4BB8-9919-15C86ABBFF50}" type="datetimeFigureOut">
               <a:rPr kumimoji="1" lang="ja-JP" altLang="en-US" smtClean="0"/>
-              <a:t>2014/3/2</a:t>
+              <a:t>2014/3/6</a:t>
             </a:fld>
             <a:endParaRPr kumimoji="1" lang="ja-JP" altLang="en-US"/>
           </a:p>
@@ -2768,7 +2772,7 @@
           <a:p>
             <a:fld id="{AC4B45C2-0BA5-4BB8-9919-15C86ABBFF50}" type="datetimeFigureOut">
               <a:rPr kumimoji="1" lang="ja-JP" altLang="en-US" smtClean="0"/>
-              <a:t>2014/3/2</a:t>
+              <a:t>2014/3/6</a:t>
             </a:fld>
             <a:endParaRPr kumimoji="1" lang="ja-JP" altLang="en-US"/>
           </a:p>
@@ -3013,7 +3017,7 @@
           <a:p>
             <a:fld id="{AC4B45C2-0BA5-4BB8-9919-15C86ABBFF50}" type="datetimeFigureOut">
               <a:rPr kumimoji="1" lang="ja-JP" altLang="en-US" smtClean="0"/>
-              <a:t>2014/3/2</a:t>
+              <a:t>2014/3/6</a:t>
             </a:fld>
             <a:endParaRPr kumimoji="1" lang="ja-JP" altLang="en-US"/>
           </a:p>
@@ -3407,7 +3411,7 @@
         </p:nvSpPr>
         <p:spPr>
           <a:xfrm>
-            <a:off x="685800" y="1814959"/>
+            <a:off x="685800" y="1628800"/>
             <a:ext cx="7772400" cy="1470025"/>
           </a:xfrm>
         </p:spPr>
@@ -3418,14 +3422,18 @@
           <a:lstStyle/>
           <a:p>
             <a:r>
-              <a:rPr kumimoji="1" lang="en-US" altLang="ja-JP" sz="5400" dirty="0" smtClean="0"/>
-              <a:t>G: </a:t>
-            </a:r>
-            <a:r>
-              <a:rPr kumimoji="1" lang="ja-JP" altLang="en-US" sz="5400" dirty="0" smtClean="0"/>
-              <a:t>夏休みの掃除当番</a:t>
-            </a:r>
-            <a:endParaRPr kumimoji="1" lang="ja-JP" altLang="en-US" sz="5400" dirty="0"/>
+              <a:rPr kumimoji="1" lang="en-US" altLang="ja-JP" sz="6000" dirty="0" smtClean="0"/>
+              <a:t>G</a:t>
+            </a:r>
+            <a:r>
+              <a:rPr kumimoji="1" lang="ja-JP" altLang="en-US" sz="6000" dirty="0" smtClean="0"/>
+              <a:t>：夏休み</a:t>
+            </a:r>
+            <a:r>
+              <a:rPr kumimoji="1" lang="ja-JP" altLang="en-US" sz="6000" dirty="0" smtClean="0"/>
+              <a:t>の掃除当番</a:t>
+            </a:r>
+            <a:endParaRPr kumimoji="1" lang="ja-JP" altLang="en-US" sz="6000" dirty="0"/>
           </a:p>
         </p:txBody>
       </p:sp>
@@ -3442,7 +3450,7 @@
         <p:spPr>
           <a:xfrm>
             <a:off x="1371600" y="3789040"/>
-            <a:ext cx="6400800" cy="1752600"/>
+            <a:ext cx="6400800" cy="2232248"/>
           </a:xfrm>
         </p:spPr>
         <p:txBody>
@@ -3452,8 +3460,22 @@
           <a:lstStyle/>
           <a:p>
             <a:r>
-              <a:rPr lang="en-US" altLang="ja-JP" sz="4000" dirty="0" err="1" smtClean="0"/>
-              <a:t>kawatea</a:t>
+              <a:rPr kumimoji="1" lang="ja-JP" altLang="en-US" sz="4000" dirty="0" smtClean="0"/>
+              <a:t>問題：河田</a:t>
+            </a:r>
+            <a:endParaRPr kumimoji="1" lang="en-US" altLang="ja-JP" sz="4000" dirty="0" smtClean="0"/>
+          </a:p>
+          <a:p>
+            <a:r>
+              <a:rPr lang="ja-JP" altLang="en-US" sz="4000" dirty="0" smtClean="0"/>
+              <a:t>解答：河田、大坂</a:t>
+            </a:r>
+            <a:endParaRPr lang="en-US" altLang="ja-JP" sz="4000" dirty="0" smtClean="0"/>
+          </a:p>
+          <a:p>
+            <a:r>
+              <a:rPr kumimoji="1" lang="ja-JP" altLang="en-US" sz="4000" dirty="0" smtClean="0"/>
+              <a:t>解説：河田</a:t>
             </a:r>
             <a:endParaRPr kumimoji="1" lang="ja-JP" altLang="en-US" sz="4000" dirty="0"/>
           </a:p>
@@ -3469,6 +3491,157 @@
   <p:clrMapOvr>
     <a:masterClrMapping/>
   </p:clrMapOvr>
+  <p:timing>
+    <p:tnLst>
+      <p:par>
+        <p:cTn id="1" dur="indefinite" restart="never" nodeType="tmRoot"/>
+      </p:par>
+    </p:tnLst>
+  </p:timing>
+</p:sld>
+</file>
+
+<file path=ppt/slides/slide10.xml><?xml version="1.0" encoding="utf-8"?>
+<p:sld xmlns:a="http://schemas.openxmlformats.org/drawingml/2006/main" xmlns:r="http://schemas.openxmlformats.org/officeDocument/2006/relationships" xmlns:p="http://schemas.openxmlformats.org/presentationml/2006/main">
+  <p:cSld>
+    <p:spTree>
+      <p:nvGrpSpPr>
+        <p:cNvPr id="1" name=""/>
+        <p:cNvGrpSpPr/>
+        <p:nvPr/>
+      </p:nvGrpSpPr>
+      <p:grpSpPr>
+        <a:xfrm>
+          <a:off x="0" y="0"/>
+          <a:ext cx="0" cy="0"/>
+          <a:chOff x="0" y="0"/>
+          <a:chExt cx="0" cy="0"/>
+        </a:xfrm>
+      </p:grpSpPr>
+      <p:sp>
+        <p:nvSpPr>
+          <p:cNvPr id="2" name="タイトル 1"/>
+          <p:cNvSpPr>
+            <a:spLocks noGrp="1"/>
+          </p:cNvSpPr>
+          <p:nvPr>
+            <p:ph type="title"/>
+          </p:nvPr>
+        </p:nvSpPr>
+        <p:spPr/>
+        <p:txBody>
+          <a:bodyPr/>
+          <a:lstStyle/>
+          <a:p>
+            <a:r>
+              <a:rPr kumimoji="1" lang="ja-JP" altLang="en-US" dirty="0" smtClean="0"/>
+              <a:t>統計情報</a:t>
+            </a:r>
+            <a:endParaRPr kumimoji="1" lang="ja-JP" altLang="en-US" dirty="0"/>
+          </a:p>
+        </p:txBody>
+      </p:sp>
+      <p:sp>
+        <p:nvSpPr>
+          <p:cNvPr id="3" name="コンテンツ プレースホルダー 2"/>
+          <p:cNvSpPr>
+            <a:spLocks noGrp="1"/>
+          </p:cNvSpPr>
+          <p:nvPr>
+            <p:ph idx="1"/>
+          </p:nvPr>
+        </p:nvSpPr>
+        <p:spPr/>
+        <p:txBody>
+          <a:bodyPr/>
+          <a:lstStyle/>
+          <a:p>
+            <a:r>
+              <a:rPr kumimoji="1" lang="en-US" altLang="ja-JP" dirty="0" smtClean="0"/>
+              <a:t>First Accept: yutaka1999 (96:57)</a:t>
+            </a:r>
+          </a:p>
+          <a:p>
+            <a:r>
+              <a:rPr lang="en-US" altLang="ja-JP" dirty="0" smtClean="0"/>
+              <a:t>First Accept (onsite): </a:t>
+            </a:r>
+            <a:r>
+              <a:rPr lang="lo-LA" altLang="ja-JP" dirty="0"/>
+              <a:t>ຣ</a:t>
+            </a:r>
+            <a:r>
+              <a:rPr lang="ml-IN" altLang="ja-JP" dirty="0"/>
+              <a:t>സ</a:t>
+            </a:r>
+            <a:r>
+              <a:rPr lang="ar-AE" altLang="ja-JP" dirty="0"/>
+              <a:t>ں</a:t>
+            </a:r>
+            <a:r>
+              <a:rPr lang="en-US" altLang="ja-JP" dirty="0"/>
+              <a:t>ƙ</a:t>
+            </a:r>
+            <a:r>
+              <a:rPr lang="iu-Cans-CA" altLang="ja-JP" dirty="0"/>
+              <a:t>ᘓ</a:t>
+            </a:r>
+            <a:r>
+              <a:rPr lang="iu-Cans-CA" altLang="ja-JP" dirty="0" smtClean="0"/>
+              <a:t>‮</a:t>
+            </a:r>
+            <a:r>
+              <a:rPr lang="en-US" altLang="ja-JP" dirty="0"/>
+              <a:t>(</a:t>
+            </a:r>
+            <a:r>
+              <a:rPr lang="ja-JP" altLang="en-US" dirty="0" smtClean="0"/>
+              <a:t>ひとり</a:t>
+            </a:r>
+            <a:r>
+              <a:rPr lang="en-US" altLang="ja-JP" dirty="0" smtClean="0"/>
+              <a:t>) (108:46)</a:t>
+            </a:r>
+          </a:p>
+          <a:p>
+            <a:r>
+              <a:rPr kumimoji="1" lang="en-US" altLang="ja-JP" dirty="0" smtClean="0"/>
+              <a:t>Accepted: 29 (12%)</a:t>
+            </a:r>
+          </a:p>
+          <a:p>
+            <a:r>
+              <a:rPr lang="en-US" altLang="ja-JP" dirty="0" smtClean="0"/>
+              <a:t>Trying: 67</a:t>
+            </a:r>
+            <a:endParaRPr kumimoji="1" lang="en-US" altLang="ja-JP" dirty="0" smtClean="0"/>
+          </a:p>
+          <a:p>
+            <a:r>
+              <a:rPr lang="en-US" altLang="ja-JP" dirty="0" smtClean="0"/>
+              <a:t>Total Submission: 245</a:t>
+            </a:r>
+            <a:endParaRPr kumimoji="1" lang="ja-JP" altLang="en-US" dirty="0"/>
+          </a:p>
+        </p:txBody>
+      </p:sp>
+    </p:spTree>
+    <p:extLst>
+      <p:ext uri="{BB962C8B-B14F-4D97-AF65-F5344CB8AC3E}">
+        <p14:creationId xmlns:p14="http://schemas.microsoft.com/office/powerpoint/2010/main" val="1113980814"/>
+      </p:ext>
+    </p:extLst>
+  </p:cSld>
+  <p:clrMapOvr>
+    <a:masterClrMapping/>
+  </p:clrMapOvr>
+  <p:timing>
+    <p:tnLst>
+      <p:par>
+        <p:cTn id="1" dur="indefinite" restart="never" nodeType="tmRoot"/>
+      </p:par>
+    </p:tnLst>
+  </p:timing>
 </p:sld>
 </file>
 
@@ -3505,25 +3678,780 @@
           <a:lstStyle/>
           <a:p>
             <a:r>
-              <a:rPr lang="ja-JP" altLang="en-US" dirty="0" smtClean="0"/>
-              <a:t>部分点解法</a:t>
-            </a:r>
-            <a:r>
-              <a:rPr lang="en-US" altLang="ja-JP" dirty="0" smtClean="0"/>
-              <a:t>(K=0</a:t>
-            </a:r>
-            <a:r>
-              <a:rPr lang="ja-JP" altLang="en-US" dirty="0" smtClean="0"/>
-              <a:t>の場合</a:t>
-            </a:r>
-            <a:r>
-              <a:rPr lang="en-US" altLang="ja-JP" dirty="0" smtClean="0"/>
-              <a:t>)</a:t>
+              <a:rPr kumimoji="1" lang="ja-JP" altLang="en-US" dirty="0" smtClean="0"/>
+              <a:t>問題概要</a:t>
             </a:r>
             <a:endParaRPr kumimoji="1" lang="ja-JP" altLang="en-US" dirty="0"/>
           </a:p>
         </p:txBody>
       </p:sp>
+      <mc:AlternateContent xmlns:mc="http://schemas.openxmlformats.org/markup-compatibility/2006">
+        <mc:Choice xmlns:a14="http://schemas.microsoft.com/office/drawing/2010/main" Requires="a14">
+          <p:sp>
+            <p:nvSpPr>
+              <p:cNvPr id="3" name="コンテンツ プレースホルダー 2"/>
+              <p:cNvSpPr>
+                <a:spLocks noGrp="1"/>
+              </p:cNvSpPr>
+              <p:nvPr>
+                <p:ph idx="1"/>
+              </p:nvPr>
+            </p:nvSpPr>
+            <p:spPr/>
+            <p:txBody>
+              <a:bodyPr/>
+              <a:lstStyle/>
+              <a:p>
+                <a14:m>
+                  <m:oMath xmlns:m="http://schemas.openxmlformats.org/officeDocument/2006/math">
+                    <m:r>
+                      <a:rPr kumimoji="1" lang="en-US" altLang="ja-JP" b="0" i="1" smtClean="0">
+                        <a:latin typeface="Cambria Math"/>
+                      </a:rPr>
+                      <m:t>𝑁</m:t>
+                    </m:r>
+                  </m:oMath>
+                </a14:m>
+                <a:r>
+                  <a:rPr kumimoji="1" lang="ja-JP" altLang="en-US" dirty="0" smtClean="0"/>
+                  <a:t>人の学生を </a:t>
+                </a:r>
+                <a14:m>
+                  <m:oMath xmlns:m="http://schemas.openxmlformats.org/officeDocument/2006/math">
+                    <m:r>
+                      <a:rPr kumimoji="1" lang="en-US" altLang="ja-JP" b="0" i="1" smtClean="0">
+                        <a:latin typeface="Cambria Math"/>
+                      </a:rPr>
+                      <m:t>𝑀</m:t>
+                    </m:r>
+                  </m:oMath>
+                </a14:m>
+                <a:r>
+                  <a:rPr kumimoji="1" lang="ja-JP" altLang="en-US" dirty="0" smtClean="0"/>
+                  <a:t>日の夏休みの掃除当番に割り当て</a:t>
+                </a:r>
+                <a:r>
+                  <a:rPr kumimoji="1" lang="en-US" altLang="ja-JP" dirty="0" smtClean="0"/>
+                  <a:t/>
+                </a:r>
+                <a:br>
+                  <a:rPr kumimoji="1" lang="en-US" altLang="ja-JP" dirty="0" smtClean="0"/>
+                </a:br>
+                <a:r>
+                  <a:rPr kumimoji="1" lang="ja-JP" altLang="en-US" dirty="0" smtClean="0"/>
+                  <a:t>最も長く掃除が行われない期間を最小にする</a:t>
+                </a:r>
+                <a:endParaRPr kumimoji="1" lang="en-US" altLang="ja-JP" dirty="0" smtClean="0"/>
+              </a:p>
+              <a:p>
+                <a14:m>
+                  <m:oMath xmlns:m="http://schemas.openxmlformats.org/officeDocument/2006/math">
+                    <m:r>
+                      <a:rPr kumimoji="1" lang="en-US" altLang="ja-JP" b="0" i="1" smtClean="0">
+                        <a:latin typeface="Cambria Math"/>
+                      </a:rPr>
+                      <m:t>𝑖</m:t>
+                    </m:r>
+                  </m:oMath>
+                </a14:m>
+                <a:r>
+                  <a:rPr kumimoji="1" lang="ja-JP" altLang="en-US" dirty="0" smtClean="0"/>
+                  <a:t>番目の学生は </a:t>
+                </a:r>
+                <a14:m>
+                  <m:oMath xmlns:m="http://schemas.openxmlformats.org/officeDocument/2006/math">
+                    <m:sSub>
+                      <m:sSubPr>
+                        <m:ctrlPr>
+                          <a:rPr kumimoji="1" lang="en-US" altLang="ja-JP" b="0" i="1" smtClean="0">
+                            <a:latin typeface="Cambria Math"/>
+                          </a:rPr>
+                        </m:ctrlPr>
+                      </m:sSubPr>
+                      <m:e>
+                        <m:r>
+                          <a:rPr kumimoji="1" lang="en-US" altLang="ja-JP" b="0" i="1" smtClean="0">
+                            <a:latin typeface="Cambria Math"/>
+                          </a:rPr>
+                          <m:t>𝑎</m:t>
+                        </m:r>
+                      </m:e>
+                      <m:sub>
+                        <m:r>
+                          <a:rPr kumimoji="1" lang="en-US" altLang="ja-JP" b="0" i="1" smtClean="0">
+                            <a:latin typeface="Cambria Math"/>
+                          </a:rPr>
+                          <m:t>𝑖</m:t>
+                        </m:r>
+                      </m:sub>
+                    </m:sSub>
+                  </m:oMath>
+                </a14:m>
+                <a:r>
+                  <a:rPr kumimoji="1" lang="ja-JP" altLang="en-US" dirty="0" smtClean="0"/>
+                  <a:t>から </a:t>
+                </a:r>
+                <a14:m>
+                  <m:oMath xmlns:m="http://schemas.openxmlformats.org/officeDocument/2006/math">
+                    <m:sSub>
+                      <m:sSubPr>
+                        <m:ctrlPr>
+                          <a:rPr kumimoji="1" lang="en-US" altLang="ja-JP" b="0" i="1" dirty="0" smtClean="0">
+                            <a:latin typeface="Cambria Math"/>
+                          </a:rPr>
+                        </m:ctrlPr>
+                      </m:sSubPr>
+                      <m:e>
+                        <m:r>
+                          <a:rPr kumimoji="1" lang="en-US" altLang="ja-JP" b="0" i="1" dirty="0" smtClean="0">
+                            <a:latin typeface="Cambria Math"/>
+                          </a:rPr>
+                          <m:t>𝑏</m:t>
+                        </m:r>
+                      </m:e>
+                      <m:sub>
+                        <m:r>
+                          <a:rPr kumimoji="1" lang="en-US" altLang="ja-JP" b="0" i="1" dirty="0" smtClean="0">
+                            <a:latin typeface="Cambria Math"/>
+                          </a:rPr>
+                          <m:t>𝑖</m:t>
+                        </m:r>
+                      </m:sub>
+                    </m:sSub>
+                  </m:oMath>
+                </a14:m>
+                <a:r>
+                  <a:rPr kumimoji="1" lang="ja-JP" altLang="en-US" dirty="0" smtClean="0"/>
+                  <a:t>の間の日に一度だけ掃除が</a:t>
+                </a:r>
+                <a:r>
+                  <a:rPr kumimoji="1" lang="en-US" altLang="ja-JP" dirty="0" smtClean="0"/>
+                  <a:t/>
+                </a:r>
+                <a:br>
+                  <a:rPr kumimoji="1" lang="en-US" altLang="ja-JP" dirty="0" smtClean="0"/>
+                </a:br>
+                <a:r>
+                  <a:rPr kumimoji="1" lang="ja-JP" altLang="en-US" dirty="0" smtClean="0"/>
+                  <a:t>できる</a:t>
+                </a:r>
+                <a:endParaRPr kumimoji="1" lang="en-US" altLang="ja-JP" dirty="0" smtClean="0"/>
+              </a:p>
+              <a:p>
+                <a:r>
+                  <a:rPr lang="ja-JP" altLang="en-US" dirty="0" smtClean="0"/>
+                  <a:t>ただし </a:t>
+                </a:r>
+                <a14:m>
+                  <m:oMath xmlns:m="http://schemas.openxmlformats.org/officeDocument/2006/math">
+                    <m:r>
+                      <a:rPr lang="en-US" altLang="ja-JP" b="0" i="1" smtClean="0">
+                        <a:latin typeface="Cambria Math"/>
+                      </a:rPr>
+                      <m:t>𝐾</m:t>
+                    </m:r>
+                  </m:oMath>
+                </a14:m>
+                <a:r>
+                  <a:rPr kumimoji="1" lang="ja-JP" altLang="en-US" dirty="0" smtClean="0"/>
+                  <a:t>人を好きなように選んでその学生には </a:t>
+                </a:r>
+                <a14:m>
+                  <m:oMath xmlns:m="http://schemas.openxmlformats.org/officeDocument/2006/math">
+                    <m:sSub>
+                      <m:sSubPr>
+                        <m:ctrlPr>
+                          <a:rPr kumimoji="1" lang="en-US" altLang="ja-JP" b="0" i="1" smtClean="0">
+                            <a:latin typeface="Cambria Math"/>
+                          </a:rPr>
+                        </m:ctrlPr>
+                      </m:sSubPr>
+                      <m:e>
+                        <m:r>
+                          <a:rPr kumimoji="1" lang="en-US" altLang="ja-JP" b="0" i="1" smtClean="0">
+                            <a:latin typeface="Cambria Math"/>
+                          </a:rPr>
+                          <m:t>𝑎</m:t>
+                        </m:r>
+                      </m:e>
+                      <m:sub>
+                        <m:r>
+                          <a:rPr kumimoji="1" lang="en-US" altLang="ja-JP" b="0" i="1" smtClean="0">
+                            <a:latin typeface="Cambria Math"/>
+                          </a:rPr>
+                          <m:t>𝑖</m:t>
+                        </m:r>
+                      </m:sub>
+                    </m:sSub>
+                  </m:oMath>
+                </a14:m>
+                <a:r>
+                  <a:rPr kumimoji="1" lang="ja-JP" altLang="en-US" dirty="0" smtClean="0"/>
+                  <a:t>から</a:t>
+                </a:r>
+                <a:r>
+                  <a:rPr kumimoji="1" lang="en-US" altLang="ja-JP" dirty="0" smtClean="0"/>
+                  <a:t/>
+                </a:r>
+                <a:br>
+                  <a:rPr kumimoji="1" lang="en-US" altLang="ja-JP" dirty="0" smtClean="0"/>
+                </a:br>
+                <a14:m>
+                  <m:oMath xmlns:m="http://schemas.openxmlformats.org/officeDocument/2006/math">
+                    <m:sSub>
+                      <m:sSubPr>
+                        <m:ctrlPr>
+                          <a:rPr kumimoji="1" lang="en-US" altLang="ja-JP" b="0" i="1" dirty="0" smtClean="0">
+                            <a:latin typeface="Cambria Math"/>
+                          </a:rPr>
+                        </m:ctrlPr>
+                      </m:sSubPr>
+                      <m:e>
+                        <m:r>
+                          <a:rPr kumimoji="1" lang="en-US" altLang="ja-JP" b="0" i="1" dirty="0" smtClean="0">
+                            <a:latin typeface="Cambria Math"/>
+                          </a:rPr>
+                          <m:t>𝑏</m:t>
+                        </m:r>
+                      </m:e>
+                      <m:sub>
+                        <m:r>
+                          <a:rPr kumimoji="1" lang="en-US" altLang="ja-JP" b="0" i="1" dirty="0" smtClean="0">
+                            <a:latin typeface="Cambria Math"/>
+                          </a:rPr>
+                          <m:t>𝑖</m:t>
+                        </m:r>
+                      </m:sub>
+                    </m:sSub>
+                  </m:oMath>
+                </a14:m>
+                <a:r>
+                  <a:rPr kumimoji="1" lang="ja-JP" altLang="en-US" dirty="0" smtClean="0"/>
+                  <a:t>の間の日に毎日掃除をするように頼むことができる</a:t>
+                </a:r>
+                <a:endParaRPr kumimoji="1" lang="ja-JP" altLang="en-US" dirty="0"/>
+              </a:p>
+            </p:txBody>
+          </p:sp>
+        </mc:Choice>
+        <mc:Fallback>
+          <p:sp>
+            <p:nvSpPr>
+              <p:cNvPr id="3" name="コンテンツ プレースホルダー 2"/>
+              <p:cNvSpPr>
+                <a:spLocks noGrp="1" noRot="1" noChangeAspect="1" noMove="1" noResize="1" noEditPoints="1" noAdjustHandles="1" noChangeArrowheads="1" noChangeShapeType="1" noTextEdit="1"/>
+              </p:cNvSpPr>
+              <p:nvPr>
+                <p:ph idx="1"/>
+              </p:nvPr>
+            </p:nvSpPr>
+            <p:spPr>
+              <a:blipFill rotWithShape="1">
+                <a:blip r:embed="rId2"/>
+                <a:stretch>
+                  <a:fillRect l="-1571" t="-1648" r="-1708"/>
+                </a:stretch>
+              </a:blipFill>
+            </p:spPr>
+            <p:txBody>
+              <a:bodyPr/>
+              <a:lstStyle/>
+              <a:p>
+                <a:r>
+                  <a:rPr lang="ja-JP" altLang="en-US">
+                    <a:noFill/>
+                  </a:rPr>
+                  <a:t> </a:t>
+                </a:r>
+              </a:p>
+            </p:txBody>
+          </p:sp>
+        </mc:Fallback>
+      </mc:AlternateContent>
+      <mc:AlternateContent xmlns:mc="http://schemas.openxmlformats.org/markup-compatibility/2006">
+        <mc:Choice xmlns:a14="http://schemas.microsoft.com/office/drawing/2010/main" Requires="a14">
+          <p:sp>
+            <p:nvSpPr>
+              <p:cNvPr id="4" name="テキスト ボックス 3"/>
+              <p:cNvSpPr txBox="1"/>
+              <p:nvPr/>
+            </p:nvSpPr>
+            <p:spPr>
+              <a:xfrm>
+                <a:off x="539552" y="4918292"/>
+                <a:ext cx="4680520" cy="958980"/>
+              </a:xfrm>
+              <a:prstGeom prst="rect">
+                <a:avLst/>
+              </a:prstGeom>
+              <a:noFill/>
+            </p:spPr>
+            <p:txBody>
+              <a:bodyPr wrap="square" rtlCol="0">
+                <a:spAutoFit/>
+              </a:bodyPr>
+              <a:lstStyle/>
+              <a:p>
+                <a14:m>
+                  <m:oMath xmlns:m="http://schemas.openxmlformats.org/officeDocument/2006/math">
+                    <m:r>
+                      <a:rPr kumimoji="1" lang="en-US" altLang="ja-JP" sz="2800" b="0" i="1" smtClean="0">
+                        <a:latin typeface="Cambria Math"/>
+                      </a:rPr>
+                      <m:t>1≤</m:t>
+                    </m:r>
+                    <m:r>
+                      <a:rPr kumimoji="1" lang="en-US" altLang="ja-JP" sz="2800" b="0" i="1" smtClean="0">
+                        <a:latin typeface="Cambria Math"/>
+                      </a:rPr>
+                      <m:t>𝑁</m:t>
+                    </m:r>
+                    <m:r>
+                      <a:rPr kumimoji="1" lang="en-US" altLang="ja-JP" sz="2800" b="0" i="1" smtClean="0">
+                        <a:latin typeface="Cambria Math"/>
+                      </a:rPr>
+                      <m:t>≤</m:t>
+                    </m:r>
+                    <m:sSup>
+                      <m:sSupPr>
+                        <m:ctrlPr>
+                          <a:rPr kumimoji="1" lang="en-US" altLang="ja-JP" sz="2800" b="0" i="1" smtClean="0">
+                            <a:latin typeface="Cambria Math"/>
+                          </a:rPr>
+                        </m:ctrlPr>
+                      </m:sSupPr>
+                      <m:e>
+                        <m:r>
+                          <a:rPr kumimoji="1" lang="en-US" altLang="ja-JP" sz="2800" b="0" i="1" smtClean="0">
+                            <a:latin typeface="Cambria Math"/>
+                          </a:rPr>
+                          <m:t>10</m:t>
+                        </m:r>
+                      </m:e>
+                      <m:sup>
+                        <m:r>
+                          <a:rPr kumimoji="1" lang="en-US" altLang="ja-JP" sz="2800" b="0" i="1" smtClean="0">
+                            <a:latin typeface="Cambria Math"/>
+                          </a:rPr>
+                          <m:t>5</m:t>
+                        </m:r>
+                      </m:sup>
+                    </m:sSup>
+                  </m:oMath>
+                </a14:m>
+                <a:r>
+                  <a:rPr kumimoji="1" lang="en-US" altLang="ja-JP" sz="2800" b="0" dirty="0" smtClean="0"/>
+                  <a:t>,</a:t>
+                </a:r>
+                <a14:m>
+                  <m:oMath xmlns:m="http://schemas.openxmlformats.org/officeDocument/2006/math">
+                    <m:r>
+                      <a:rPr kumimoji="1" lang="en-US" altLang="ja-JP" sz="2800" b="0" i="1" smtClean="0">
+                        <a:latin typeface="Cambria Math"/>
+                      </a:rPr>
+                      <m:t>1≤</m:t>
+                    </m:r>
+                    <m:r>
+                      <a:rPr kumimoji="1" lang="en-US" altLang="ja-JP" sz="2800" b="0" i="1" smtClean="0">
+                        <a:latin typeface="Cambria Math"/>
+                      </a:rPr>
+                      <m:t>𝑀</m:t>
+                    </m:r>
+                    <m:r>
+                      <a:rPr kumimoji="1" lang="en-US" altLang="ja-JP" sz="2800" b="0" i="1" smtClean="0">
+                        <a:latin typeface="Cambria Math"/>
+                      </a:rPr>
+                      <m:t>≤</m:t>
+                    </m:r>
+                    <m:sSup>
+                      <m:sSupPr>
+                        <m:ctrlPr>
+                          <a:rPr kumimoji="1" lang="en-US" altLang="ja-JP" sz="2800" b="0" i="1" smtClean="0">
+                            <a:latin typeface="Cambria Math"/>
+                          </a:rPr>
+                        </m:ctrlPr>
+                      </m:sSupPr>
+                      <m:e>
+                        <m:r>
+                          <a:rPr kumimoji="1" lang="en-US" altLang="ja-JP" sz="2800" b="0" i="1" smtClean="0">
+                            <a:latin typeface="Cambria Math"/>
+                          </a:rPr>
+                          <m:t>10</m:t>
+                        </m:r>
+                      </m:e>
+                      <m:sup>
+                        <m:r>
+                          <a:rPr kumimoji="1" lang="en-US" altLang="ja-JP" sz="2800" b="0" i="1" smtClean="0">
+                            <a:latin typeface="Cambria Math"/>
+                          </a:rPr>
+                          <m:t>9</m:t>
+                        </m:r>
+                      </m:sup>
+                    </m:sSup>
+                  </m:oMath>
+                </a14:m>
+                <a:r>
+                  <a:rPr kumimoji="1" lang="en-US" altLang="ja-JP" sz="2800" b="0" dirty="0" smtClean="0"/>
+                  <a:t>,</a:t>
+                </a:r>
+                <a:br>
+                  <a:rPr kumimoji="1" lang="en-US" altLang="ja-JP" sz="2800" b="0" dirty="0" smtClean="0"/>
+                </a:br>
+                <a14:m>
+                  <m:oMath xmlns:m="http://schemas.openxmlformats.org/officeDocument/2006/math">
+                    <m:r>
+                      <a:rPr kumimoji="1" lang="en-US" altLang="ja-JP" sz="2800" b="0" i="1" smtClean="0">
+                        <a:latin typeface="Cambria Math"/>
+                      </a:rPr>
+                      <m:t>0≤</m:t>
+                    </m:r>
+                    <m:r>
+                      <a:rPr kumimoji="1" lang="en-US" altLang="ja-JP" sz="2800" b="0" i="1" smtClean="0">
+                        <a:latin typeface="Cambria Math"/>
+                      </a:rPr>
+                      <m:t>𝐾</m:t>
+                    </m:r>
+                    <m:r>
+                      <a:rPr kumimoji="1" lang="en-US" altLang="ja-JP" sz="2800" b="0" i="1" smtClean="0">
+                        <a:latin typeface="Cambria Math"/>
+                      </a:rPr>
+                      <m:t>≤</m:t>
+                    </m:r>
+                    <m:r>
+                      <a:rPr kumimoji="1" lang="en-US" altLang="ja-JP" sz="2800" b="0" i="1" smtClean="0">
+                        <a:latin typeface="Cambria Math"/>
+                      </a:rPr>
+                      <m:t>𝑁</m:t>
+                    </m:r>
+                  </m:oMath>
+                </a14:m>
+                <a:r>
+                  <a:rPr kumimoji="1" lang="en-US" altLang="ja-JP" sz="2800" b="0" dirty="0" smtClean="0"/>
+                  <a:t>,</a:t>
+                </a:r>
+                <a14:m>
+                  <m:oMath xmlns:m="http://schemas.openxmlformats.org/officeDocument/2006/math">
+                    <m:r>
+                      <a:rPr kumimoji="1" lang="en-US" altLang="ja-JP" sz="2800" b="0" i="1" smtClean="0">
+                        <a:latin typeface="Cambria Math"/>
+                      </a:rPr>
+                      <m:t>1≤</m:t>
+                    </m:r>
+                    <m:sSub>
+                      <m:sSubPr>
+                        <m:ctrlPr>
+                          <a:rPr kumimoji="1" lang="en-US" altLang="ja-JP" sz="2800" b="0" i="1" smtClean="0">
+                            <a:latin typeface="Cambria Math"/>
+                          </a:rPr>
+                        </m:ctrlPr>
+                      </m:sSubPr>
+                      <m:e>
+                        <m:r>
+                          <a:rPr kumimoji="1" lang="en-US" altLang="ja-JP" sz="2800" b="0" i="1" smtClean="0">
+                            <a:latin typeface="Cambria Math"/>
+                          </a:rPr>
+                          <m:t>𝑎</m:t>
+                        </m:r>
+                      </m:e>
+                      <m:sub>
+                        <m:r>
+                          <a:rPr kumimoji="1" lang="en-US" altLang="ja-JP" sz="2800" b="0" i="1" smtClean="0">
+                            <a:latin typeface="Cambria Math"/>
+                          </a:rPr>
+                          <m:t>𝑖</m:t>
+                        </m:r>
+                      </m:sub>
+                    </m:sSub>
+                    <m:r>
+                      <a:rPr kumimoji="1" lang="en-US" altLang="ja-JP" sz="2800" b="0" i="1" smtClean="0">
+                        <a:latin typeface="Cambria Math"/>
+                      </a:rPr>
+                      <m:t>≤</m:t>
+                    </m:r>
+                    <m:sSub>
+                      <m:sSubPr>
+                        <m:ctrlPr>
+                          <a:rPr kumimoji="1" lang="en-US" altLang="ja-JP" sz="2800" b="0" i="1" smtClean="0">
+                            <a:latin typeface="Cambria Math"/>
+                          </a:rPr>
+                        </m:ctrlPr>
+                      </m:sSubPr>
+                      <m:e>
+                        <m:r>
+                          <a:rPr kumimoji="1" lang="en-US" altLang="ja-JP" sz="2800" b="0" i="1" smtClean="0">
+                            <a:latin typeface="Cambria Math"/>
+                          </a:rPr>
+                          <m:t>𝑏</m:t>
+                        </m:r>
+                      </m:e>
+                      <m:sub>
+                        <m:r>
+                          <a:rPr kumimoji="1" lang="en-US" altLang="ja-JP" sz="2800" b="0" i="1" smtClean="0">
+                            <a:latin typeface="Cambria Math"/>
+                          </a:rPr>
+                          <m:t>𝑖</m:t>
+                        </m:r>
+                      </m:sub>
+                    </m:sSub>
+                    <m:r>
+                      <a:rPr kumimoji="1" lang="en-US" altLang="ja-JP" sz="2800" b="0" i="1" smtClean="0">
+                        <a:latin typeface="Cambria Math"/>
+                      </a:rPr>
+                      <m:t>≤</m:t>
+                    </m:r>
+                    <m:r>
+                      <a:rPr kumimoji="1" lang="en-US" altLang="ja-JP" sz="2800" b="0" i="1" smtClean="0">
+                        <a:latin typeface="Cambria Math"/>
+                      </a:rPr>
+                      <m:t>𝑀</m:t>
+                    </m:r>
+                  </m:oMath>
+                </a14:m>
+                <a:endParaRPr kumimoji="1" lang="ja-JP" altLang="en-US" sz="2800" dirty="0"/>
+              </a:p>
+            </p:txBody>
+          </p:sp>
+        </mc:Choice>
+        <mc:Fallback>
+          <p:sp>
+            <p:nvSpPr>
+              <p:cNvPr id="4" name="テキスト ボックス 3"/>
+              <p:cNvSpPr txBox="1">
+                <a:spLocks noRot="1" noChangeAspect="1" noMove="1" noResize="1" noEditPoints="1" noAdjustHandles="1" noChangeArrowheads="1" noChangeShapeType="1" noTextEdit="1"/>
+              </p:cNvSpPr>
+              <p:nvPr/>
+            </p:nvSpPr>
+            <p:spPr>
+              <a:xfrm>
+                <a:off x="539552" y="4918292"/>
+                <a:ext cx="4680520" cy="958980"/>
+              </a:xfrm>
+              <a:prstGeom prst="rect">
+                <a:avLst/>
+              </a:prstGeom>
+              <a:blipFill rotWithShape="1">
+                <a:blip r:embed="rId3"/>
+                <a:stretch>
+                  <a:fillRect t="-5732" b="-17197"/>
+                </a:stretch>
+              </a:blipFill>
+            </p:spPr>
+            <p:txBody>
+              <a:bodyPr/>
+              <a:lstStyle/>
+              <a:p>
+                <a:r>
+                  <a:rPr lang="ja-JP" altLang="en-US">
+                    <a:noFill/>
+                  </a:rPr>
+                  <a:t> </a:t>
+                </a:r>
+              </a:p>
+            </p:txBody>
+          </p:sp>
+        </mc:Fallback>
+      </mc:AlternateContent>
+      <p:pic>
+        <p:nvPicPr>
+          <p:cNvPr id="6" name="Picture 2"/>
+          <p:cNvPicPr>
+            <a:picLocks noChangeAspect="1" noChangeArrowheads="1"/>
+          </p:cNvPicPr>
+          <p:nvPr/>
+        </p:nvPicPr>
+        <p:blipFill>
+          <a:blip r:embed="rId4">
+            <a:extLst>
+              <a:ext uri="{28A0092B-C50C-407E-A947-70E740481C1C}">
+                <a14:useLocalDpi xmlns:a14="http://schemas.microsoft.com/office/drawing/2010/main" val="0"/>
+              </a:ext>
+            </a:extLst>
+          </a:blip>
+          <a:srcRect/>
+          <a:stretch>
+            <a:fillRect/>
+          </a:stretch>
+        </p:blipFill>
+        <p:spPr bwMode="auto">
+          <a:xfrm>
+            <a:off x="5364088" y="4437112"/>
+            <a:ext cx="3168352" cy="2511075"/>
+          </a:xfrm>
+          <a:prstGeom prst="rect">
+            <a:avLst/>
+          </a:prstGeom>
+          <a:noFill/>
+          <a:ln>
+            <a:noFill/>
+          </a:ln>
+          <a:effectLst/>
+          <a:extLst>
+            <a:ext uri="{909E8E84-426E-40DD-AFC4-6F175D3DCCD1}">
+              <a14:hiddenFill xmlns:a14="http://schemas.microsoft.com/office/drawing/2010/main">
+                <a:solidFill>
+                  <a:schemeClr val="accent1"/>
+                </a:solidFill>
+              </a14:hiddenFill>
+            </a:ext>
+            <a:ext uri="{91240B29-F687-4F45-9708-019B960494DF}">
+              <a14:hiddenLine xmlns:a14="http://schemas.microsoft.com/office/drawing/2010/main" w="9525">
+                <a:solidFill>
+                  <a:schemeClr val="tx1"/>
+                </a:solidFill>
+                <a:miter lim="800000"/>
+                <a:headEnd/>
+                <a:tailEnd/>
+              </a14:hiddenLine>
+            </a:ext>
+            <a:ext uri="{AF507438-7753-43E0-B8FC-AC1667EBCBE1}">
+              <a14:hiddenEffects xmlns:a14="http://schemas.microsoft.com/office/drawing/2010/main">
+                <a:effectLst>
+                  <a:outerShdw dist="35921" dir="2700000" algn="ctr" rotWithShape="0">
+                    <a:schemeClr val="bg2"/>
+                  </a:outerShdw>
+                </a:effectLst>
+              </a14:hiddenEffects>
+            </a:ext>
+          </a:extLst>
+        </p:spPr>
+      </p:pic>
+    </p:spTree>
+    <p:extLst>
+      <p:ext uri="{BB962C8B-B14F-4D97-AF65-F5344CB8AC3E}">
+        <p14:creationId xmlns:p14="http://schemas.microsoft.com/office/powerpoint/2010/main" val="2494412808"/>
+      </p:ext>
+    </p:extLst>
+  </p:cSld>
+  <p:clrMapOvr>
+    <a:masterClrMapping/>
+  </p:clrMapOvr>
+  <p:timing>
+    <p:tnLst>
+      <p:par>
+        <p:cTn id="1" dur="indefinite" restart="never" nodeType="tmRoot"/>
+      </p:par>
+    </p:tnLst>
+  </p:timing>
+</p:sld>
+</file>
+
+<file path=ppt/slides/slide3.xml><?xml version="1.0" encoding="utf-8"?>
+<p:sld xmlns:a="http://schemas.openxmlformats.org/drawingml/2006/main" xmlns:r="http://schemas.openxmlformats.org/officeDocument/2006/relationships" xmlns:p="http://schemas.openxmlformats.org/presentationml/2006/main">
+  <p:cSld>
+    <p:spTree>
+      <p:nvGrpSpPr>
+        <p:cNvPr id="1" name=""/>
+        <p:cNvGrpSpPr/>
+        <p:nvPr/>
+      </p:nvGrpSpPr>
+      <p:grpSpPr>
+        <a:xfrm>
+          <a:off x="0" y="0"/>
+          <a:ext cx="0" cy="0"/>
+          <a:chOff x="0" y="0"/>
+          <a:chExt cx="0" cy="0"/>
+        </a:xfrm>
+      </p:grpSpPr>
+      <mc:AlternateContent xmlns:mc="http://schemas.openxmlformats.org/markup-compatibility/2006">
+        <mc:Choice xmlns:a14="http://schemas.microsoft.com/office/drawing/2010/main" Requires="a14">
+          <p:sp>
+            <p:nvSpPr>
+              <p:cNvPr id="2" name="タイトル 1"/>
+              <p:cNvSpPr>
+                <a:spLocks noGrp="1"/>
+              </p:cNvSpPr>
+              <p:nvPr>
+                <p:ph type="title"/>
+              </p:nvPr>
+            </p:nvSpPr>
+            <p:spPr/>
+            <p:txBody>
+              <a:bodyPr>
+                <a:normAutofit/>
+              </a:bodyPr>
+              <a:lstStyle/>
+              <a:p>
+                <a:r>
+                  <a:rPr lang="ja-JP" altLang="en-US" dirty="0" smtClean="0"/>
+                  <a:t>部分点解法 </a:t>
+                </a:r>
+                <a:r>
+                  <a:rPr lang="en-US" altLang="ja-JP" dirty="0" smtClean="0"/>
+                  <a:t>(</a:t>
+                </a:r>
+                <a14:m>
+                  <m:oMath xmlns:m="http://schemas.openxmlformats.org/officeDocument/2006/math">
+                    <m:r>
+                      <a:rPr lang="en-US" altLang="ja-JP" b="1" i="1" smtClean="0">
+                        <a:latin typeface="Cambria Math"/>
+                      </a:rPr>
+                      <m:t>𝑲</m:t>
+                    </m:r>
+                    <m:r>
+                      <a:rPr lang="en-US" altLang="ja-JP" b="1" i="1" smtClean="0">
+                        <a:latin typeface="Cambria Math"/>
+                      </a:rPr>
+                      <m:t>=</m:t>
+                    </m:r>
+                    <m:r>
+                      <a:rPr lang="en-US" altLang="ja-JP" b="1" i="1" smtClean="0">
+                        <a:latin typeface="Cambria Math"/>
+                      </a:rPr>
+                      <m:t>𝟎</m:t>
+                    </m:r>
+                  </m:oMath>
+                </a14:m>
+                <a:r>
+                  <a:rPr lang="ja-JP" altLang="en-US" dirty="0" smtClean="0"/>
+                  <a:t>の</a:t>
+                </a:r>
+                <a:r>
+                  <a:rPr lang="ja-JP" altLang="en-US" dirty="0" smtClean="0"/>
+                  <a:t>場合</a:t>
+                </a:r>
+                <a:r>
+                  <a:rPr lang="en-US" altLang="ja-JP" dirty="0" smtClean="0"/>
+                  <a:t>)</a:t>
+                </a:r>
+                <a:endParaRPr kumimoji="1" lang="ja-JP" altLang="en-US" dirty="0"/>
+              </a:p>
+            </p:txBody>
+          </p:sp>
+        </mc:Choice>
+        <mc:Fallback>
+          <p:sp>
+            <p:nvSpPr>
+              <p:cNvPr id="2" name="タイトル 1"/>
+              <p:cNvSpPr>
+                <a:spLocks noGrp="1" noRot="1" noChangeAspect="1" noMove="1" noResize="1" noEditPoints="1" noAdjustHandles="1" noChangeArrowheads="1" noChangeShapeType="1" noTextEdit="1"/>
+              </p:cNvSpPr>
+              <p:nvPr>
+                <p:ph type="title"/>
+              </p:nvPr>
+            </p:nvSpPr>
+            <p:spPr>
+              <a:blipFill rotWithShape="1">
+                <a:blip r:embed="rId2"/>
+                <a:stretch>
+                  <a:fillRect t="-1807" b="-21084"/>
+                </a:stretch>
+              </a:blipFill>
+            </p:spPr>
+            <p:txBody>
+              <a:bodyPr/>
+              <a:lstStyle/>
+              <a:p>
+                <a:r>
+                  <a:rPr lang="ja-JP" altLang="en-US">
+                    <a:noFill/>
+                  </a:rPr>
+                  <a:t> </a:t>
+                </a:r>
+              </a:p>
+            </p:txBody>
+          </p:sp>
+        </mc:Fallback>
+      </mc:AlternateContent>
       <p:sp>
         <p:nvSpPr>
           <p:cNvPr id="4" name="テキスト ボックス 3"/>
@@ -3720,7 +4648,7 @@
 </p:sld>
 </file>
 
-<file path=ppt/slides/slide3.xml><?xml version="1.0" encoding="utf-8"?>
+<file path=ppt/slides/slide4.xml><?xml version="1.0" encoding="utf-8"?>
 <p:sld xmlns:a="http://schemas.openxmlformats.org/drawingml/2006/main" xmlns:r="http://schemas.openxmlformats.org/officeDocument/2006/relationships" xmlns:p="http://schemas.openxmlformats.org/presentationml/2006/main">
   <p:cSld>
     <p:spTree>
@@ -3737,41 +4665,100 @@
           <a:chExt cx="0" cy="0"/>
         </a:xfrm>
       </p:grpSpPr>
-      <p:sp>
-        <p:nvSpPr>
-          <p:cNvPr id="2" name="タイトル 1"/>
-          <p:cNvSpPr>
-            <a:spLocks noGrp="1"/>
-          </p:cNvSpPr>
-          <p:nvPr>
-            <p:ph type="title"/>
-          </p:nvPr>
-        </p:nvSpPr>
-        <p:spPr/>
-        <p:txBody>
-          <a:bodyPr/>
-          <a:lstStyle/>
-          <a:p>
-            <a:r>
-              <a:rPr lang="ja-JP" altLang="en-US" dirty="0" smtClean="0"/>
-              <a:t>部分点解法</a:t>
-            </a:r>
-            <a:r>
-              <a:rPr lang="en-US" altLang="ja-JP" dirty="0" smtClean="0"/>
-              <a:t>(K=0</a:t>
-            </a:r>
-            <a:r>
-              <a:rPr lang="ja-JP" altLang="en-US" dirty="0" smtClean="0"/>
-              <a:t>の場合</a:t>
-            </a:r>
-            <a:r>
-              <a:rPr lang="en-US" altLang="ja-JP" dirty="0" smtClean="0"/>
-              <a:t>)</a:t>
-            </a:r>
-            <a:endParaRPr kumimoji="1" lang="ja-JP" altLang="en-US" dirty="0"/>
-          </a:p>
-        </p:txBody>
-      </p:sp>
+      <mc:AlternateContent xmlns:mc="http://schemas.openxmlformats.org/markup-compatibility/2006">
+        <mc:Choice xmlns:a14="http://schemas.microsoft.com/office/drawing/2010/main" Requires="a14">
+          <p:sp>
+            <p:nvSpPr>
+              <p:cNvPr id="2" name="タイトル 1"/>
+              <p:cNvSpPr>
+                <a:spLocks noGrp="1"/>
+              </p:cNvSpPr>
+              <p:nvPr>
+                <p:ph type="title"/>
+              </p:nvPr>
+            </p:nvSpPr>
+            <p:spPr/>
+            <p:txBody>
+              <a:bodyPr/>
+              <a:lstStyle/>
+              <a:p>
+                <a:r>
+                  <a:rPr lang="ja-JP" altLang="en-US" dirty="0"/>
+                  <a:t>部分点解法 </a:t>
+                </a:r>
+                <a:r>
+                  <a:rPr lang="en-US" altLang="ja-JP" dirty="0"/>
+                  <a:t>(</a:t>
+                </a:r>
+                <a14:m>
+                  <m:oMath xmlns:m="http://schemas.openxmlformats.org/officeDocument/2006/math">
+                    <m:r>
+                      <a:rPr lang="en-US" altLang="ja-JP" i="1">
+                        <a:latin typeface="Cambria Math"/>
+                      </a:rPr>
+                      <m:t>𝑲</m:t>
+                    </m:r>
+                    <m:r>
+                      <a:rPr lang="en-US" altLang="ja-JP" i="1">
+                        <a:latin typeface="Cambria Math"/>
+                      </a:rPr>
+                      <m:t>=</m:t>
+                    </m:r>
+                    <m:r>
+                      <a:rPr lang="en-US" altLang="ja-JP" i="1">
+                        <a:latin typeface="Cambria Math"/>
+                      </a:rPr>
+                      <m:t>𝟎</m:t>
+                    </m:r>
+                  </m:oMath>
+                </a14:m>
+                <a:r>
+                  <a:rPr lang="ja-JP" altLang="en-US" dirty="0"/>
+                  <a:t>の場合</a:t>
+                </a:r>
+                <a:r>
+                  <a:rPr lang="en-US" altLang="ja-JP" dirty="0"/>
+                  <a:t>)</a:t>
+                </a:r>
+                <a:endParaRPr kumimoji="1" lang="ja-JP" altLang="en-US" dirty="0"/>
+              </a:p>
+            </p:txBody>
+          </p:sp>
+        </mc:Choice>
+        <mc:Fallback>
+          <p:sp>
+            <p:nvSpPr>
+              <p:cNvPr id="2" name="タイトル 1"/>
+              <p:cNvSpPr>
+                <a:spLocks noGrp="1" noRot="1" noChangeAspect="1" noMove="1" noResize="1" noEditPoints="1" noAdjustHandles="1" noChangeArrowheads="1" noChangeShapeType="1" noTextEdit="1"/>
+              </p:cNvSpPr>
+              <p:nvPr>
+                <p:ph type="title"/>
+              </p:nvPr>
+            </p:nvSpPr>
+            <p:spPr>
+              <a:blipFill rotWithShape="1">
+                <a:blip r:embed="rId2"/>
+                <a:stretch>
+                  <a:fillRect t="-1807" b="-21084"/>
+                </a:stretch>
+              </a:blipFill>
+            </p:spPr>
+            <p:txBody>
+              <a:bodyPr/>
+              <a:lstStyle/>
+              <a:p>
+                <a:r>
+                  <a:rPr lang="ja-JP" altLang="en-US">
+                    <a:noFill/>
+                  </a:rPr>
+                  <a:t> </a:t>
+                </a:r>
+              </a:p>
+            </p:txBody>
+          </p:sp>
+        </mc:Fallback>
+      </mc:AlternateContent>
       <p:sp>
         <p:nvSpPr>
           <p:cNvPr id="4" name="テキスト ボックス 3"/>
@@ -3780,7 +4767,7 @@
         </p:nvSpPr>
         <p:spPr>
           <a:xfrm>
-            <a:off x="1187624" y="1484784"/>
+            <a:off x="863588" y="1484784"/>
             <a:ext cx="6840760" cy="584775"/>
           </a:xfrm>
           <a:prstGeom prst="rect">
@@ -3811,13 +4798,13 @@
           <p:nvPr>
             <p:extLst>
               <p:ext uri="{D42A27DB-BD31-4B8C-83A1-F6EECF244321}">
-                <p14:modId xmlns:p14="http://schemas.microsoft.com/office/powerpoint/2010/main" val="3964447295"/>
+                <p14:modId xmlns:p14="http://schemas.microsoft.com/office/powerpoint/2010/main" val="735388905"/>
               </p:ext>
             </p:extLst>
           </p:nvPr>
         </p:nvGraphicFramePr>
         <p:xfrm>
-          <a:off x="539552" y="2492896"/>
+          <a:off x="539552" y="3644490"/>
           <a:ext cx="8136900" cy="1440160"/>
         </p:xfrm>
         <a:graphic>
@@ -5002,7 +5989,7 @@
         </p:nvSpPr>
         <p:spPr>
           <a:xfrm>
-            <a:off x="3059832" y="3284984"/>
+            <a:off x="3059832" y="4436578"/>
             <a:ext cx="576064" cy="576064"/>
           </a:xfrm>
           <a:prstGeom prst="ellipse">
@@ -5050,7 +6037,7 @@
         </p:nvSpPr>
         <p:spPr>
           <a:xfrm>
-            <a:off x="5508104" y="3284984"/>
+            <a:off x="5508104" y="4436578"/>
             <a:ext cx="576064" cy="576064"/>
           </a:xfrm>
           <a:prstGeom prst="ellipse">
@@ -5096,7 +6083,7 @@
         </p:nvCxnSpPr>
         <p:spPr>
           <a:xfrm>
-            <a:off x="2987824" y="3954760"/>
+            <a:off x="2987824" y="5106354"/>
             <a:ext cx="0" cy="554360"/>
           </a:xfrm>
           <a:prstGeom prst="line">
@@ -5133,7 +6120,7 @@
         </p:nvCxnSpPr>
         <p:spPr>
           <a:xfrm>
-            <a:off x="2987824" y="4509120"/>
+            <a:off x="2987824" y="5660714"/>
             <a:ext cx="2376264" cy="0"/>
           </a:xfrm>
           <a:prstGeom prst="line">
@@ -5170,7 +6157,7 @@
         </p:nvCxnSpPr>
         <p:spPr>
           <a:xfrm>
-            <a:off x="5364088" y="3954760"/>
+            <a:off x="5364088" y="5106354"/>
             <a:ext cx="0" cy="554360"/>
           </a:xfrm>
           <a:prstGeom prst="line">
@@ -5207,7 +6194,7 @@
         </p:nvCxnSpPr>
         <p:spPr>
           <a:xfrm>
-            <a:off x="2168116" y="3955294"/>
+            <a:off x="2168116" y="5106888"/>
             <a:ext cx="0" cy="914400"/>
           </a:xfrm>
           <a:prstGeom prst="line">
@@ -5242,7 +6229,7 @@
         </p:nvCxnSpPr>
         <p:spPr>
           <a:xfrm>
-            <a:off x="2168116" y="4869694"/>
+            <a:off x="2168116" y="6021288"/>
             <a:ext cx="4060068" cy="0"/>
           </a:xfrm>
           <a:prstGeom prst="line">
@@ -5277,7 +6264,7 @@
         </p:nvCxnSpPr>
         <p:spPr>
           <a:xfrm>
-            <a:off x="6228184" y="3933056"/>
+            <a:off x="6228184" y="5084650"/>
             <a:ext cx="0" cy="914400"/>
           </a:xfrm>
           <a:prstGeom prst="line">
@@ -5304,6 +6291,363 @@
           </a:fontRef>
         </p:style>
       </p:cxnSp>
+      <p:sp>
+        <p:nvSpPr>
+          <p:cNvPr id="3" name="乗算記号 2"/>
+          <p:cNvSpPr/>
+          <p:nvPr/>
+        </p:nvSpPr>
+        <p:spPr>
+          <a:xfrm>
+            <a:off x="7416316" y="1183105"/>
+            <a:ext cx="1188132" cy="1188132"/>
+          </a:xfrm>
+          <a:prstGeom prst="mathMultiply">
+            <a:avLst/>
+          </a:prstGeom>
+          <a:solidFill>
+            <a:srgbClr val="FF0000"/>
+          </a:solidFill>
+          <a:ln>
+            <a:noFill/>
+          </a:ln>
+        </p:spPr>
+        <p:style>
+          <a:lnRef idx="2">
+            <a:schemeClr val="accent1">
+              <a:shade val="50000"/>
+            </a:schemeClr>
+          </a:lnRef>
+          <a:fillRef idx="1">
+            <a:schemeClr val="accent1"/>
+          </a:fillRef>
+          <a:effectRef idx="0">
+            <a:schemeClr val="accent1"/>
+          </a:effectRef>
+          <a:fontRef idx="minor">
+            <a:schemeClr val="lt1"/>
+          </a:fontRef>
+        </p:style>
+        <p:txBody>
+          <a:bodyPr rtlCol="0" anchor="ctr"/>
+          <a:lstStyle/>
+          <a:p>
+            <a:pPr algn="ctr"/>
+            <a:endParaRPr kumimoji="1" lang="ja-JP" altLang="en-US"/>
+          </a:p>
+        </p:txBody>
+      </p:sp>
+      <mc:AlternateContent xmlns:mc="http://schemas.openxmlformats.org/markup-compatibility/2006">
+        <mc:Choice xmlns:a14="http://schemas.microsoft.com/office/drawing/2010/main" Requires="a14">
+          <p:sp>
+            <p:nvSpPr>
+              <p:cNvPr id="14" name="テキスト ボックス 13"/>
+              <p:cNvSpPr txBox="1"/>
+              <p:nvPr/>
+            </p:nvSpPr>
+            <p:spPr>
+              <a:xfrm>
+                <a:off x="2187192" y="2276872"/>
+                <a:ext cx="4789207" cy="954107"/>
+              </a:xfrm>
+              <a:prstGeom prst="rect">
+                <a:avLst/>
+              </a:prstGeom>
+              <a:noFill/>
+            </p:spPr>
+            <p:txBody>
+              <a:bodyPr wrap="square" rtlCol="0">
+                <a:spAutoFit/>
+              </a:bodyPr>
+              <a:lstStyle/>
+              <a:p>
+                <a14:m>
+                  <m:oMathPara xmlns:m="http://schemas.openxmlformats.org/officeDocument/2006/math">
+                    <m:oMathParaPr>
+                      <m:jc m:val="centerGroup"/>
+                    </m:oMathParaPr>
+                    <m:oMath xmlns:m="http://schemas.openxmlformats.org/officeDocument/2006/math">
+                      <m:r>
+                        <a:rPr kumimoji="1" lang="en-US" altLang="ja-JP" sz="2800" b="0" i="1" smtClean="0">
+                          <a:latin typeface="Cambria Math"/>
+                        </a:rPr>
+                        <m:t>𝑁</m:t>
+                      </m:r>
+                      <m:r>
+                        <a:rPr kumimoji="1" lang="en-US" altLang="ja-JP" sz="2800" b="0" i="1" smtClean="0">
+                          <a:latin typeface="Cambria Math"/>
+                        </a:rPr>
+                        <m:t>=</m:t>
+                      </m:r>
+                      <m:r>
+                        <a:rPr kumimoji="1" lang="en-US" altLang="ja-JP" sz="2800" b="0" i="1" smtClean="0">
+                          <a:latin typeface="Cambria Math"/>
+                        </a:rPr>
+                        <m:t>2</m:t>
+                      </m:r>
+                      <m:r>
+                        <a:rPr kumimoji="1" lang="en-US" altLang="ja-JP" sz="2800" b="0" i="1" smtClean="0">
+                          <a:latin typeface="Cambria Math"/>
+                        </a:rPr>
+                        <m:t>,</m:t>
+                      </m:r>
+                      <m:r>
+                        <a:rPr kumimoji="1" lang="en-US" altLang="ja-JP" sz="2800" b="0" i="1" smtClean="0">
+                          <a:latin typeface="Cambria Math"/>
+                        </a:rPr>
+                        <m:t>𝑀</m:t>
+                      </m:r>
+                      <m:r>
+                        <a:rPr kumimoji="1" lang="en-US" altLang="ja-JP" sz="2800" b="0" i="1" smtClean="0">
+                          <a:latin typeface="Cambria Math"/>
+                        </a:rPr>
+                        <m:t>=</m:t>
+                      </m:r>
+                      <m:r>
+                        <a:rPr kumimoji="1" lang="en-US" altLang="ja-JP" sz="2800" b="0" i="1" smtClean="0">
+                          <a:latin typeface="Cambria Math"/>
+                        </a:rPr>
+                        <m:t>8</m:t>
+                      </m:r>
+                      <m:r>
+                        <a:rPr kumimoji="1" lang="en-US" altLang="ja-JP" sz="2800" b="0" i="1" smtClean="0">
+                          <a:latin typeface="Cambria Math"/>
+                        </a:rPr>
+                        <m:t>,</m:t>
+                      </m:r>
+                      <m:r>
+                        <a:rPr kumimoji="1" lang="en-US" altLang="ja-JP" sz="2800" b="0" i="1" smtClean="0">
+                          <a:latin typeface="Cambria Math"/>
+                        </a:rPr>
+                        <m:t>𝐾</m:t>
+                      </m:r>
+                      <m:r>
+                        <a:rPr kumimoji="1" lang="en-US" altLang="ja-JP" sz="2800" b="0" i="1" smtClean="0">
+                          <a:latin typeface="Cambria Math"/>
+                        </a:rPr>
+                        <m:t>=</m:t>
+                      </m:r>
+                      <m:r>
+                        <a:rPr kumimoji="1" lang="en-US" altLang="ja-JP" sz="2800" b="0" i="1" smtClean="0">
+                          <a:latin typeface="Cambria Math"/>
+                        </a:rPr>
+                        <m:t>0</m:t>
+                      </m:r>
+                    </m:oMath>
+                    <m:oMath xmlns:m="http://schemas.openxmlformats.org/officeDocument/2006/math">
+                      <m:sSub>
+                        <m:sSubPr>
+                          <m:ctrlPr>
+                            <a:rPr kumimoji="1" lang="en-US" altLang="ja-JP" sz="2800" b="0" i="1" smtClean="0">
+                              <a:latin typeface="Cambria Math"/>
+                            </a:rPr>
+                          </m:ctrlPr>
+                        </m:sSubPr>
+                        <m:e>
+                          <m:r>
+                            <a:rPr kumimoji="1" lang="en-US" altLang="ja-JP" sz="2800" b="0" i="1" smtClean="0">
+                              <a:latin typeface="Cambria Math"/>
+                            </a:rPr>
+                            <m:t>𝑎</m:t>
+                          </m:r>
+                        </m:e>
+                        <m:sub>
+                          <m:r>
+                            <a:rPr kumimoji="1" lang="en-US" altLang="ja-JP" sz="2800" b="0" i="1" smtClean="0">
+                              <a:latin typeface="Cambria Math"/>
+                            </a:rPr>
+                            <m:t>1</m:t>
+                          </m:r>
+                        </m:sub>
+                      </m:sSub>
+                      <m:r>
+                        <a:rPr kumimoji="1" lang="en-US" altLang="ja-JP" sz="2800" b="0" i="1" smtClean="0">
+                          <a:latin typeface="Cambria Math"/>
+                        </a:rPr>
+                        <m:t>=</m:t>
+                      </m:r>
+                      <m:r>
+                        <a:rPr kumimoji="1" lang="en-US" altLang="ja-JP" sz="2800" b="0" i="1" smtClean="0">
+                          <a:latin typeface="Cambria Math"/>
+                        </a:rPr>
+                        <m:t>2</m:t>
+                      </m:r>
+                      <m:r>
+                        <a:rPr kumimoji="1" lang="en-US" altLang="ja-JP" sz="2800" b="0" i="1" smtClean="0">
+                          <a:latin typeface="Cambria Math"/>
+                        </a:rPr>
+                        <m:t>,</m:t>
+                      </m:r>
+                      <m:sSub>
+                        <m:sSubPr>
+                          <m:ctrlPr>
+                            <a:rPr kumimoji="1" lang="en-US" altLang="ja-JP" sz="2800" b="0" i="1" smtClean="0">
+                              <a:latin typeface="Cambria Math"/>
+                            </a:rPr>
+                          </m:ctrlPr>
+                        </m:sSubPr>
+                        <m:e>
+                          <m:r>
+                            <a:rPr kumimoji="1" lang="en-US" altLang="ja-JP" sz="2800" b="0" i="1" smtClean="0">
+                              <a:latin typeface="Cambria Math"/>
+                            </a:rPr>
+                            <m:t>𝑏</m:t>
+                          </m:r>
+                        </m:e>
+                        <m:sub>
+                          <m:r>
+                            <a:rPr kumimoji="1" lang="en-US" altLang="ja-JP" sz="2800" b="0" i="1" smtClean="0">
+                              <a:latin typeface="Cambria Math"/>
+                            </a:rPr>
+                            <m:t>1</m:t>
+                          </m:r>
+                        </m:sub>
+                      </m:sSub>
+                      <m:r>
+                        <a:rPr kumimoji="1" lang="en-US" altLang="ja-JP" sz="2800" b="0" i="1" smtClean="0">
+                          <a:latin typeface="Cambria Math"/>
+                        </a:rPr>
+                        <m:t>=</m:t>
+                      </m:r>
+                      <m:r>
+                        <a:rPr kumimoji="1" lang="en-US" altLang="ja-JP" sz="2800" b="0" i="1" smtClean="0">
+                          <a:latin typeface="Cambria Math"/>
+                        </a:rPr>
+                        <m:t>6</m:t>
+                      </m:r>
+                      <m:r>
+                        <a:rPr kumimoji="1" lang="en-US" altLang="ja-JP" sz="2800" b="0" i="1" smtClean="0">
+                          <a:latin typeface="Cambria Math"/>
+                        </a:rPr>
+                        <m:t>,</m:t>
+                      </m:r>
+                      <m:sSub>
+                        <m:sSubPr>
+                          <m:ctrlPr>
+                            <a:rPr kumimoji="1" lang="en-US" altLang="ja-JP" sz="2800" b="0" i="1" smtClean="0">
+                              <a:latin typeface="Cambria Math"/>
+                            </a:rPr>
+                          </m:ctrlPr>
+                        </m:sSubPr>
+                        <m:e>
+                          <m:r>
+                            <a:rPr kumimoji="1" lang="en-US" altLang="ja-JP" sz="2800" b="0" i="1" smtClean="0">
+                              <a:latin typeface="Cambria Math"/>
+                            </a:rPr>
+                            <m:t>𝑎</m:t>
+                          </m:r>
+                        </m:e>
+                        <m:sub>
+                          <m:r>
+                            <a:rPr kumimoji="1" lang="en-US" altLang="ja-JP" sz="2800" b="0" i="1" smtClean="0">
+                              <a:latin typeface="Cambria Math"/>
+                            </a:rPr>
+                            <m:t>2</m:t>
+                          </m:r>
+                        </m:sub>
+                      </m:sSub>
+                      <m:r>
+                        <a:rPr kumimoji="1" lang="en-US" altLang="ja-JP" sz="2800" b="0" i="1" smtClean="0">
+                          <a:latin typeface="Cambria Math"/>
+                        </a:rPr>
+                        <m:t>=</m:t>
+                      </m:r>
+                      <m:r>
+                        <a:rPr kumimoji="1" lang="en-US" altLang="ja-JP" sz="2800" b="0" i="1" smtClean="0">
+                          <a:latin typeface="Cambria Math"/>
+                        </a:rPr>
+                        <m:t>3</m:t>
+                      </m:r>
+                      <m:r>
+                        <a:rPr kumimoji="1" lang="en-US" altLang="ja-JP" sz="2800" b="0" i="1" smtClean="0">
+                          <a:latin typeface="Cambria Math"/>
+                        </a:rPr>
+                        <m:t>,</m:t>
+                      </m:r>
+                      <m:sSub>
+                        <m:sSubPr>
+                          <m:ctrlPr>
+                            <a:rPr kumimoji="1" lang="en-US" altLang="ja-JP" sz="2800" b="0" i="1" smtClean="0">
+                              <a:latin typeface="Cambria Math"/>
+                            </a:rPr>
+                          </m:ctrlPr>
+                        </m:sSubPr>
+                        <m:e>
+                          <m:r>
+                            <a:rPr kumimoji="1" lang="en-US" altLang="ja-JP" sz="2800" b="0" i="1" smtClean="0">
+                              <a:latin typeface="Cambria Math"/>
+                            </a:rPr>
+                            <m:t>𝑏</m:t>
+                          </m:r>
+                        </m:e>
+                        <m:sub>
+                          <m:r>
+                            <a:rPr kumimoji="1" lang="en-US" altLang="ja-JP" sz="2800" b="0" i="1" smtClean="0">
+                              <a:latin typeface="Cambria Math"/>
+                            </a:rPr>
+                            <m:t>2</m:t>
+                          </m:r>
+                        </m:sub>
+                      </m:sSub>
+                      <m:r>
+                        <a:rPr kumimoji="1" lang="en-US" altLang="ja-JP" sz="2800" b="0" i="1" smtClean="0">
+                          <a:latin typeface="Cambria Math"/>
+                        </a:rPr>
+                        <m:t>=</m:t>
+                      </m:r>
+                      <m:r>
+                        <a:rPr kumimoji="1" lang="en-US" altLang="ja-JP" sz="2800" b="0" i="1" smtClean="0">
+                          <a:latin typeface="Cambria Math"/>
+                        </a:rPr>
+                        <m:t>5</m:t>
+                      </m:r>
+                    </m:oMath>
+                  </m:oMathPara>
+                </a14:m>
+                <a:endParaRPr kumimoji="1" lang="ja-JP" altLang="en-US" sz="2800" dirty="0"/>
+              </a:p>
+            </p:txBody>
+          </p:sp>
+        </mc:Choice>
+        <mc:Fallback>
+          <p:sp>
+            <p:nvSpPr>
+              <p:cNvPr id="14" name="テキスト ボックス 13"/>
+              <p:cNvSpPr txBox="1">
+                <a:spLocks noRot="1" noChangeAspect="1" noMove="1" noResize="1" noEditPoints="1" noAdjustHandles="1" noChangeArrowheads="1" noChangeShapeType="1" noTextEdit="1"/>
+              </p:cNvSpPr>
+              <p:nvPr/>
+            </p:nvSpPr>
+            <p:spPr>
+              <a:xfrm>
+                <a:off x="2187192" y="2276872"/>
+                <a:ext cx="4789207" cy="954107"/>
+              </a:xfrm>
+              <a:prstGeom prst="rect">
+                <a:avLst/>
+              </a:prstGeom>
+              <a:blipFill rotWithShape="1">
+                <a:blip r:embed="rId3"/>
+                <a:stretch>
+                  <a:fillRect/>
+                </a:stretch>
+              </a:blipFill>
+            </p:spPr>
+            <p:txBody>
+              <a:bodyPr/>
+              <a:lstStyle/>
+              <a:p>
+                <a:r>
+                  <a:rPr lang="ja-JP" altLang="en-US">
+                    <a:noFill/>
+                  </a:rPr>
+                  <a:t> </a:t>
+                </a:r>
+              </a:p>
+            </p:txBody>
+          </p:sp>
+        </mc:Fallback>
+      </mc:AlternateContent>
     </p:spTree>
     <p:extLst>
       <p:ext uri="{BB962C8B-B14F-4D97-AF65-F5344CB8AC3E}">
@@ -5324,7 +6668,7 @@
 </p:sld>
 </file>
 
-<file path=ppt/slides/slide4.xml><?xml version="1.0" encoding="utf-8"?>
+<file path=ppt/slides/slide5.xml><?xml version="1.0" encoding="utf-8"?>
 <p:sld xmlns:a="http://schemas.openxmlformats.org/drawingml/2006/main" xmlns:r="http://schemas.openxmlformats.org/officeDocument/2006/relationships" xmlns:p="http://schemas.openxmlformats.org/presentationml/2006/main">
   <p:cSld>
     <p:spTree>
@@ -5343,122 +6687,270 @@
       </p:grpSpPr>
       <p:sp>
         <p:nvSpPr>
-          <p:cNvPr id="2" name="タイトル 1"/>
-          <p:cNvSpPr>
-            <a:spLocks noGrp="1"/>
-          </p:cNvSpPr>
-          <p:nvPr>
-            <p:ph type="title"/>
-          </p:nvPr>
+          <p:cNvPr id="23" name="フリーフォーム 22"/>
+          <p:cNvSpPr/>
+          <p:nvPr/>
         </p:nvSpPr>
-        <p:spPr/>
+        <p:spPr>
+          <a:xfrm>
+            <a:off x="4860032" y="2998028"/>
+            <a:ext cx="1322363" cy="689373"/>
+          </a:xfrm>
+          <a:custGeom>
+            <a:avLst/>
+            <a:gdLst>
+              <a:gd name="connsiteX0" fmla="*/ 0 w 1322363"/>
+              <a:gd name="connsiteY0" fmla="*/ 689373 h 689373"/>
+              <a:gd name="connsiteX1" fmla="*/ 689317 w 1322363"/>
+              <a:gd name="connsiteY1" fmla="*/ 56 h 689373"/>
+              <a:gd name="connsiteX2" fmla="*/ 1322363 w 1322363"/>
+              <a:gd name="connsiteY2" fmla="*/ 647170 h 689373"/>
+            </a:gdLst>
+            <a:ahLst/>
+            <a:cxnLst>
+              <a:cxn ang="0">
+                <a:pos x="connsiteX0" y="connsiteY0"/>
+              </a:cxn>
+              <a:cxn ang="0">
+                <a:pos x="connsiteX1" y="connsiteY1"/>
+              </a:cxn>
+              <a:cxn ang="0">
+                <a:pos x="connsiteX2" y="connsiteY2"/>
+              </a:cxn>
+            </a:cxnLst>
+            <a:rect l="l" t="t" r="r" b="b"/>
+            <a:pathLst>
+              <a:path w="1322363" h="689373">
+                <a:moveTo>
+                  <a:pt x="0" y="689373"/>
+                </a:moveTo>
+                <a:cubicBezTo>
+                  <a:pt x="234461" y="348231"/>
+                  <a:pt x="468923" y="7090"/>
+                  <a:pt x="689317" y="56"/>
+                </a:cubicBezTo>
+                <a:cubicBezTo>
+                  <a:pt x="909711" y="-6978"/>
+                  <a:pt x="1322363" y="647170"/>
+                  <a:pt x="1322363" y="647170"/>
+                </a:cubicBezTo>
+              </a:path>
+            </a:pathLst>
+          </a:custGeom>
+          <a:noFill/>
+          <a:ln w="38100"/>
+        </p:spPr>
+        <p:style>
+          <a:lnRef idx="2">
+            <a:schemeClr val="accent1">
+              <a:shade val="50000"/>
+            </a:schemeClr>
+          </a:lnRef>
+          <a:fillRef idx="1">
+            <a:schemeClr val="accent1"/>
+          </a:fillRef>
+          <a:effectRef idx="0">
+            <a:schemeClr val="accent1"/>
+          </a:effectRef>
+          <a:fontRef idx="minor">
+            <a:schemeClr val="lt1"/>
+          </a:fontRef>
+        </p:style>
         <p:txBody>
-          <a:bodyPr/>
+          <a:bodyPr rtlCol="0" anchor="ctr"/>
           <a:lstStyle/>
           <a:p>
-            <a:r>
-              <a:rPr lang="ja-JP" altLang="en-US" dirty="0" smtClean="0"/>
-              <a:t>部分点解法</a:t>
-            </a:r>
-            <a:r>
-              <a:rPr lang="en-US" altLang="ja-JP" dirty="0" smtClean="0"/>
-              <a:t>(K=0</a:t>
-            </a:r>
-            <a:r>
-              <a:rPr lang="ja-JP" altLang="en-US" dirty="0" smtClean="0"/>
-              <a:t>の場合</a:t>
-            </a:r>
-            <a:r>
-              <a:rPr lang="en-US" altLang="ja-JP" dirty="0" smtClean="0"/>
-              <a:t>)</a:t>
-            </a:r>
-            <a:endParaRPr kumimoji="1" lang="ja-JP" altLang="en-US" dirty="0"/>
+            <a:pPr algn="ctr"/>
+            <a:endParaRPr kumimoji="1" lang="ja-JP" altLang="en-US"/>
           </a:p>
         </p:txBody>
       </p:sp>
       <p:sp>
         <p:nvSpPr>
-          <p:cNvPr id="4" name="テキスト ボックス 3"/>
-          <p:cNvSpPr txBox="1"/>
+          <p:cNvPr id="21" name="フリーフォーム 20"/>
+          <p:cNvSpPr/>
           <p:nvPr/>
         </p:nvSpPr>
         <p:spPr>
           <a:xfrm>
-            <a:off x="827584" y="1556792"/>
-            <a:ext cx="7524836" cy="584775"/>
+            <a:off x="3578449" y="2997061"/>
+            <a:ext cx="1322363" cy="689373"/>
           </a:xfrm>
-          <a:prstGeom prst="rect">
+          <a:custGeom>
             <a:avLst/>
-          </a:prstGeom>
+            <a:gdLst>
+              <a:gd name="connsiteX0" fmla="*/ 0 w 1322363"/>
+              <a:gd name="connsiteY0" fmla="*/ 689373 h 689373"/>
+              <a:gd name="connsiteX1" fmla="*/ 689317 w 1322363"/>
+              <a:gd name="connsiteY1" fmla="*/ 56 h 689373"/>
+              <a:gd name="connsiteX2" fmla="*/ 1322363 w 1322363"/>
+              <a:gd name="connsiteY2" fmla="*/ 647170 h 689373"/>
+            </a:gdLst>
+            <a:ahLst/>
+            <a:cxnLst>
+              <a:cxn ang="0">
+                <a:pos x="connsiteX0" y="connsiteY0"/>
+              </a:cxn>
+              <a:cxn ang="0">
+                <a:pos x="connsiteX1" y="connsiteY1"/>
+              </a:cxn>
+              <a:cxn ang="0">
+                <a:pos x="connsiteX2" y="connsiteY2"/>
+              </a:cxn>
+            </a:cxnLst>
+            <a:rect l="l" t="t" r="r" b="b"/>
+            <a:pathLst>
+              <a:path w="1322363" h="689373">
+                <a:moveTo>
+                  <a:pt x="0" y="689373"/>
+                </a:moveTo>
+                <a:cubicBezTo>
+                  <a:pt x="234461" y="348231"/>
+                  <a:pt x="468923" y="7090"/>
+                  <a:pt x="689317" y="56"/>
+                </a:cubicBezTo>
+                <a:cubicBezTo>
+                  <a:pt x="909711" y="-6978"/>
+                  <a:pt x="1322363" y="647170"/>
+                  <a:pt x="1322363" y="647170"/>
+                </a:cubicBezTo>
+              </a:path>
+            </a:pathLst>
+          </a:custGeom>
           <a:noFill/>
+          <a:ln w="38100"/>
         </p:spPr>
+        <p:style>
+          <a:lnRef idx="2">
+            <a:schemeClr val="accent1">
+              <a:shade val="50000"/>
+            </a:schemeClr>
+          </a:lnRef>
+          <a:fillRef idx="1">
+            <a:schemeClr val="accent1"/>
+          </a:fillRef>
+          <a:effectRef idx="0">
+            <a:schemeClr val="accent1"/>
+          </a:effectRef>
+          <a:fontRef idx="minor">
+            <a:schemeClr val="lt1"/>
+          </a:fontRef>
+        </p:style>
         <p:txBody>
-          <a:bodyPr wrap="square" rtlCol="0">
-            <a:spAutoFit/>
-          </a:bodyPr>
+          <a:bodyPr rtlCol="0" anchor="ctr"/>
           <a:lstStyle/>
           <a:p>
-            <a:r>
-              <a:rPr kumimoji="1" lang="ja-JP" altLang="en-US" sz="3200" dirty="0" smtClean="0"/>
-              <a:t>使えるものの中で終了が一番早いものを選ぶ</a:t>
-            </a:r>
-            <a:endParaRPr kumimoji="1" lang="ja-JP" altLang="en-US" sz="3200" dirty="0"/>
+            <a:pPr algn="ctr"/>
+            <a:endParaRPr kumimoji="1" lang="ja-JP" altLang="en-US"/>
           </a:p>
         </p:txBody>
       </p:sp>
-      <p:sp>
-        <p:nvSpPr>
-          <p:cNvPr id="5" name="テキスト ボックス 4"/>
-          <p:cNvSpPr txBox="1"/>
-          <p:nvPr/>
-        </p:nvSpPr>
-        <p:spPr>
-          <a:xfrm>
-            <a:off x="1205626" y="2708920"/>
-            <a:ext cx="6768752" cy="1077218"/>
-          </a:xfrm>
-          <a:prstGeom prst="rect">
-            <a:avLst/>
-          </a:prstGeom>
-          <a:noFill/>
-        </p:spPr>
-        <p:txBody>
-          <a:bodyPr wrap="square" rtlCol="0">
-            <a:spAutoFit/>
-          </a:bodyPr>
-          <a:lstStyle/>
-          <a:p>
-            <a:r>
-              <a:rPr kumimoji="1" lang="ja-JP" altLang="en-US" sz="3200" dirty="0" smtClean="0"/>
-              <a:t>最初に開始でソートしておき使えるものを</a:t>
-            </a:r>
-            <a:r>
-              <a:rPr kumimoji="1" lang="en-US" altLang="ja-JP" sz="3200" dirty="0" smtClean="0"/>
-              <a:t/>
-            </a:r>
-            <a:br>
-              <a:rPr kumimoji="1" lang="en-US" altLang="ja-JP" sz="3200" dirty="0" smtClean="0"/>
-            </a:br>
-            <a:r>
-              <a:rPr kumimoji="1" lang="ja-JP" altLang="en-US" sz="3200" dirty="0" smtClean="0"/>
-              <a:t>プライオリティーキューに入れていく</a:t>
-            </a:r>
-            <a:endParaRPr kumimoji="1" lang="ja-JP" altLang="en-US" sz="3200" dirty="0"/>
-          </a:p>
-        </p:txBody>
-      </p:sp>
-      <mc:AlternateContent xmlns:mc="http://schemas.openxmlformats.org/markup-compatibility/2006" xmlns:a14="http://schemas.microsoft.com/office/drawing/2010/main">
-        <mc:Choice Requires="a14">
+      <mc:AlternateContent xmlns:mc="http://schemas.openxmlformats.org/markup-compatibility/2006">
+        <mc:Choice xmlns:a14="http://schemas.microsoft.com/office/drawing/2010/main" Requires="a14">
           <p:sp>
             <p:nvSpPr>
-              <p:cNvPr id="6" name="テキスト ボックス 5"/>
+              <p:cNvPr id="2" name="タイトル 1"/>
+              <p:cNvSpPr>
+                <a:spLocks noGrp="1"/>
+              </p:cNvSpPr>
+              <p:nvPr>
+                <p:ph type="title"/>
+              </p:nvPr>
+            </p:nvSpPr>
+            <p:spPr/>
+            <p:txBody>
+              <a:bodyPr/>
+              <a:lstStyle/>
+              <a:p>
+                <a:r>
+                  <a:rPr lang="ja-JP" altLang="en-US" dirty="0"/>
+                  <a:t>部分点解法 </a:t>
+                </a:r>
+                <a:r>
+                  <a:rPr lang="en-US" altLang="ja-JP" dirty="0"/>
+                  <a:t>(</a:t>
+                </a:r>
+                <a14:m>
+                  <m:oMath xmlns:m="http://schemas.openxmlformats.org/officeDocument/2006/math">
+                    <m:r>
+                      <a:rPr lang="en-US" altLang="ja-JP" i="1">
+                        <a:latin typeface="Cambria Math"/>
+                      </a:rPr>
+                      <m:t>𝑲</m:t>
+                    </m:r>
+                    <m:r>
+                      <a:rPr lang="en-US" altLang="ja-JP" i="1">
+                        <a:latin typeface="Cambria Math"/>
+                      </a:rPr>
+                      <m:t>=</m:t>
+                    </m:r>
+                    <m:r>
+                      <a:rPr lang="en-US" altLang="ja-JP" i="1">
+                        <a:latin typeface="Cambria Math"/>
+                      </a:rPr>
+                      <m:t>𝟎</m:t>
+                    </m:r>
+                  </m:oMath>
+                </a14:m>
+                <a:r>
+                  <a:rPr lang="ja-JP" altLang="en-US" dirty="0"/>
+                  <a:t>の場合</a:t>
+                </a:r>
+                <a:r>
+                  <a:rPr lang="en-US" altLang="ja-JP" dirty="0"/>
+                  <a:t>)</a:t>
+                </a:r>
+                <a:endParaRPr kumimoji="1" lang="ja-JP" altLang="en-US" dirty="0"/>
+              </a:p>
+            </p:txBody>
+          </p:sp>
+        </mc:Choice>
+        <mc:Fallback>
+          <p:sp>
+            <p:nvSpPr>
+              <p:cNvPr id="2" name="タイトル 1"/>
+              <p:cNvSpPr>
+                <a:spLocks noGrp="1" noRot="1" noChangeAspect="1" noMove="1" noResize="1" noEditPoints="1" noAdjustHandles="1" noChangeArrowheads="1" noChangeShapeType="1" noTextEdit="1"/>
+              </p:cNvSpPr>
+              <p:nvPr>
+                <p:ph type="title"/>
+              </p:nvPr>
+            </p:nvSpPr>
+            <p:spPr>
+              <a:blipFill rotWithShape="1">
+                <a:blip r:embed="rId2"/>
+                <a:stretch>
+                  <a:fillRect t="-1807" b="-21084"/>
+                </a:stretch>
+              </a:blipFill>
+            </p:spPr>
+            <p:txBody>
+              <a:bodyPr/>
+              <a:lstStyle/>
+              <a:p>
+                <a:r>
+                  <a:rPr lang="ja-JP" altLang="en-US">
+                    <a:noFill/>
+                  </a:rPr>
+                  <a:t> </a:t>
+                </a:r>
+              </a:p>
+            </p:txBody>
+          </p:sp>
+        </mc:Fallback>
+      </mc:AlternateContent>
+      <mc:AlternateContent xmlns:mc="http://schemas.openxmlformats.org/markup-compatibility/2006">
+        <mc:Choice xmlns:a14="http://schemas.microsoft.com/office/drawing/2010/main" Requires="a14">
+          <p:sp>
+            <p:nvSpPr>
+              <p:cNvPr id="4" name="テキスト ボックス 3"/>
               <p:cNvSpPr txBox="1"/>
               <p:nvPr/>
             </p:nvSpPr>
             <p:spPr>
               <a:xfrm>
-                <a:off x="1205626" y="4944070"/>
-                <a:ext cx="6768752" cy="1077218"/>
+                <a:off x="660790" y="1199654"/>
+                <a:ext cx="7799642" cy="1077218"/>
               </a:xfrm>
               <a:prstGeom prst="rect">
                 <a:avLst/>
@@ -5473,7 +6965,1261 @@
               <a:p>
                 <a:r>
                   <a:rPr lang="ja-JP" altLang="en-US" sz="3200" dirty="0" smtClean="0"/>
-                  <a:t>使えるものは順番にしか見なくてよいので計算量は全体で</a:t>
+                  <a:t>割り当てられる人が複数いる場合は </a:t>
+                </a:r>
+                <a14:m>
+                  <m:oMath xmlns:m="http://schemas.openxmlformats.org/officeDocument/2006/math">
+                    <m:sSub>
+                      <m:sSubPr>
+                        <m:ctrlPr>
+                          <a:rPr lang="en-US" altLang="ja-JP" sz="3200" b="0" i="1" smtClean="0">
+                            <a:latin typeface="Cambria Math"/>
+                          </a:rPr>
+                        </m:ctrlPr>
+                      </m:sSubPr>
+                      <m:e>
+                        <m:r>
+                          <a:rPr lang="en-US" altLang="ja-JP" sz="3200" b="0" i="1" smtClean="0">
+                            <a:latin typeface="Cambria Math"/>
+                          </a:rPr>
+                          <m:t>𝑏</m:t>
+                        </m:r>
+                      </m:e>
+                      <m:sub>
+                        <m:r>
+                          <a:rPr lang="en-US" altLang="ja-JP" sz="3200" b="0" i="1" smtClean="0">
+                            <a:latin typeface="Cambria Math"/>
+                          </a:rPr>
+                          <m:t>𝑖</m:t>
+                        </m:r>
+                      </m:sub>
+                    </m:sSub>
+                  </m:oMath>
+                </a14:m>
+                <a:r>
+                  <a:rPr kumimoji="1" lang="ja-JP" altLang="en-US" sz="3200" dirty="0" smtClean="0"/>
+                  <a:t> が小さい人から先に割り当てたほうが得</a:t>
+                </a:r>
+                <a:endParaRPr kumimoji="1" lang="ja-JP" altLang="en-US" sz="3200" dirty="0"/>
+              </a:p>
+            </p:txBody>
+          </p:sp>
+        </mc:Choice>
+        <mc:Fallback>
+          <p:sp>
+            <p:nvSpPr>
+              <p:cNvPr id="4" name="テキスト ボックス 3"/>
+              <p:cNvSpPr txBox="1">
+                <a:spLocks noRot="1" noChangeAspect="1" noMove="1" noResize="1" noEditPoints="1" noAdjustHandles="1" noChangeArrowheads="1" noChangeShapeType="1" noTextEdit="1"/>
+              </p:cNvSpPr>
+              <p:nvPr/>
+            </p:nvSpPr>
+            <p:spPr>
+              <a:xfrm>
+                <a:off x="660790" y="1199654"/>
+                <a:ext cx="7799642" cy="1077218"/>
+              </a:xfrm>
+              <a:prstGeom prst="rect">
+                <a:avLst/>
+              </a:prstGeom>
+              <a:blipFill rotWithShape="1">
+                <a:blip r:embed="rId3"/>
+                <a:stretch>
+                  <a:fillRect l="-1953" t="-8475" r="-1953" b="-16384"/>
+                </a:stretch>
+              </a:blipFill>
+            </p:spPr>
+            <p:txBody>
+              <a:bodyPr/>
+              <a:lstStyle/>
+              <a:p>
+                <a:r>
+                  <a:rPr lang="ja-JP" altLang="en-US">
+                    <a:noFill/>
+                  </a:rPr>
+                  <a:t> </a:t>
+                </a:r>
+              </a:p>
+            </p:txBody>
+          </p:sp>
+        </mc:Fallback>
+      </mc:AlternateContent>
+      <p:sp>
+        <p:nvSpPr>
+          <p:cNvPr id="6" name="円/楕円 5"/>
+          <p:cNvSpPr/>
+          <p:nvPr/>
+        </p:nvSpPr>
+        <p:spPr>
+          <a:xfrm>
+            <a:off x="3275856" y="3575384"/>
+            <a:ext cx="576064" cy="576064"/>
+          </a:xfrm>
+          <a:prstGeom prst="ellipse">
+            <a:avLst/>
+          </a:prstGeom>
+          <a:solidFill>
+            <a:schemeClr val="accent6">
+              <a:lumMod val="75000"/>
+            </a:schemeClr>
+          </a:solidFill>
+          <a:ln>
+            <a:noFill/>
+          </a:ln>
+        </p:spPr>
+        <p:style>
+          <a:lnRef idx="2">
+            <a:schemeClr val="accent1">
+              <a:shade val="50000"/>
+            </a:schemeClr>
+          </a:lnRef>
+          <a:fillRef idx="1">
+            <a:schemeClr val="accent1"/>
+          </a:fillRef>
+          <a:effectRef idx="0">
+            <a:schemeClr val="accent1"/>
+          </a:effectRef>
+          <a:fontRef idx="minor">
+            <a:schemeClr val="lt1"/>
+          </a:fontRef>
+        </p:style>
+        <p:txBody>
+          <a:bodyPr rtlCol="0" anchor="ctr"/>
+          <a:lstStyle/>
+          <a:p>
+            <a:pPr algn="ctr"/>
+            <a:endParaRPr kumimoji="1" lang="ja-JP" altLang="en-US"/>
+          </a:p>
+        </p:txBody>
+      </p:sp>
+      <p:sp>
+        <p:nvSpPr>
+          <p:cNvPr id="7" name="円/楕円 6"/>
+          <p:cNvSpPr/>
+          <p:nvPr/>
+        </p:nvSpPr>
+        <p:spPr>
+          <a:xfrm>
+            <a:off x="4612780" y="3575384"/>
+            <a:ext cx="576064" cy="576064"/>
+          </a:xfrm>
+          <a:prstGeom prst="ellipse">
+            <a:avLst/>
+          </a:prstGeom>
+          <a:solidFill>
+            <a:schemeClr val="accent2"/>
+          </a:solidFill>
+          <a:ln>
+            <a:noFill/>
+          </a:ln>
+        </p:spPr>
+        <p:style>
+          <a:lnRef idx="2">
+            <a:schemeClr val="accent1">
+              <a:shade val="50000"/>
+            </a:schemeClr>
+          </a:lnRef>
+          <a:fillRef idx="1">
+            <a:schemeClr val="accent1"/>
+          </a:fillRef>
+          <a:effectRef idx="0">
+            <a:schemeClr val="accent1"/>
+          </a:effectRef>
+          <a:fontRef idx="minor">
+            <a:schemeClr val="lt1"/>
+          </a:fontRef>
+        </p:style>
+        <p:txBody>
+          <a:bodyPr rtlCol="0" anchor="ctr"/>
+          <a:lstStyle/>
+          <a:p>
+            <a:pPr algn="ctr"/>
+            <a:endParaRPr kumimoji="1" lang="ja-JP" altLang="en-US"/>
+          </a:p>
+        </p:txBody>
+      </p:sp>
+      <mc:AlternateContent xmlns:mc="http://schemas.openxmlformats.org/markup-compatibility/2006">
+        <mc:Choice xmlns:a14="http://schemas.microsoft.com/office/drawing/2010/main" Requires="a14">
+          <p:sp>
+            <p:nvSpPr>
+              <p:cNvPr id="14" name="テキスト ボックス 13"/>
+              <p:cNvSpPr txBox="1"/>
+              <p:nvPr/>
+            </p:nvSpPr>
+            <p:spPr>
+              <a:xfrm>
+                <a:off x="3318468" y="2998028"/>
+                <a:ext cx="490840" cy="523220"/>
+              </a:xfrm>
+              <a:prstGeom prst="rect">
+                <a:avLst/>
+              </a:prstGeom>
+              <a:noFill/>
+            </p:spPr>
+            <p:txBody>
+              <a:bodyPr wrap="none" rtlCol="0">
+                <a:spAutoFit/>
+              </a:bodyPr>
+              <a:lstStyle/>
+              <a:p>
+                <a14:m>
+                  <m:oMathPara xmlns:m="http://schemas.openxmlformats.org/officeDocument/2006/math">
+                    <m:oMathParaPr>
+                      <m:jc m:val="centerGroup"/>
+                    </m:oMathParaPr>
+                    <m:oMath xmlns:m="http://schemas.openxmlformats.org/officeDocument/2006/math">
+                      <m:r>
+                        <a:rPr kumimoji="1" lang="en-US" altLang="ja-JP" sz="2800" b="1" i="1" smtClean="0">
+                          <a:latin typeface="Cambria Math"/>
+                        </a:rPr>
+                        <m:t>𝒙</m:t>
+                      </m:r>
+                    </m:oMath>
+                  </m:oMathPara>
+                </a14:m>
+                <a:endParaRPr kumimoji="1" lang="ja-JP" altLang="en-US" sz="2800" b="1" dirty="0"/>
+              </a:p>
+            </p:txBody>
+          </p:sp>
+        </mc:Choice>
+        <mc:Fallback>
+          <p:sp>
+            <p:nvSpPr>
+              <p:cNvPr id="14" name="テキスト ボックス 13"/>
+              <p:cNvSpPr txBox="1">
+                <a:spLocks noRot="1" noChangeAspect="1" noMove="1" noResize="1" noEditPoints="1" noAdjustHandles="1" noChangeArrowheads="1" noChangeShapeType="1" noTextEdit="1"/>
+              </p:cNvSpPr>
+              <p:nvPr/>
+            </p:nvSpPr>
+            <p:spPr>
+              <a:xfrm>
+                <a:off x="3318468" y="2998028"/>
+                <a:ext cx="490840" cy="523220"/>
+              </a:xfrm>
+              <a:prstGeom prst="rect">
+                <a:avLst/>
+              </a:prstGeom>
+              <a:blipFill rotWithShape="1">
+                <a:blip r:embed="rId4"/>
+                <a:stretch>
+                  <a:fillRect/>
+                </a:stretch>
+              </a:blipFill>
+            </p:spPr>
+            <p:txBody>
+              <a:bodyPr/>
+              <a:lstStyle/>
+              <a:p>
+                <a:r>
+                  <a:rPr lang="ja-JP" altLang="en-US">
+                    <a:noFill/>
+                  </a:rPr>
+                  <a:t> </a:t>
+                </a:r>
+              </a:p>
+            </p:txBody>
+          </p:sp>
+        </mc:Fallback>
+      </mc:AlternateContent>
+      <p:sp>
+        <p:nvSpPr>
+          <p:cNvPr id="15" name="テキスト ボックス 14"/>
+          <p:cNvSpPr txBox="1"/>
+          <p:nvPr/>
+        </p:nvSpPr>
+        <p:spPr>
+          <a:xfrm>
+            <a:off x="2483768" y="2998028"/>
+            <a:ext cx="504056" cy="523220"/>
+          </a:xfrm>
+          <a:prstGeom prst="rect">
+            <a:avLst/>
+          </a:prstGeom>
+          <a:noFill/>
+        </p:spPr>
+        <p:txBody>
+          <a:bodyPr wrap="square" rtlCol="0">
+            <a:spAutoFit/>
+          </a:bodyPr>
+          <a:lstStyle/>
+          <a:p>
+            <a:r>
+              <a:rPr kumimoji="1" lang="en-US" altLang="ja-JP" sz="2800" b="1" dirty="0" smtClean="0"/>
+              <a:t>…</a:t>
+            </a:r>
+            <a:endParaRPr kumimoji="1" lang="ja-JP" altLang="en-US" sz="2800" b="1" dirty="0"/>
+          </a:p>
+        </p:txBody>
+      </p:sp>
+      <p:cxnSp>
+        <p:nvCxnSpPr>
+          <p:cNvPr id="16" name="直線コネクタ 15"/>
+          <p:cNvCxnSpPr/>
+          <p:nvPr/>
+        </p:nvCxnSpPr>
+        <p:spPr>
+          <a:xfrm>
+            <a:off x="2411760" y="4511488"/>
+            <a:ext cx="3195972" cy="0"/>
+          </a:xfrm>
+          <a:prstGeom prst="line">
+            <a:avLst/>
+          </a:prstGeom>
+          <a:ln w="38100">
+            <a:solidFill>
+              <a:schemeClr val="accent2"/>
+            </a:solidFill>
+          </a:ln>
+        </p:spPr>
+        <p:style>
+          <a:lnRef idx="1">
+            <a:schemeClr val="accent1"/>
+          </a:lnRef>
+          <a:fillRef idx="0">
+            <a:schemeClr val="accent1"/>
+          </a:fillRef>
+          <a:effectRef idx="0">
+            <a:schemeClr val="accent1"/>
+          </a:effectRef>
+          <a:fontRef idx="minor">
+            <a:schemeClr val="tx1"/>
+          </a:fontRef>
+        </p:style>
+      </p:cxnSp>
+      <p:cxnSp>
+        <p:nvCxnSpPr>
+          <p:cNvPr id="17" name="直線コネクタ 16"/>
+          <p:cNvCxnSpPr/>
+          <p:nvPr/>
+        </p:nvCxnSpPr>
+        <p:spPr>
+          <a:xfrm>
+            <a:off x="5607732" y="3957128"/>
+            <a:ext cx="0" cy="554360"/>
+          </a:xfrm>
+          <a:prstGeom prst="line">
+            <a:avLst/>
+          </a:prstGeom>
+          <a:ln w="38100">
+            <a:solidFill>
+              <a:schemeClr val="accent2"/>
+            </a:solidFill>
+          </a:ln>
+        </p:spPr>
+        <p:style>
+          <a:lnRef idx="1">
+            <a:schemeClr val="accent1"/>
+          </a:lnRef>
+          <a:fillRef idx="0">
+            <a:schemeClr val="accent1"/>
+          </a:fillRef>
+          <a:effectRef idx="0">
+            <a:schemeClr val="accent1"/>
+          </a:effectRef>
+          <a:fontRef idx="minor">
+            <a:schemeClr val="tx1"/>
+          </a:fontRef>
+        </p:style>
+      </p:cxnSp>
+      <p:cxnSp>
+        <p:nvCxnSpPr>
+          <p:cNvPr id="18" name="直線コネクタ 17"/>
+          <p:cNvCxnSpPr/>
+          <p:nvPr/>
+        </p:nvCxnSpPr>
+        <p:spPr>
+          <a:xfrm>
+            <a:off x="2411760" y="4872062"/>
+            <a:ext cx="4060068" cy="0"/>
+          </a:xfrm>
+          <a:prstGeom prst="line">
+            <a:avLst/>
+          </a:prstGeom>
+          <a:ln w="38100">
+            <a:solidFill>
+              <a:schemeClr val="accent1"/>
+            </a:solidFill>
+          </a:ln>
+        </p:spPr>
+        <p:style>
+          <a:lnRef idx="1">
+            <a:schemeClr val="accent1"/>
+          </a:lnRef>
+          <a:fillRef idx="0">
+            <a:schemeClr val="accent1"/>
+          </a:fillRef>
+          <a:effectRef idx="0">
+            <a:schemeClr val="accent1"/>
+          </a:effectRef>
+          <a:fontRef idx="minor">
+            <a:schemeClr val="tx1"/>
+          </a:fontRef>
+        </p:style>
+      </p:cxnSp>
+      <p:cxnSp>
+        <p:nvCxnSpPr>
+          <p:cNvPr id="19" name="直線コネクタ 18"/>
+          <p:cNvCxnSpPr/>
+          <p:nvPr/>
+        </p:nvCxnSpPr>
+        <p:spPr>
+          <a:xfrm>
+            <a:off x="6471828" y="3935424"/>
+            <a:ext cx="0" cy="914400"/>
+          </a:xfrm>
+          <a:prstGeom prst="line">
+            <a:avLst/>
+          </a:prstGeom>
+          <a:ln w="38100">
+            <a:solidFill>
+              <a:schemeClr val="accent1"/>
+            </a:solidFill>
+          </a:ln>
+        </p:spPr>
+        <p:style>
+          <a:lnRef idx="1">
+            <a:schemeClr val="accent1"/>
+          </a:lnRef>
+          <a:fillRef idx="0">
+            <a:schemeClr val="accent1"/>
+          </a:fillRef>
+          <a:effectRef idx="0">
+            <a:schemeClr val="accent1"/>
+          </a:effectRef>
+          <a:fontRef idx="minor">
+            <a:schemeClr val="tx1"/>
+          </a:fontRef>
+        </p:style>
+      </p:cxnSp>
+      <mc:AlternateContent xmlns:mc="http://schemas.openxmlformats.org/markup-compatibility/2006">
+        <mc:Choice xmlns:a14="http://schemas.microsoft.com/office/drawing/2010/main" Requires="a14">
+          <p:sp>
+            <p:nvSpPr>
+              <p:cNvPr id="22" name="テキスト ボックス 21"/>
+              <p:cNvSpPr txBox="1"/>
+              <p:nvPr/>
+            </p:nvSpPr>
+            <p:spPr>
+              <a:xfrm>
+                <a:off x="3923928" y="2448433"/>
+                <a:ext cx="774571" cy="523220"/>
+              </a:xfrm>
+              <a:prstGeom prst="rect">
+                <a:avLst/>
+              </a:prstGeom>
+              <a:noFill/>
+            </p:spPr>
+            <p:txBody>
+              <a:bodyPr wrap="none" rtlCol="0">
+                <a:spAutoFit/>
+              </a:bodyPr>
+              <a:lstStyle/>
+              <a:p>
+                <a14:m>
+                  <m:oMath xmlns:m="http://schemas.openxmlformats.org/officeDocument/2006/math">
+                    <m:r>
+                      <a:rPr kumimoji="1" lang="en-US" altLang="ja-JP" sz="2800" b="1" i="1" smtClean="0">
+                        <a:latin typeface="Cambria Math"/>
+                      </a:rPr>
+                      <m:t>𝒅</m:t>
+                    </m:r>
+                  </m:oMath>
+                </a14:m>
+                <a:r>
+                  <a:rPr kumimoji="1" lang="ja-JP" altLang="en-US" sz="2800" b="1" dirty="0" smtClean="0"/>
+                  <a:t>日</a:t>
+                </a:r>
+                <a:endParaRPr kumimoji="1" lang="ja-JP" altLang="en-US" sz="2800" b="1" dirty="0"/>
+              </a:p>
+            </p:txBody>
+          </p:sp>
+        </mc:Choice>
+        <mc:Fallback>
+          <p:sp>
+            <p:nvSpPr>
+              <p:cNvPr id="22" name="テキスト ボックス 21"/>
+              <p:cNvSpPr txBox="1">
+                <a:spLocks noRot="1" noChangeAspect="1" noMove="1" noResize="1" noEditPoints="1" noAdjustHandles="1" noChangeArrowheads="1" noChangeShapeType="1" noTextEdit="1"/>
+              </p:cNvSpPr>
+              <p:nvPr/>
+            </p:nvSpPr>
+            <p:spPr>
+              <a:xfrm>
+                <a:off x="3923928" y="2448433"/>
+                <a:ext cx="774571" cy="523220"/>
+              </a:xfrm>
+              <a:prstGeom prst="rect">
+                <a:avLst/>
+              </a:prstGeom>
+              <a:blipFill rotWithShape="1">
+                <a:blip r:embed="rId5"/>
+                <a:stretch>
+                  <a:fillRect t="-12941" r="-14961" b="-31765"/>
+                </a:stretch>
+              </a:blipFill>
+            </p:spPr>
+            <p:txBody>
+              <a:bodyPr/>
+              <a:lstStyle/>
+              <a:p>
+                <a:r>
+                  <a:rPr lang="ja-JP" altLang="en-US">
+                    <a:noFill/>
+                  </a:rPr>
+                  <a:t> </a:t>
+                </a:r>
+              </a:p>
+            </p:txBody>
+          </p:sp>
+        </mc:Fallback>
+      </mc:AlternateContent>
+      <p:sp>
+        <p:nvSpPr>
+          <p:cNvPr id="24" name="円/楕円 23"/>
+          <p:cNvSpPr/>
+          <p:nvPr/>
+        </p:nvSpPr>
+        <p:spPr>
+          <a:xfrm>
+            <a:off x="5894363" y="3576351"/>
+            <a:ext cx="576064" cy="576064"/>
+          </a:xfrm>
+          <a:prstGeom prst="ellipse">
+            <a:avLst/>
+          </a:prstGeom>
+          <a:solidFill>
+            <a:schemeClr val="accent1"/>
+          </a:solidFill>
+          <a:ln>
+            <a:noFill/>
+          </a:ln>
+        </p:spPr>
+        <p:style>
+          <a:lnRef idx="2">
+            <a:schemeClr val="accent1">
+              <a:shade val="50000"/>
+            </a:schemeClr>
+          </a:lnRef>
+          <a:fillRef idx="1">
+            <a:schemeClr val="accent1"/>
+          </a:fillRef>
+          <a:effectRef idx="0">
+            <a:schemeClr val="accent1"/>
+          </a:effectRef>
+          <a:fontRef idx="minor">
+            <a:schemeClr val="lt1"/>
+          </a:fontRef>
+        </p:style>
+        <p:txBody>
+          <a:bodyPr rtlCol="0" anchor="ctr"/>
+          <a:lstStyle/>
+          <a:p>
+            <a:pPr algn="ctr"/>
+            <a:endParaRPr kumimoji="1" lang="ja-JP" altLang="en-US"/>
+          </a:p>
+        </p:txBody>
+      </p:sp>
+      <mc:AlternateContent xmlns:mc="http://schemas.openxmlformats.org/markup-compatibility/2006">
+        <mc:Choice xmlns:a14="http://schemas.microsoft.com/office/drawing/2010/main" Requires="a14">
+          <p:sp>
+            <p:nvSpPr>
+              <p:cNvPr id="25" name="テキスト ボックス 24"/>
+              <p:cNvSpPr txBox="1"/>
+              <p:nvPr/>
+            </p:nvSpPr>
+            <p:spPr>
+              <a:xfrm>
+                <a:off x="5165581" y="2448433"/>
+                <a:ext cx="774571" cy="523220"/>
+              </a:xfrm>
+              <a:prstGeom prst="rect">
+                <a:avLst/>
+              </a:prstGeom>
+              <a:noFill/>
+            </p:spPr>
+            <p:txBody>
+              <a:bodyPr wrap="none" rtlCol="0">
+                <a:spAutoFit/>
+              </a:bodyPr>
+              <a:lstStyle/>
+              <a:p>
+                <a14:m>
+                  <m:oMath xmlns:m="http://schemas.openxmlformats.org/officeDocument/2006/math">
+                    <m:r>
+                      <a:rPr kumimoji="1" lang="en-US" altLang="ja-JP" sz="2800" b="1" i="1" smtClean="0">
+                        <a:latin typeface="Cambria Math"/>
+                      </a:rPr>
+                      <m:t>𝒅</m:t>
+                    </m:r>
+                  </m:oMath>
+                </a14:m>
+                <a:r>
+                  <a:rPr kumimoji="1" lang="ja-JP" altLang="en-US" sz="2800" b="1" dirty="0" smtClean="0"/>
+                  <a:t>日</a:t>
+                </a:r>
+                <a:endParaRPr kumimoji="1" lang="ja-JP" altLang="en-US" sz="2800" b="1" dirty="0"/>
+              </a:p>
+            </p:txBody>
+          </p:sp>
+        </mc:Choice>
+        <mc:Fallback>
+          <p:sp>
+            <p:nvSpPr>
+              <p:cNvPr id="25" name="テキスト ボックス 24"/>
+              <p:cNvSpPr txBox="1">
+                <a:spLocks noRot="1" noChangeAspect="1" noMove="1" noResize="1" noEditPoints="1" noAdjustHandles="1" noChangeArrowheads="1" noChangeShapeType="1" noTextEdit="1"/>
+              </p:cNvSpPr>
+              <p:nvPr/>
+            </p:nvSpPr>
+            <p:spPr>
+              <a:xfrm>
+                <a:off x="5165581" y="2448433"/>
+                <a:ext cx="774571" cy="523220"/>
+              </a:xfrm>
+              <a:prstGeom prst="rect">
+                <a:avLst/>
+              </a:prstGeom>
+              <a:blipFill rotWithShape="1">
+                <a:blip r:embed="rId6"/>
+                <a:stretch>
+                  <a:fillRect t="-12941" r="-15748" b="-31765"/>
+                </a:stretch>
+              </a:blipFill>
+            </p:spPr>
+            <p:txBody>
+              <a:bodyPr/>
+              <a:lstStyle/>
+              <a:p>
+                <a:r>
+                  <a:rPr lang="ja-JP" altLang="en-US">
+                    <a:noFill/>
+                  </a:rPr>
+                  <a:t> </a:t>
+                </a:r>
+              </a:p>
+            </p:txBody>
+          </p:sp>
+        </mc:Fallback>
+      </mc:AlternateContent>
+      <mc:AlternateContent xmlns:mc="http://schemas.openxmlformats.org/markup-compatibility/2006">
+        <mc:Choice xmlns:a14="http://schemas.microsoft.com/office/drawing/2010/main" Requires="a14">
+          <p:sp>
+            <p:nvSpPr>
+              <p:cNvPr id="26" name="テキスト ボックス 25"/>
+              <p:cNvSpPr txBox="1"/>
+              <p:nvPr/>
+            </p:nvSpPr>
+            <p:spPr>
+              <a:xfrm>
+                <a:off x="492159" y="5232102"/>
+                <a:ext cx="8136904" cy="1077218"/>
+              </a:xfrm>
+              <a:prstGeom prst="rect">
+                <a:avLst/>
+              </a:prstGeom>
+              <a:noFill/>
+            </p:spPr>
+            <p:txBody>
+              <a:bodyPr wrap="square" rtlCol="0">
+                <a:spAutoFit/>
+              </a:bodyPr>
+              <a:lstStyle/>
+              <a:p>
+                <a:r>
+                  <a:rPr lang="ja-JP" altLang="en-US" sz="3200" dirty="0" smtClean="0"/>
+                  <a:t>最後に割り当てた日が </a:t>
+                </a:r>
+                <a14:m>
+                  <m:oMath xmlns:m="http://schemas.openxmlformats.org/officeDocument/2006/math">
+                    <m:r>
+                      <a:rPr lang="en-US" altLang="ja-JP" sz="3200" b="0" i="1" smtClean="0">
+                        <a:latin typeface="Cambria Math"/>
+                      </a:rPr>
+                      <m:t>𝑥</m:t>
+                    </m:r>
+                  </m:oMath>
+                </a14:m>
+                <a:r>
+                  <a:rPr lang="ja-JP" altLang="en-US" sz="3200" dirty="0" smtClean="0"/>
+                  <a:t> のときに </a:t>
+                </a:r>
+                <a14:m>
+                  <m:oMath xmlns:m="http://schemas.openxmlformats.org/officeDocument/2006/math">
+                    <m:sSub>
+                      <m:sSubPr>
+                        <m:ctrlPr>
+                          <a:rPr lang="en-US" altLang="ja-JP" sz="3200" b="0" i="1" smtClean="0">
+                            <a:latin typeface="Cambria Math"/>
+                          </a:rPr>
+                        </m:ctrlPr>
+                      </m:sSubPr>
+                      <m:e>
+                        <m:r>
+                          <a:rPr lang="en-US" altLang="ja-JP" sz="3200" b="0" i="1" smtClean="0">
+                            <a:latin typeface="Cambria Math"/>
+                          </a:rPr>
+                          <m:t>𝑎</m:t>
+                        </m:r>
+                      </m:e>
+                      <m:sub>
+                        <m:r>
+                          <a:rPr lang="en-US" altLang="ja-JP" sz="3200" b="0" i="1" smtClean="0">
+                            <a:latin typeface="Cambria Math"/>
+                          </a:rPr>
+                          <m:t>𝑖</m:t>
+                        </m:r>
+                      </m:sub>
+                    </m:sSub>
+                    <m:r>
+                      <a:rPr lang="en-US" altLang="ja-JP" sz="3200" b="0" i="1" smtClean="0">
+                        <a:latin typeface="Cambria Math"/>
+                      </a:rPr>
+                      <m:t>≤</m:t>
+                    </m:r>
+                    <m:r>
+                      <a:rPr lang="en-US" altLang="ja-JP" sz="3200" b="0" i="1" smtClean="0">
+                        <a:latin typeface="Cambria Math"/>
+                      </a:rPr>
+                      <m:t>𝑥</m:t>
+                    </m:r>
+                    <m:r>
+                      <a:rPr lang="en-US" altLang="ja-JP" sz="3200" b="0" i="1" smtClean="0">
+                        <a:latin typeface="Cambria Math"/>
+                      </a:rPr>
+                      <m:t>+</m:t>
+                    </m:r>
+                    <m:r>
+                      <a:rPr lang="en-US" altLang="ja-JP" sz="3200" b="0" i="1" smtClean="0">
+                        <a:latin typeface="Cambria Math"/>
+                      </a:rPr>
+                      <m:t>𝑑</m:t>
+                    </m:r>
+                  </m:oMath>
+                </a14:m>
+                <a:r>
+                  <a:rPr lang="ja-JP" altLang="en-US" sz="3200" dirty="0" smtClean="0"/>
+                  <a:t> の人を列挙したいが毎回愚直にやると </a:t>
+                </a:r>
+                <a14:m>
+                  <m:oMath xmlns:m="http://schemas.openxmlformats.org/officeDocument/2006/math">
+                    <m:r>
+                      <a:rPr lang="en-US" altLang="ja-JP" sz="3200" b="0" i="1" smtClean="0">
+                        <a:latin typeface="Cambria Math"/>
+                      </a:rPr>
+                      <m:t>𝑂</m:t>
+                    </m:r>
+                    <m:r>
+                      <a:rPr lang="en-US" altLang="ja-JP" sz="3200" b="0" i="1" smtClean="0">
+                        <a:latin typeface="Cambria Math"/>
+                      </a:rPr>
+                      <m:t>(</m:t>
+                    </m:r>
+                    <m:sSup>
+                      <m:sSupPr>
+                        <m:ctrlPr>
+                          <a:rPr lang="en-US" altLang="ja-JP" sz="3200" b="0" i="1" smtClean="0">
+                            <a:latin typeface="Cambria Math"/>
+                          </a:rPr>
+                        </m:ctrlPr>
+                      </m:sSupPr>
+                      <m:e>
+                        <m:r>
+                          <a:rPr lang="en-US" altLang="ja-JP" sz="3200" b="0" i="1" smtClean="0">
+                            <a:latin typeface="Cambria Math"/>
+                          </a:rPr>
+                          <m:t>𝑛</m:t>
+                        </m:r>
+                      </m:e>
+                      <m:sup>
+                        <m:r>
+                          <a:rPr lang="en-US" altLang="ja-JP" sz="3200" b="0" i="1" smtClean="0">
+                            <a:latin typeface="Cambria Math"/>
+                          </a:rPr>
+                          <m:t>2</m:t>
+                        </m:r>
+                      </m:sup>
+                    </m:sSup>
+                    <m:r>
+                      <a:rPr lang="en-US" altLang="ja-JP" sz="3200" b="0" i="1" smtClean="0">
+                        <a:latin typeface="Cambria Math"/>
+                      </a:rPr>
+                      <m:t>)</m:t>
+                    </m:r>
+                  </m:oMath>
+                </a14:m>
+                <a:r>
+                  <a:rPr lang="en-US" altLang="ja-JP" sz="3200" dirty="0" smtClean="0"/>
+                  <a:t> </a:t>
+                </a:r>
+                <a:r>
+                  <a:rPr lang="ja-JP" altLang="en-US" sz="3200" dirty="0" smtClean="0"/>
+                  <a:t>かかる</a:t>
+                </a:r>
+                <a:endParaRPr lang="en-US" altLang="ja-JP" sz="3200" dirty="0" smtClean="0"/>
+              </a:p>
+            </p:txBody>
+          </p:sp>
+        </mc:Choice>
+        <mc:Fallback>
+          <p:sp>
+            <p:nvSpPr>
+              <p:cNvPr id="26" name="テキスト ボックス 25"/>
+              <p:cNvSpPr txBox="1">
+                <a:spLocks noRot="1" noChangeAspect="1" noMove="1" noResize="1" noEditPoints="1" noAdjustHandles="1" noChangeArrowheads="1" noChangeShapeType="1" noTextEdit="1"/>
+              </p:cNvSpPr>
+              <p:nvPr/>
+            </p:nvSpPr>
+            <p:spPr>
+              <a:xfrm>
+                <a:off x="492159" y="5232102"/>
+                <a:ext cx="8136904" cy="1077218"/>
+              </a:xfrm>
+              <a:prstGeom prst="rect">
+                <a:avLst/>
+              </a:prstGeom>
+              <a:blipFill rotWithShape="1">
+                <a:blip r:embed="rId7"/>
+                <a:stretch>
+                  <a:fillRect l="-1948" t="-8475" r="-1348" b="-16384"/>
+                </a:stretch>
+              </a:blipFill>
+            </p:spPr>
+            <p:txBody>
+              <a:bodyPr/>
+              <a:lstStyle/>
+              <a:p>
+                <a:r>
+                  <a:rPr lang="ja-JP" altLang="en-US">
+                    <a:noFill/>
+                  </a:rPr>
+                  <a:t> </a:t>
+                </a:r>
+              </a:p>
+            </p:txBody>
+          </p:sp>
+        </mc:Fallback>
+      </mc:AlternateContent>
+    </p:spTree>
+    <p:extLst>
+      <p:ext uri="{BB962C8B-B14F-4D97-AF65-F5344CB8AC3E}">
+        <p14:creationId xmlns:p14="http://schemas.microsoft.com/office/powerpoint/2010/main" val="2069594736"/>
+      </p:ext>
+    </p:extLst>
+  </p:cSld>
+  <p:clrMapOvr>
+    <a:masterClrMapping/>
+  </p:clrMapOvr>
+</p:sld>
+</file>
+
+<file path=ppt/slides/slide6.xml><?xml version="1.0" encoding="utf-8"?>
+<p:sld xmlns:a="http://schemas.openxmlformats.org/drawingml/2006/main" xmlns:r="http://schemas.openxmlformats.org/officeDocument/2006/relationships" xmlns:p="http://schemas.openxmlformats.org/presentationml/2006/main">
+  <p:cSld>
+    <p:spTree>
+      <p:nvGrpSpPr>
+        <p:cNvPr id="1" name=""/>
+        <p:cNvGrpSpPr/>
+        <p:nvPr/>
+      </p:nvGrpSpPr>
+      <p:grpSpPr>
+        <a:xfrm>
+          <a:off x="0" y="0"/>
+          <a:ext cx="0" cy="0"/>
+          <a:chOff x="0" y="0"/>
+          <a:chExt cx="0" cy="0"/>
+        </a:xfrm>
+      </p:grpSpPr>
+      <mc:AlternateContent xmlns:mc="http://schemas.openxmlformats.org/markup-compatibility/2006">
+        <mc:Choice xmlns:a14="http://schemas.microsoft.com/office/drawing/2010/main" Requires="a14">
+          <p:sp>
+            <p:nvSpPr>
+              <p:cNvPr id="2" name="タイトル 1"/>
+              <p:cNvSpPr>
+                <a:spLocks noGrp="1"/>
+              </p:cNvSpPr>
+              <p:nvPr>
+                <p:ph type="title"/>
+              </p:nvPr>
+            </p:nvSpPr>
+            <p:spPr/>
+            <p:txBody>
+              <a:bodyPr/>
+              <a:lstStyle/>
+              <a:p>
+                <a:r>
+                  <a:rPr lang="ja-JP" altLang="en-US" dirty="0"/>
+                  <a:t>部分点解法 </a:t>
+                </a:r>
+                <a:r>
+                  <a:rPr lang="en-US" altLang="ja-JP" dirty="0"/>
+                  <a:t>(</a:t>
+                </a:r>
+                <a14:m>
+                  <m:oMath xmlns:m="http://schemas.openxmlformats.org/officeDocument/2006/math">
+                    <m:r>
+                      <a:rPr lang="en-US" altLang="ja-JP" i="1">
+                        <a:latin typeface="Cambria Math"/>
+                      </a:rPr>
+                      <m:t>𝑲</m:t>
+                    </m:r>
+                    <m:r>
+                      <a:rPr lang="en-US" altLang="ja-JP" i="1">
+                        <a:latin typeface="Cambria Math"/>
+                      </a:rPr>
+                      <m:t>=</m:t>
+                    </m:r>
+                    <m:r>
+                      <a:rPr lang="en-US" altLang="ja-JP" i="1">
+                        <a:latin typeface="Cambria Math"/>
+                      </a:rPr>
+                      <m:t>𝟎</m:t>
+                    </m:r>
+                  </m:oMath>
+                </a14:m>
+                <a:r>
+                  <a:rPr lang="ja-JP" altLang="en-US" dirty="0"/>
+                  <a:t>の場合</a:t>
+                </a:r>
+                <a:r>
+                  <a:rPr lang="en-US" altLang="ja-JP" dirty="0"/>
+                  <a:t>)</a:t>
+                </a:r>
+                <a:endParaRPr kumimoji="1" lang="ja-JP" altLang="en-US" dirty="0"/>
+              </a:p>
+            </p:txBody>
+          </p:sp>
+        </mc:Choice>
+        <mc:Fallback>
+          <p:sp>
+            <p:nvSpPr>
+              <p:cNvPr id="2" name="タイトル 1"/>
+              <p:cNvSpPr>
+                <a:spLocks noGrp="1" noRot="1" noChangeAspect="1" noMove="1" noResize="1" noEditPoints="1" noAdjustHandles="1" noChangeArrowheads="1" noChangeShapeType="1" noTextEdit="1"/>
+              </p:cNvSpPr>
+              <p:nvPr>
+                <p:ph type="title"/>
+              </p:nvPr>
+            </p:nvSpPr>
+            <p:spPr>
+              <a:blipFill rotWithShape="1">
+                <a:blip r:embed="rId2"/>
+                <a:stretch>
+                  <a:fillRect t="-1807" b="-21084"/>
+                </a:stretch>
+              </a:blipFill>
+            </p:spPr>
+            <p:txBody>
+              <a:bodyPr/>
+              <a:lstStyle/>
+              <a:p>
+                <a:r>
+                  <a:rPr lang="ja-JP" altLang="en-US">
+                    <a:noFill/>
+                  </a:rPr>
+                  <a:t> </a:t>
+                </a:r>
+              </a:p>
+            </p:txBody>
+          </p:sp>
+        </mc:Fallback>
+      </mc:AlternateContent>
+      <mc:AlternateContent xmlns:mc="http://schemas.openxmlformats.org/markup-compatibility/2006">
+        <mc:Choice xmlns:a14="http://schemas.microsoft.com/office/drawing/2010/main" Requires="a14">
+          <p:sp>
+            <p:nvSpPr>
+              <p:cNvPr id="4" name="テキスト ボックス 3"/>
+              <p:cNvSpPr txBox="1"/>
+              <p:nvPr/>
+            </p:nvSpPr>
+            <p:spPr>
+              <a:xfrm>
+                <a:off x="1124617" y="1412776"/>
+                <a:ext cx="6930770" cy="1077218"/>
+              </a:xfrm>
+              <a:prstGeom prst="rect">
+                <a:avLst/>
+              </a:prstGeom>
+              <a:noFill/>
+            </p:spPr>
+            <p:txBody>
+              <a:bodyPr wrap="square" rtlCol="0">
+                <a:spAutoFit/>
+              </a:bodyPr>
+              <a:lstStyle/>
+              <a:p>
+                <a14:m>
+                  <m:oMath xmlns:m="http://schemas.openxmlformats.org/officeDocument/2006/math">
+                    <m:r>
+                      <a:rPr kumimoji="1" lang="en-US" altLang="ja-JP" sz="3200" b="0" i="1" smtClean="0">
+                        <a:latin typeface="Cambria Math"/>
+                      </a:rPr>
+                      <m:t>𝑥</m:t>
+                    </m:r>
+                  </m:oMath>
+                </a14:m>
+                <a:r>
+                  <a:rPr kumimoji="1" lang="ja-JP" altLang="en-US" sz="3200" dirty="0" smtClean="0"/>
+                  <a:t> は単調に増加するので</a:t>
+                </a:r>
+                <a:r>
+                  <a:rPr lang="ja-JP" altLang="en-US" sz="3200" dirty="0" smtClean="0"/>
+                  <a:t>最初に </a:t>
+                </a:r>
+                <a14:m>
+                  <m:oMath xmlns:m="http://schemas.openxmlformats.org/officeDocument/2006/math">
+                    <m:sSub>
+                      <m:sSubPr>
+                        <m:ctrlPr>
+                          <a:rPr lang="en-US" altLang="ja-JP" sz="3200" b="0" i="1" smtClean="0">
+                            <a:latin typeface="Cambria Math"/>
+                          </a:rPr>
+                        </m:ctrlPr>
+                      </m:sSubPr>
+                      <m:e>
+                        <m:r>
+                          <a:rPr lang="en-US" altLang="ja-JP" sz="3200" b="0" i="1" smtClean="0">
+                            <a:latin typeface="Cambria Math"/>
+                          </a:rPr>
+                          <m:t>𝑎</m:t>
+                        </m:r>
+                      </m:e>
+                      <m:sub>
+                        <m:r>
+                          <a:rPr lang="en-US" altLang="ja-JP" sz="3200" b="0" i="1" smtClean="0">
+                            <a:latin typeface="Cambria Math"/>
+                          </a:rPr>
+                          <m:t>𝑖</m:t>
+                        </m:r>
+                      </m:sub>
+                    </m:sSub>
+                  </m:oMath>
+                </a14:m>
+                <a:r>
+                  <a:rPr kumimoji="1" lang="en-US" altLang="ja-JP" sz="3200" dirty="0" smtClean="0"/>
+                  <a:t> </a:t>
+                </a:r>
+                <a:r>
+                  <a:rPr kumimoji="1" lang="ja-JP" altLang="en-US" sz="3200" dirty="0" smtClean="0"/>
+                  <a:t>の値で</a:t>
+                </a:r>
+                <a:r>
+                  <a:rPr kumimoji="1" lang="en-US" altLang="ja-JP" sz="3200" dirty="0" smtClean="0"/>
+                  <a:t/>
+                </a:r>
+                <a:br>
+                  <a:rPr kumimoji="1" lang="en-US" altLang="ja-JP" sz="3200" dirty="0" smtClean="0"/>
+                </a:br>
+                <a:r>
+                  <a:rPr kumimoji="1" lang="ja-JP" altLang="en-US" sz="3200" dirty="0" smtClean="0"/>
+                  <a:t>ソートして</a:t>
+                </a:r>
+                <a:r>
+                  <a:rPr lang="ja-JP" altLang="en-US" sz="3200" dirty="0"/>
+                  <a:t>しゃく</a:t>
+                </a:r>
+                <a:r>
+                  <a:rPr lang="ja-JP" altLang="en-US" sz="3200" dirty="0" smtClean="0"/>
+                  <a:t>とりの要領で調べればよい</a:t>
+                </a:r>
+                <a:endParaRPr kumimoji="1" lang="en-US" altLang="ja-JP" sz="3200" dirty="0" smtClean="0"/>
+              </a:p>
+            </p:txBody>
+          </p:sp>
+        </mc:Choice>
+        <mc:Fallback>
+          <p:sp>
+            <p:nvSpPr>
+              <p:cNvPr id="4" name="テキスト ボックス 3"/>
+              <p:cNvSpPr txBox="1">
+                <a:spLocks noRot="1" noChangeAspect="1" noMove="1" noResize="1" noEditPoints="1" noAdjustHandles="1" noChangeArrowheads="1" noChangeShapeType="1" noTextEdit="1"/>
+              </p:cNvSpPr>
+              <p:nvPr/>
+            </p:nvSpPr>
+            <p:spPr>
+              <a:xfrm>
+                <a:off x="1124617" y="1412776"/>
+                <a:ext cx="6930770" cy="1077218"/>
+              </a:xfrm>
+              <a:prstGeom prst="rect">
+                <a:avLst/>
+              </a:prstGeom>
+              <a:blipFill rotWithShape="1">
+                <a:blip r:embed="rId3"/>
+                <a:stretch>
+                  <a:fillRect l="-2199" t="-8523" r="-2287" b="-17045"/>
+                </a:stretch>
+              </a:blipFill>
+            </p:spPr>
+            <p:txBody>
+              <a:bodyPr/>
+              <a:lstStyle/>
+              <a:p>
+                <a:r>
+                  <a:rPr lang="ja-JP" altLang="en-US">
+                    <a:noFill/>
+                  </a:rPr>
+                  <a:t> </a:t>
+                </a:r>
+              </a:p>
+            </p:txBody>
+          </p:sp>
+        </mc:Fallback>
+      </mc:AlternateContent>
+      <mc:AlternateContent xmlns:mc="http://schemas.openxmlformats.org/markup-compatibility/2006">
+        <mc:Choice xmlns:a14="http://schemas.microsoft.com/office/drawing/2010/main" Requires="a14">
+          <p:sp>
+            <p:nvSpPr>
+              <p:cNvPr id="5" name="テキスト ボックス 4"/>
+              <p:cNvSpPr txBox="1"/>
+              <p:nvPr/>
+            </p:nvSpPr>
+            <p:spPr>
+              <a:xfrm>
+                <a:off x="1790691" y="2852936"/>
+                <a:ext cx="5598622" cy="1077218"/>
+              </a:xfrm>
+              <a:prstGeom prst="rect">
+                <a:avLst/>
+              </a:prstGeom>
+              <a:noFill/>
+            </p:spPr>
+            <p:txBody>
+              <a:bodyPr wrap="square" rtlCol="0">
+                <a:spAutoFit/>
+              </a:bodyPr>
+              <a:lstStyle/>
+              <a:p>
+                <a14:m>
+                  <m:oMath xmlns:m="http://schemas.openxmlformats.org/officeDocument/2006/math">
+                    <m:sSub>
+                      <m:sSubPr>
+                        <m:ctrlPr>
+                          <a:rPr kumimoji="1" lang="en-US" altLang="ja-JP" sz="3200" b="0" i="1" smtClean="0">
+                            <a:latin typeface="Cambria Math"/>
+                          </a:rPr>
+                        </m:ctrlPr>
+                      </m:sSubPr>
+                      <m:e>
+                        <m:r>
+                          <a:rPr kumimoji="1" lang="en-US" altLang="ja-JP" sz="3200" b="0" i="1" smtClean="0">
+                            <a:latin typeface="Cambria Math"/>
+                          </a:rPr>
+                          <m:t>𝑏</m:t>
+                        </m:r>
+                      </m:e>
+                      <m:sub>
+                        <m:r>
+                          <a:rPr kumimoji="1" lang="en-US" altLang="ja-JP" sz="3200" b="0" i="1" smtClean="0">
+                            <a:latin typeface="Cambria Math"/>
+                          </a:rPr>
+                          <m:t>𝑖</m:t>
+                        </m:r>
+                      </m:sub>
+                    </m:sSub>
+                  </m:oMath>
+                </a14:m>
+                <a:r>
+                  <a:rPr kumimoji="1" lang="ja-JP" altLang="en-US" sz="3200" dirty="0" smtClean="0"/>
+                  <a:t> が最小のものを取り出すのは</a:t>
+                </a:r>
+                <a:r>
+                  <a:rPr kumimoji="1" lang="en-US" altLang="ja-JP" sz="3200" dirty="0" smtClean="0"/>
+                  <a:t/>
+                </a:r>
+                <a:br>
+                  <a:rPr kumimoji="1" lang="en-US" altLang="ja-JP" sz="3200" dirty="0" smtClean="0"/>
+                </a:br>
+                <a:r>
+                  <a:rPr kumimoji="1" lang="ja-JP" altLang="en-US" sz="3200" dirty="0" smtClean="0">
+                    <a:solidFill>
+                      <a:srgbClr val="FF0000"/>
+                    </a:solidFill>
+                  </a:rPr>
+                  <a:t>プライオリティーキュー</a:t>
+                </a:r>
+                <a:r>
+                  <a:rPr kumimoji="1" lang="ja-JP" altLang="en-US" sz="3200" dirty="0" smtClean="0"/>
+                  <a:t>を使えばよい</a:t>
+                </a:r>
+                <a:endParaRPr kumimoji="1" lang="ja-JP" altLang="en-US" sz="3200" dirty="0"/>
+              </a:p>
+            </p:txBody>
+          </p:sp>
+        </mc:Choice>
+        <mc:Fallback>
+          <p:sp>
+            <p:nvSpPr>
+              <p:cNvPr id="5" name="テキスト ボックス 4"/>
+              <p:cNvSpPr txBox="1">
+                <a:spLocks noRot="1" noChangeAspect="1" noMove="1" noResize="1" noEditPoints="1" noAdjustHandles="1" noChangeArrowheads="1" noChangeShapeType="1" noTextEdit="1"/>
+              </p:cNvSpPr>
+              <p:nvPr/>
+            </p:nvSpPr>
+            <p:spPr>
+              <a:xfrm>
+                <a:off x="1790691" y="2852936"/>
+                <a:ext cx="5598622" cy="1077218"/>
+              </a:xfrm>
+              <a:prstGeom prst="rect">
+                <a:avLst/>
+              </a:prstGeom>
+              <a:blipFill rotWithShape="1">
+                <a:blip r:embed="rId4"/>
+                <a:stretch>
+                  <a:fillRect l="-2832" t="-8475" r="-218" b="-16384"/>
+                </a:stretch>
+              </a:blipFill>
+            </p:spPr>
+            <p:txBody>
+              <a:bodyPr/>
+              <a:lstStyle/>
+              <a:p>
+                <a:r>
+                  <a:rPr lang="ja-JP" altLang="en-US">
+                    <a:noFill/>
+                  </a:rPr>
+                  <a:t> </a:t>
+                </a:r>
+              </a:p>
+            </p:txBody>
+          </p:sp>
+        </mc:Fallback>
+      </mc:AlternateContent>
+      <mc:AlternateContent xmlns:mc="http://schemas.openxmlformats.org/markup-compatibility/2006">
+        <mc:Choice xmlns:a14="http://schemas.microsoft.com/office/drawing/2010/main" Requires="a14">
+          <p:sp>
+            <p:nvSpPr>
+              <p:cNvPr id="6" name="テキスト ボックス 5"/>
+              <p:cNvSpPr txBox="1"/>
+              <p:nvPr/>
+            </p:nvSpPr>
+            <p:spPr>
+              <a:xfrm>
+                <a:off x="1970711" y="5292497"/>
+                <a:ext cx="5238582" cy="584775"/>
+              </a:xfrm>
+              <a:prstGeom prst="rect">
+                <a:avLst/>
+              </a:prstGeom>
+              <a:noFill/>
+            </p:spPr>
+            <p:txBody>
+              <a:bodyPr wrap="square" rtlCol="0">
+                <a:spAutoFit/>
+              </a:bodyPr>
+              <a:lstStyle/>
+              <a:p>
+                <a:r>
+                  <a:rPr lang="ja-JP" altLang="en-US" sz="3200" dirty="0" smtClean="0"/>
+                  <a:t>計算量</a:t>
+                </a:r>
+                <a:r>
+                  <a:rPr lang="ja-JP" altLang="en-US" sz="3200" dirty="0" smtClean="0"/>
+                  <a:t>は全体で</a:t>
+                </a:r>
+                <a:r>
+                  <a:rPr lang="ja-JP" altLang="en-US" sz="3200" dirty="0" smtClean="0"/>
+                  <a:t> </a:t>
                 </a:r>
                 <a14:m>
                   <m:oMath xmlns:m="http://schemas.openxmlformats.org/officeDocument/2006/math">
@@ -5544,7 +8290,7 @@
             </p:txBody>
           </p:sp>
         </mc:Choice>
-        <mc:Fallback xmlns="">
+        <mc:Fallback>
           <p:sp>
             <p:nvSpPr>
               <p:cNvPr id="6" name="テキスト ボックス 5"/>
@@ -5555,16 +8301,16 @@
             </p:nvSpPr>
             <p:spPr>
               <a:xfrm>
-                <a:off x="1205626" y="4944070"/>
-                <a:ext cx="6768752" cy="1077218"/>
+                <a:off x="1970711" y="5292497"/>
+                <a:ext cx="5238582" cy="584775"/>
               </a:xfrm>
               <a:prstGeom prst="rect">
                 <a:avLst/>
               </a:prstGeom>
               <a:blipFill rotWithShape="1">
-                <a:blip r:embed="rId2"/>
+                <a:blip r:embed="rId5"/>
                 <a:stretch>
-                  <a:fillRect l="-2342" t="-7345" b="-16384"/>
+                  <a:fillRect l="-2907" t="-15625" b="-31250"/>
                 </a:stretch>
               </a:blipFill>
             </p:spPr>
@@ -5591,7 +8337,7 @@
         </p:nvSpPr>
         <p:spPr>
           <a:xfrm>
-            <a:off x="4013938" y="4005064"/>
+            <a:off x="4013938" y="4365104"/>
             <a:ext cx="1152128" cy="720080"/>
           </a:xfrm>
           <a:prstGeom prst="downArrow">
@@ -5644,7 +8390,928 @@
 </p:sld>
 </file>
 
-<file path=ppt/slides/slide5.xml><?xml version="1.0" encoding="utf-8"?>
+<file path=ppt/slides/slide7.xml><?xml version="1.0" encoding="utf-8"?>
+<p:sld xmlns:a="http://schemas.openxmlformats.org/drawingml/2006/main" xmlns:r="http://schemas.openxmlformats.org/officeDocument/2006/relationships" xmlns:p="http://schemas.openxmlformats.org/presentationml/2006/main">
+  <p:cSld>
+    <p:spTree>
+      <p:nvGrpSpPr>
+        <p:cNvPr id="1" name=""/>
+        <p:cNvGrpSpPr/>
+        <p:nvPr/>
+      </p:nvGrpSpPr>
+      <p:grpSpPr>
+        <a:xfrm>
+          <a:off x="0" y="0"/>
+          <a:ext cx="0" cy="0"/>
+          <a:chOff x="0" y="0"/>
+          <a:chExt cx="0" cy="0"/>
+        </a:xfrm>
+      </p:grpSpPr>
+      <mc:AlternateContent xmlns:mc="http://schemas.openxmlformats.org/markup-compatibility/2006">
+        <mc:Choice xmlns:a14="http://schemas.microsoft.com/office/drawing/2010/main" Requires="a14">
+          <p:sp>
+            <p:nvSpPr>
+              <p:cNvPr id="2" name="タイトル 1"/>
+              <p:cNvSpPr>
+                <a:spLocks noGrp="1"/>
+              </p:cNvSpPr>
+              <p:nvPr>
+                <p:ph type="title"/>
+              </p:nvPr>
+            </p:nvSpPr>
+            <p:spPr/>
+            <p:txBody>
+              <a:bodyPr/>
+              <a:lstStyle/>
+              <a:p>
+                <a:r>
+                  <a:rPr lang="ja-JP" altLang="en-US" dirty="0"/>
+                  <a:t>部分点解法 </a:t>
+                </a:r>
+                <a:r>
+                  <a:rPr lang="en-US" altLang="ja-JP" dirty="0"/>
+                  <a:t>(</a:t>
+                </a:r>
+                <a14:m>
+                  <m:oMath xmlns:m="http://schemas.openxmlformats.org/officeDocument/2006/math">
+                    <m:r>
+                      <a:rPr lang="en-US" altLang="ja-JP" i="1">
+                        <a:latin typeface="Cambria Math"/>
+                      </a:rPr>
+                      <m:t>𝑲</m:t>
+                    </m:r>
+                    <m:r>
+                      <a:rPr lang="en-US" altLang="ja-JP" i="1">
+                        <a:latin typeface="Cambria Math"/>
+                      </a:rPr>
+                      <m:t>=</m:t>
+                    </m:r>
+                    <m:r>
+                      <a:rPr lang="en-US" altLang="ja-JP" i="1">
+                        <a:latin typeface="Cambria Math"/>
+                      </a:rPr>
+                      <m:t>𝟎</m:t>
+                    </m:r>
+                  </m:oMath>
+                </a14:m>
+                <a:r>
+                  <a:rPr lang="ja-JP" altLang="en-US" dirty="0"/>
+                  <a:t>の場合</a:t>
+                </a:r>
+                <a:r>
+                  <a:rPr lang="en-US" altLang="ja-JP" dirty="0"/>
+                  <a:t>)</a:t>
+                </a:r>
+                <a:endParaRPr kumimoji="1" lang="ja-JP" altLang="en-US" dirty="0"/>
+              </a:p>
+            </p:txBody>
+          </p:sp>
+        </mc:Choice>
+        <mc:Fallback>
+          <p:sp>
+            <p:nvSpPr>
+              <p:cNvPr id="2" name="タイトル 1"/>
+              <p:cNvSpPr>
+                <a:spLocks noGrp="1" noRot="1" noChangeAspect="1" noMove="1" noResize="1" noEditPoints="1" noAdjustHandles="1" noChangeArrowheads="1" noChangeShapeType="1" noTextEdit="1"/>
+              </p:cNvSpPr>
+              <p:nvPr>
+                <p:ph type="title"/>
+              </p:nvPr>
+            </p:nvSpPr>
+            <p:spPr>
+              <a:blipFill rotWithShape="1">
+                <a:blip r:embed="rId2"/>
+                <a:stretch>
+                  <a:fillRect t="-1807" b="-21084"/>
+                </a:stretch>
+              </a:blipFill>
+            </p:spPr>
+            <p:txBody>
+              <a:bodyPr/>
+              <a:lstStyle/>
+              <a:p>
+                <a:r>
+                  <a:rPr lang="ja-JP" altLang="en-US">
+                    <a:noFill/>
+                  </a:rPr>
+                  <a:t> </a:t>
+                </a:r>
+              </a:p>
+            </p:txBody>
+          </p:sp>
+        </mc:Fallback>
+      </mc:AlternateContent>
+      <mc:AlternateContent xmlns:mc="http://schemas.openxmlformats.org/markup-compatibility/2006">
+        <mc:Choice xmlns:a14="http://schemas.microsoft.com/office/drawing/2010/main" Requires="a14">
+          <p:sp>
+            <p:nvSpPr>
+              <p:cNvPr id="5" name="テキスト ボックス 4"/>
+              <p:cNvSpPr txBox="1"/>
+              <p:nvPr/>
+            </p:nvSpPr>
+            <p:spPr>
+              <a:xfrm>
+                <a:off x="2154956" y="1343670"/>
+                <a:ext cx="4752528" cy="1077218"/>
+              </a:xfrm>
+              <a:prstGeom prst="rect">
+                <a:avLst/>
+              </a:prstGeom>
+              <a:noFill/>
+            </p:spPr>
+            <p:txBody>
+              <a:bodyPr wrap="square" rtlCol="0">
+                <a:spAutoFit/>
+              </a:bodyPr>
+              <a:lstStyle/>
+              <a:p>
+                <a14:m>
+                  <m:oMath xmlns:m="http://schemas.openxmlformats.org/officeDocument/2006/math">
+                    <m:sSub>
+                      <m:sSubPr>
+                        <m:ctrlPr>
+                          <a:rPr kumimoji="1" lang="en-US" altLang="ja-JP" sz="3200" b="0" i="1" smtClean="0">
+                            <a:latin typeface="Cambria Math"/>
+                          </a:rPr>
+                        </m:ctrlPr>
+                      </m:sSubPr>
+                      <m:e>
+                        <m:r>
+                          <a:rPr kumimoji="1" lang="en-US" altLang="ja-JP" sz="3200" b="0" i="1" smtClean="0">
+                            <a:latin typeface="Cambria Math"/>
+                          </a:rPr>
+                          <m:t>𝑏</m:t>
+                        </m:r>
+                      </m:e>
+                      <m:sub>
+                        <m:r>
+                          <a:rPr kumimoji="1" lang="en-US" altLang="ja-JP" sz="3200" b="0" i="1" smtClean="0">
+                            <a:latin typeface="Cambria Math"/>
+                          </a:rPr>
+                          <m:t>𝑖</m:t>
+                        </m:r>
+                      </m:sub>
+                    </m:sSub>
+                  </m:oMath>
+                </a14:m>
+                <a:r>
+                  <a:rPr kumimoji="1" lang="ja-JP" altLang="en-US" sz="3200" dirty="0" smtClean="0"/>
+                  <a:t> が </a:t>
+                </a:r>
+                <a14:m>
+                  <m:oMath xmlns:m="http://schemas.openxmlformats.org/officeDocument/2006/math">
+                    <m:r>
+                      <a:rPr kumimoji="1" lang="en-US" altLang="ja-JP" sz="3200" b="0" i="1" dirty="0" smtClean="0">
+                        <a:latin typeface="Cambria Math"/>
+                      </a:rPr>
+                      <m:t>𝑥</m:t>
+                    </m:r>
+                  </m:oMath>
+                </a14:m>
+                <a:r>
+                  <a:rPr kumimoji="1" lang="ja-JP" altLang="en-US" sz="3200" dirty="0" smtClean="0"/>
+                  <a:t> より小さくなる場合や</a:t>
+                </a:r>
+                <a:r>
+                  <a:rPr kumimoji="1" lang="en-US" altLang="ja-JP" sz="3200" dirty="0" smtClean="0"/>
+                  <a:t/>
+                </a:r>
+                <a:br>
+                  <a:rPr kumimoji="1" lang="en-US" altLang="ja-JP" sz="3200" dirty="0" smtClean="0"/>
+                </a:br>
+                <a14:m>
+                  <m:oMath xmlns:m="http://schemas.openxmlformats.org/officeDocument/2006/math">
+                    <m:r>
+                      <a:rPr kumimoji="1" lang="en-US" altLang="ja-JP" sz="3200" b="0" i="1" smtClean="0">
+                        <a:latin typeface="Cambria Math"/>
+                      </a:rPr>
+                      <m:t>𝑑</m:t>
+                    </m:r>
+                  </m:oMath>
+                </a14:m>
+                <a:r>
+                  <a:rPr kumimoji="1" lang="en-US" altLang="ja-JP" sz="3200" dirty="0" smtClean="0"/>
+                  <a:t> </a:t>
+                </a:r>
+                <a:r>
+                  <a:rPr kumimoji="1" lang="ja-JP" altLang="en-US" sz="3200" dirty="0" smtClean="0"/>
+                  <a:t>日のばせない</a:t>
+                </a:r>
+                <a:r>
+                  <a:rPr lang="ja-JP" altLang="en-US" sz="3200" dirty="0"/>
+                  <a:t>場合</a:t>
+                </a:r>
+                <a:r>
+                  <a:rPr kumimoji="1" lang="ja-JP" altLang="en-US" sz="3200" dirty="0" smtClean="0"/>
+                  <a:t>に注意</a:t>
+                </a:r>
+                <a:endParaRPr kumimoji="1" lang="en-US" altLang="ja-JP" sz="3200" dirty="0" smtClean="0"/>
+              </a:p>
+            </p:txBody>
+          </p:sp>
+        </mc:Choice>
+        <mc:Fallback>
+          <p:sp>
+            <p:nvSpPr>
+              <p:cNvPr id="5" name="テキスト ボックス 4"/>
+              <p:cNvSpPr txBox="1">
+                <a:spLocks noRot="1" noChangeAspect="1" noMove="1" noResize="1" noEditPoints="1" noAdjustHandles="1" noChangeArrowheads="1" noChangeShapeType="1" noTextEdit="1"/>
+              </p:cNvSpPr>
+              <p:nvPr/>
+            </p:nvSpPr>
+            <p:spPr>
+              <a:xfrm>
+                <a:off x="2154956" y="1343670"/>
+                <a:ext cx="4752528" cy="1077218"/>
+              </a:xfrm>
+              <a:prstGeom prst="rect">
+                <a:avLst/>
+              </a:prstGeom>
+              <a:blipFill rotWithShape="1">
+                <a:blip r:embed="rId3"/>
+                <a:stretch>
+                  <a:fillRect t="-8475" r="-2182" b="-16384"/>
+                </a:stretch>
+              </a:blipFill>
+            </p:spPr>
+            <p:txBody>
+              <a:bodyPr/>
+              <a:lstStyle/>
+              <a:p>
+                <a:r>
+                  <a:rPr lang="ja-JP" altLang="en-US">
+                    <a:noFill/>
+                  </a:rPr>
+                  <a:t> </a:t>
+                </a:r>
+              </a:p>
+            </p:txBody>
+          </p:sp>
+        </mc:Fallback>
+      </mc:AlternateContent>
+      <p:sp>
+        <p:nvSpPr>
+          <p:cNvPr id="7" name="フリーフォーム 6"/>
+          <p:cNvSpPr/>
+          <p:nvPr/>
+        </p:nvSpPr>
+        <p:spPr>
+          <a:xfrm>
+            <a:off x="4257749" y="3138709"/>
+            <a:ext cx="1322363" cy="689373"/>
+          </a:xfrm>
+          <a:custGeom>
+            <a:avLst/>
+            <a:gdLst>
+              <a:gd name="connsiteX0" fmla="*/ 0 w 1322363"/>
+              <a:gd name="connsiteY0" fmla="*/ 689373 h 689373"/>
+              <a:gd name="connsiteX1" fmla="*/ 689317 w 1322363"/>
+              <a:gd name="connsiteY1" fmla="*/ 56 h 689373"/>
+              <a:gd name="connsiteX2" fmla="*/ 1322363 w 1322363"/>
+              <a:gd name="connsiteY2" fmla="*/ 647170 h 689373"/>
+            </a:gdLst>
+            <a:ahLst/>
+            <a:cxnLst>
+              <a:cxn ang="0">
+                <a:pos x="connsiteX0" y="connsiteY0"/>
+              </a:cxn>
+              <a:cxn ang="0">
+                <a:pos x="connsiteX1" y="connsiteY1"/>
+              </a:cxn>
+              <a:cxn ang="0">
+                <a:pos x="connsiteX2" y="connsiteY2"/>
+              </a:cxn>
+            </a:cxnLst>
+            <a:rect l="l" t="t" r="r" b="b"/>
+            <a:pathLst>
+              <a:path w="1322363" h="689373">
+                <a:moveTo>
+                  <a:pt x="0" y="689373"/>
+                </a:moveTo>
+                <a:cubicBezTo>
+                  <a:pt x="234461" y="348231"/>
+                  <a:pt x="468923" y="7090"/>
+                  <a:pt x="689317" y="56"/>
+                </a:cubicBezTo>
+                <a:cubicBezTo>
+                  <a:pt x="909711" y="-6978"/>
+                  <a:pt x="1322363" y="647170"/>
+                  <a:pt x="1322363" y="647170"/>
+                </a:cubicBezTo>
+              </a:path>
+            </a:pathLst>
+          </a:custGeom>
+          <a:noFill/>
+          <a:ln w="38100"/>
+        </p:spPr>
+        <p:style>
+          <a:lnRef idx="2">
+            <a:schemeClr val="accent1">
+              <a:shade val="50000"/>
+            </a:schemeClr>
+          </a:lnRef>
+          <a:fillRef idx="1">
+            <a:schemeClr val="accent1"/>
+          </a:fillRef>
+          <a:effectRef idx="0">
+            <a:schemeClr val="accent1"/>
+          </a:effectRef>
+          <a:fontRef idx="minor">
+            <a:schemeClr val="lt1"/>
+          </a:fontRef>
+        </p:style>
+        <p:txBody>
+          <a:bodyPr rtlCol="0" anchor="ctr"/>
+          <a:lstStyle/>
+          <a:p>
+            <a:pPr algn="ctr"/>
+            <a:endParaRPr kumimoji="1" lang="ja-JP" altLang="en-US"/>
+          </a:p>
+        </p:txBody>
+      </p:sp>
+      <p:sp>
+        <p:nvSpPr>
+          <p:cNvPr id="8" name="円/楕円 7"/>
+          <p:cNvSpPr/>
+          <p:nvPr/>
+        </p:nvSpPr>
+        <p:spPr>
+          <a:xfrm>
+            <a:off x="3955156" y="3717032"/>
+            <a:ext cx="576064" cy="576064"/>
+          </a:xfrm>
+          <a:prstGeom prst="ellipse">
+            <a:avLst/>
+          </a:prstGeom>
+          <a:solidFill>
+            <a:schemeClr val="accent6">
+              <a:lumMod val="75000"/>
+            </a:schemeClr>
+          </a:solidFill>
+          <a:ln>
+            <a:noFill/>
+          </a:ln>
+        </p:spPr>
+        <p:style>
+          <a:lnRef idx="2">
+            <a:schemeClr val="accent1">
+              <a:shade val="50000"/>
+            </a:schemeClr>
+          </a:lnRef>
+          <a:fillRef idx="1">
+            <a:schemeClr val="accent1"/>
+          </a:fillRef>
+          <a:effectRef idx="0">
+            <a:schemeClr val="accent1"/>
+          </a:effectRef>
+          <a:fontRef idx="minor">
+            <a:schemeClr val="lt1"/>
+          </a:fontRef>
+        </p:style>
+        <p:txBody>
+          <a:bodyPr rtlCol="0" anchor="ctr"/>
+          <a:lstStyle/>
+          <a:p>
+            <a:pPr algn="ctr"/>
+            <a:endParaRPr kumimoji="1" lang="ja-JP" altLang="en-US"/>
+          </a:p>
+        </p:txBody>
+      </p:sp>
+      <p:sp>
+        <p:nvSpPr>
+          <p:cNvPr id="9" name="円/楕円 8"/>
+          <p:cNvSpPr/>
+          <p:nvPr/>
+        </p:nvSpPr>
+        <p:spPr>
+          <a:xfrm>
+            <a:off x="5292080" y="3717032"/>
+            <a:ext cx="576064" cy="576064"/>
+          </a:xfrm>
+          <a:prstGeom prst="ellipse">
+            <a:avLst/>
+          </a:prstGeom>
+          <a:solidFill>
+            <a:schemeClr val="accent2"/>
+          </a:solidFill>
+          <a:ln>
+            <a:noFill/>
+          </a:ln>
+        </p:spPr>
+        <p:style>
+          <a:lnRef idx="2">
+            <a:schemeClr val="accent1">
+              <a:shade val="50000"/>
+            </a:schemeClr>
+          </a:lnRef>
+          <a:fillRef idx="1">
+            <a:schemeClr val="accent1"/>
+          </a:fillRef>
+          <a:effectRef idx="0">
+            <a:schemeClr val="accent1"/>
+          </a:effectRef>
+          <a:fontRef idx="minor">
+            <a:schemeClr val="lt1"/>
+          </a:fontRef>
+        </p:style>
+        <p:txBody>
+          <a:bodyPr rtlCol="0" anchor="ctr"/>
+          <a:lstStyle/>
+          <a:p>
+            <a:pPr algn="ctr"/>
+            <a:endParaRPr kumimoji="1" lang="ja-JP" altLang="en-US"/>
+          </a:p>
+        </p:txBody>
+      </p:sp>
+      <mc:AlternateContent xmlns:mc="http://schemas.openxmlformats.org/markup-compatibility/2006">
+        <mc:Choice xmlns:a14="http://schemas.microsoft.com/office/drawing/2010/main" Requires="a14">
+          <p:sp>
+            <p:nvSpPr>
+              <p:cNvPr id="10" name="テキスト ボックス 9"/>
+              <p:cNvSpPr txBox="1"/>
+              <p:nvPr/>
+            </p:nvSpPr>
+            <p:spPr>
+              <a:xfrm>
+                <a:off x="3997768" y="3139676"/>
+                <a:ext cx="490840" cy="523220"/>
+              </a:xfrm>
+              <a:prstGeom prst="rect">
+                <a:avLst/>
+              </a:prstGeom>
+              <a:noFill/>
+            </p:spPr>
+            <p:txBody>
+              <a:bodyPr wrap="none" rtlCol="0">
+                <a:spAutoFit/>
+              </a:bodyPr>
+              <a:lstStyle/>
+              <a:p>
+                <a14:m>
+                  <m:oMathPara xmlns:m="http://schemas.openxmlformats.org/officeDocument/2006/math">
+                    <m:oMathParaPr>
+                      <m:jc m:val="centerGroup"/>
+                    </m:oMathParaPr>
+                    <m:oMath xmlns:m="http://schemas.openxmlformats.org/officeDocument/2006/math">
+                      <m:r>
+                        <a:rPr kumimoji="1" lang="en-US" altLang="ja-JP" sz="2800" b="1" i="1" smtClean="0">
+                          <a:latin typeface="Cambria Math"/>
+                        </a:rPr>
+                        <m:t>𝒙</m:t>
+                      </m:r>
+                    </m:oMath>
+                  </m:oMathPara>
+                </a14:m>
+                <a:endParaRPr kumimoji="1" lang="ja-JP" altLang="en-US" sz="2800" b="1" dirty="0"/>
+              </a:p>
+            </p:txBody>
+          </p:sp>
+        </mc:Choice>
+        <mc:Fallback>
+          <p:sp>
+            <p:nvSpPr>
+              <p:cNvPr id="10" name="テキスト ボックス 9"/>
+              <p:cNvSpPr txBox="1">
+                <a:spLocks noRot="1" noChangeAspect="1" noMove="1" noResize="1" noEditPoints="1" noAdjustHandles="1" noChangeArrowheads="1" noChangeShapeType="1" noTextEdit="1"/>
+              </p:cNvSpPr>
+              <p:nvPr/>
+            </p:nvSpPr>
+            <p:spPr>
+              <a:xfrm>
+                <a:off x="3997768" y="3139676"/>
+                <a:ext cx="490840" cy="523220"/>
+              </a:xfrm>
+              <a:prstGeom prst="rect">
+                <a:avLst/>
+              </a:prstGeom>
+              <a:blipFill rotWithShape="1">
+                <a:blip r:embed="rId4"/>
+                <a:stretch>
+                  <a:fillRect/>
+                </a:stretch>
+              </a:blipFill>
+            </p:spPr>
+            <p:txBody>
+              <a:bodyPr/>
+              <a:lstStyle/>
+              <a:p>
+                <a:r>
+                  <a:rPr lang="ja-JP" altLang="en-US">
+                    <a:noFill/>
+                  </a:rPr>
+                  <a:t> </a:t>
+                </a:r>
+              </a:p>
+            </p:txBody>
+          </p:sp>
+        </mc:Fallback>
+      </mc:AlternateContent>
+      <p:sp>
+        <p:nvSpPr>
+          <p:cNvPr id="11" name="テキスト ボックス 10"/>
+          <p:cNvSpPr txBox="1"/>
+          <p:nvPr/>
+        </p:nvSpPr>
+        <p:spPr>
+          <a:xfrm>
+            <a:off x="3163068" y="3139676"/>
+            <a:ext cx="504056" cy="523220"/>
+          </a:xfrm>
+          <a:prstGeom prst="rect">
+            <a:avLst/>
+          </a:prstGeom>
+          <a:noFill/>
+        </p:spPr>
+        <p:txBody>
+          <a:bodyPr wrap="square" rtlCol="0">
+            <a:spAutoFit/>
+          </a:bodyPr>
+          <a:lstStyle/>
+          <a:p>
+            <a:r>
+              <a:rPr kumimoji="1" lang="en-US" altLang="ja-JP" sz="2800" b="1" dirty="0" smtClean="0"/>
+              <a:t>…</a:t>
+            </a:r>
+            <a:endParaRPr kumimoji="1" lang="ja-JP" altLang="en-US" sz="2800" b="1" dirty="0"/>
+          </a:p>
+        </p:txBody>
+      </p:sp>
+      <p:cxnSp>
+        <p:nvCxnSpPr>
+          <p:cNvPr id="12" name="直線コネクタ 11"/>
+          <p:cNvCxnSpPr/>
+          <p:nvPr/>
+        </p:nvCxnSpPr>
+        <p:spPr>
+          <a:xfrm>
+            <a:off x="3091060" y="4653136"/>
+            <a:ext cx="2191743" cy="0"/>
+          </a:xfrm>
+          <a:prstGeom prst="line">
+            <a:avLst/>
+          </a:prstGeom>
+          <a:ln w="38100">
+            <a:solidFill>
+              <a:schemeClr val="accent2"/>
+            </a:solidFill>
+          </a:ln>
+        </p:spPr>
+        <p:style>
+          <a:lnRef idx="1">
+            <a:schemeClr val="accent1"/>
+          </a:lnRef>
+          <a:fillRef idx="0">
+            <a:schemeClr val="accent1"/>
+          </a:fillRef>
+          <a:effectRef idx="0">
+            <a:schemeClr val="accent1"/>
+          </a:effectRef>
+          <a:fontRef idx="minor">
+            <a:schemeClr val="tx1"/>
+          </a:fontRef>
+        </p:style>
+      </p:cxnSp>
+      <p:cxnSp>
+        <p:nvCxnSpPr>
+          <p:cNvPr id="13" name="直線コネクタ 12"/>
+          <p:cNvCxnSpPr/>
+          <p:nvPr/>
+        </p:nvCxnSpPr>
+        <p:spPr>
+          <a:xfrm>
+            <a:off x="5244600" y="4098776"/>
+            <a:ext cx="0" cy="554360"/>
+          </a:xfrm>
+          <a:prstGeom prst="line">
+            <a:avLst/>
+          </a:prstGeom>
+          <a:ln w="38100">
+            <a:solidFill>
+              <a:schemeClr val="accent2"/>
+            </a:solidFill>
+          </a:ln>
+        </p:spPr>
+        <p:style>
+          <a:lnRef idx="1">
+            <a:schemeClr val="accent1"/>
+          </a:lnRef>
+          <a:fillRef idx="0">
+            <a:schemeClr val="accent1"/>
+          </a:fillRef>
+          <a:effectRef idx="0">
+            <a:schemeClr val="accent1"/>
+          </a:effectRef>
+          <a:fontRef idx="minor">
+            <a:schemeClr val="tx1"/>
+          </a:fontRef>
+        </p:style>
+      </p:cxnSp>
+      <mc:AlternateContent xmlns:mc="http://schemas.openxmlformats.org/markup-compatibility/2006">
+        <mc:Choice xmlns:a14="http://schemas.microsoft.com/office/drawing/2010/main" Requires="a14">
+          <p:sp>
+            <p:nvSpPr>
+              <p:cNvPr id="16" name="テキスト ボックス 15"/>
+              <p:cNvSpPr txBox="1"/>
+              <p:nvPr/>
+            </p:nvSpPr>
+            <p:spPr>
+              <a:xfrm>
+                <a:off x="4603228" y="2590081"/>
+                <a:ext cx="774571" cy="523220"/>
+              </a:xfrm>
+              <a:prstGeom prst="rect">
+                <a:avLst/>
+              </a:prstGeom>
+              <a:noFill/>
+            </p:spPr>
+            <p:txBody>
+              <a:bodyPr wrap="none" rtlCol="0">
+                <a:spAutoFit/>
+              </a:bodyPr>
+              <a:lstStyle/>
+              <a:p>
+                <a14:m>
+                  <m:oMath xmlns:m="http://schemas.openxmlformats.org/officeDocument/2006/math">
+                    <m:r>
+                      <a:rPr kumimoji="1" lang="en-US" altLang="ja-JP" sz="2800" b="1" i="1" smtClean="0">
+                        <a:latin typeface="Cambria Math"/>
+                      </a:rPr>
+                      <m:t>𝒅</m:t>
+                    </m:r>
+                  </m:oMath>
+                </a14:m>
+                <a:r>
+                  <a:rPr kumimoji="1" lang="ja-JP" altLang="en-US" sz="2800" b="1" dirty="0" smtClean="0"/>
+                  <a:t>日</a:t>
+                </a:r>
+                <a:endParaRPr kumimoji="1" lang="ja-JP" altLang="en-US" sz="2800" b="1" dirty="0"/>
+              </a:p>
+            </p:txBody>
+          </p:sp>
+        </mc:Choice>
+        <mc:Fallback>
+          <p:sp>
+            <p:nvSpPr>
+              <p:cNvPr id="16" name="テキスト ボックス 15"/>
+              <p:cNvSpPr txBox="1">
+                <a:spLocks noRot="1" noChangeAspect="1" noMove="1" noResize="1" noEditPoints="1" noAdjustHandles="1" noChangeArrowheads="1" noChangeShapeType="1" noTextEdit="1"/>
+              </p:cNvSpPr>
+              <p:nvPr/>
+            </p:nvSpPr>
+            <p:spPr>
+              <a:xfrm>
+                <a:off x="4603228" y="2590081"/>
+                <a:ext cx="774571" cy="523220"/>
+              </a:xfrm>
+              <a:prstGeom prst="rect">
+                <a:avLst/>
+              </a:prstGeom>
+              <a:blipFill rotWithShape="1">
+                <a:blip r:embed="rId5"/>
+                <a:stretch>
+                  <a:fillRect t="-12791" r="-15748" b="-30233"/>
+                </a:stretch>
+              </a:blipFill>
+            </p:spPr>
+            <p:txBody>
+              <a:bodyPr/>
+              <a:lstStyle/>
+              <a:p>
+                <a:r>
+                  <a:rPr lang="ja-JP" altLang="en-US">
+                    <a:noFill/>
+                  </a:rPr>
+                  <a:t> </a:t>
+                </a:r>
+              </a:p>
+            </p:txBody>
+          </p:sp>
+        </mc:Fallback>
+      </mc:AlternateContent>
+      <mc:AlternateContent xmlns:mc="http://schemas.openxmlformats.org/markup-compatibility/2006">
+        <mc:Choice xmlns:a14="http://schemas.microsoft.com/office/drawing/2010/main" Requires="a14">
+          <p:sp>
+            <p:nvSpPr>
+              <p:cNvPr id="21" name="テキスト ボックス 20"/>
+              <p:cNvSpPr txBox="1"/>
+              <p:nvPr/>
+            </p:nvSpPr>
+            <p:spPr>
+              <a:xfrm>
+                <a:off x="658040" y="5301208"/>
+                <a:ext cx="7802392" cy="584775"/>
+              </a:xfrm>
+              <a:prstGeom prst="rect">
+                <a:avLst/>
+              </a:prstGeom>
+              <a:noFill/>
+            </p:spPr>
+            <p:txBody>
+              <a:bodyPr wrap="none" rtlCol="0">
+                <a:spAutoFit/>
+              </a:bodyPr>
+              <a:lstStyle/>
+              <a:p>
+                <a14:m>
+                  <m:oMath xmlns:m="http://schemas.openxmlformats.org/officeDocument/2006/math">
+                    <m:r>
+                      <a:rPr kumimoji="1" lang="en-US" altLang="ja-JP" sz="3200" b="0" i="1" smtClean="0">
+                        <a:latin typeface="Cambria Math"/>
+                      </a:rPr>
+                      <m:t>𝑥</m:t>
+                    </m:r>
+                    <m:r>
+                      <a:rPr kumimoji="1" lang="en-US" altLang="ja-JP" sz="3200" b="0" i="1" smtClean="0">
+                        <a:latin typeface="Cambria Math"/>
+                      </a:rPr>
+                      <m:t>=</m:t>
+                    </m:r>
+                    <m:r>
+                      <m:rPr>
+                        <m:sty m:val="p"/>
+                      </m:rPr>
+                      <a:rPr kumimoji="1" lang="en-US" altLang="ja-JP" sz="3200" b="0" i="0" smtClean="0">
+                        <a:latin typeface="Cambria Math"/>
+                      </a:rPr>
+                      <m:t>max</m:t>
+                    </m:r>
+                    <m:r>
+                      <a:rPr kumimoji="1" lang="en-US" altLang="ja-JP" sz="3200" b="0" i="1" smtClean="0">
+                        <a:latin typeface="Cambria Math"/>
+                      </a:rPr>
+                      <m:t>⁡(</m:t>
+                    </m:r>
+                    <m:r>
+                      <a:rPr kumimoji="1" lang="en-US" altLang="ja-JP" sz="3200" b="0" i="1" smtClean="0">
+                        <a:latin typeface="Cambria Math"/>
+                      </a:rPr>
+                      <m:t>𝑥</m:t>
+                    </m:r>
+                    <m:r>
+                      <a:rPr kumimoji="1" lang="en-US" altLang="ja-JP" sz="3200" b="0" i="1" smtClean="0">
+                        <a:latin typeface="Cambria Math"/>
+                      </a:rPr>
+                      <m:t>,</m:t>
+                    </m:r>
+                    <m:func>
+                      <m:funcPr>
+                        <m:ctrlPr>
+                          <a:rPr kumimoji="1" lang="en-US" altLang="ja-JP" sz="3200" b="0" i="1" smtClean="0">
+                            <a:latin typeface="Cambria Math"/>
+                          </a:rPr>
+                        </m:ctrlPr>
+                      </m:funcPr>
+                      <m:fName>
+                        <m:r>
+                          <m:rPr>
+                            <m:sty m:val="p"/>
+                          </m:rPr>
+                          <a:rPr kumimoji="1" lang="en-US" altLang="ja-JP" sz="3200" b="0" i="0" smtClean="0">
+                            <a:latin typeface="Cambria Math"/>
+                          </a:rPr>
+                          <m:t>min</m:t>
+                        </m:r>
+                      </m:fName>
+                      <m:e>
+                        <m:d>
+                          <m:dPr>
+                            <m:ctrlPr>
+                              <a:rPr kumimoji="1" lang="en-US" altLang="ja-JP" sz="3200" b="0" i="1" smtClean="0">
+                                <a:latin typeface="Cambria Math"/>
+                              </a:rPr>
+                            </m:ctrlPr>
+                          </m:dPr>
+                          <m:e>
+                            <m:r>
+                              <a:rPr kumimoji="1" lang="en-US" altLang="ja-JP" sz="3200" b="0" i="1" smtClean="0">
+                                <a:latin typeface="Cambria Math"/>
+                              </a:rPr>
+                              <m:t>𝑥</m:t>
+                            </m:r>
+                            <m:r>
+                              <a:rPr kumimoji="1" lang="en-US" altLang="ja-JP" sz="3200" b="0" i="1" smtClean="0">
+                                <a:latin typeface="Cambria Math"/>
+                              </a:rPr>
+                              <m:t>+</m:t>
+                            </m:r>
+                            <m:r>
+                              <a:rPr kumimoji="1" lang="en-US" altLang="ja-JP" sz="3200" b="0" i="1" smtClean="0">
+                                <a:latin typeface="Cambria Math"/>
+                              </a:rPr>
+                              <m:t>𝑑</m:t>
+                            </m:r>
+                            <m:r>
+                              <a:rPr kumimoji="1" lang="en-US" altLang="ja-JP" sz="3200" b="0" i="1" smtClean="0">
+                                <a:latin typeface="Cambria Math"/>
+                              </a:rPr>
+                              <m:t>,</m:t>
+                            </m:r>
+                            <m:sSub>
+                              <m:sSubPr>
+                                <m:ctrlPr>
+                                  <a:rPr kumimoji="1" lang="en-US" altLang="ja-JP" sz="3200" b="0" i="1" smtClean="0">
+                                    <a:latin typeface="Cambria Math"/>
+                                  </a:rPr>
+                                </m:ctrlPr>
+                              </m:sSubPr>
+                              <m:e>
+                                <m:r>
+                                  <a:rPr kumimoji="1" lang="en-US" altLang="ja-JP" sz="3200" b="0" i="1" smtClean="0">
+                                    <a:latin typeface="Cambria Math"/>
+                                  </a:rPr>
+                                  <m:t>𝑏</m:t>
+                                </m:r>
+                              </m:e>
+                              <m:sub>
+                                <m:r>
+                                  <a:rPr kumimoji="1" lang="en-US" altLang="ja-JP" sz="3200" b="0" i="1" smtClean="0">
+                                    <a:latin typeface="Cambria Math"/>
+                                  </a:rPr>
+                                  <m:t>𝑖</m:t>
+                                </m:r>
+                              </m:sub>
+                            </m:sSub>
+                          </m:e>
+                        </m:d>
+                      </m:e>
+                    </m:func>
+                    <m:r>
+                      <a:rPr kumimoji="1" lang="en-US" altLang="ja-JP" sz="3200" b="0" i="1" smtClean="0">
+                        <a:latin typeface="Cambria Math"/>
+                      </a:rPr>
+                      <m:t>)</m:t>
+                    </m:r>
+                  </m:oMath>
+                </a14:m>
+                <a:r>
+                  <a:rPr kumimoji="1" lang="ja-JP" altLang="en-US" sz="3200" dirty="0" smtClean="0"/>
+                  <a:t> と更新すればよい</a:t>
+                </a:r>
+                <a:endParaRPr kumimoji="1" lang="ja-JP" altLang="en-US" sz="3200" dirty="0"/>
+              </a:p>
+            </p:txBody>
+          </p:sp>
+        </mc:Choice>
+        <mc:Fallback>
+          <p:sp>
+            <p:nvSpPr>
+              <p:cNvPr id="21" name="テキスト ボックス 20"/>
+              <p:cNvSpPr txBox="1">
+                <a:spLocks noRot="1" noChangeAspect="1" noMove="1" noResize="1" noEditPoints="1" noAdjustHandles="1" noChangeArrowheads="1" noChangeShapeType="1" noTextEdit="1"/>
+              </p:cNvSpPr>
+              <p:nvPr/>
+            </p:nvSpPr>
+            <p:spPr>
+              <a:xfrm>
+                <a:off x="658040" y="5301208"/>
+                <a:ext cx="7802392" cy="584775"/>
+              </a:xfrm>
+              <a:prstGeom prst="rect">
+                <a:avLst/>
+              </a:prstGeom>
+              <a:blipFill rotWithShape="1">
+                <a:blip r:embed="rId6"/>
+                <a:stretch>
+                  <a:fillRect t="-15625" r="-1094" b="-31250"/>
+                </a:stretch>
+              </a:blipFill>
+            </p:spPr>
+            <p:txBody>
+              <a:bodyPr/>
+              <a:lstStyle/>
+              <a:p>
+                <a:r>
+                  <a:rPr lang="ja-JP" altLang="en-US">
+                    <a:noFill/>
+                  </a:rPr>
+                  <a:t> </a:t>
+                </a:r>
+              </a:p>
+            </p:txBody>
+          </p:sp>
+        </mc:Fallback>
+      </mc:AlternateContent>
+    </p:spTree>
+    <p:extLst>
+      <p:ext uri="{BB962C8B-B14F-4D97-AF65-F5344CB8AC3E}">
+        <p14:creationId xmlns:p14="http://schemas.microsoft.com/office/powerpoint/2010/main" val="2480385830"/>
+      </p:ext>
+    </p:extLst>
+  </p:cSld>
+  <p:clrMapOvr>
+    <a:masterClrMapping/>
+  </p:clrMapOvr>
+  <p:timing>
+    <p:tnLst>
+      <p:par>
+        <p:cTn id="1" dur="indefinite" restart="never" nodeType="tmRoot"/>
+      </p:par>
+    </p:tnLst>
+  </p:timing>
+</p:sld>
+</file>
+
+<file path=ppt/slides/slide8.xml><?xml version="1.0" encoding="utf-8"?>
 <p:sld xmlns:a="http://schemas.openxmlformats.org/drawingml/2006/main" xmlns:r="http://schemas.openxmlformats.org/officeDocument/2006/relationships" xmlns:p="http://schemas.openxmlformats.org/presentationml/2006/main">
   <p:cSld>
     <p:spTree>
@@ -5690,14 +9357,14 @@
       </p:sp>
       <p:sp>
         <p:nvSpPr>
-          <p:cNvPr id="4" name="テキスト ボックス 3"/>
+          <p:cNvPr id="5" name="テキスト ボックス 4"/>
           <p:cNvSpPr txBox="1"/>
           <p:nvPr/>
         </p:nvSpPr>
         <p:spPr>
           <a:xfrm>
-            <a:off x="1261302" y="1412776"/>
-            <a:ext cx="6696744" cy="584775"/>
+            <a:off x="1508997" y="2495798"/>
+            <a:ext cx="6263026" cy="1077218"/>
           </a:xfrm>
           <a:prstGeom prst="rect">
             <a:avLst/>
@@ -5712,70 +9379,35 @@
           <a:p>
             <a:r>
               <a:rPr kumimoji="1" lang="ja-JP" altLang="en-US" sz="3200" dirty="0" smtClean="0"/>
-              <a:t>基本的に</a:t>
+              <a:t>プライオリティーキューが空になった時に</a:t>
             </a:r>
             <a:r>
               <a:rPr kumimoji="1" lang="en-US" altLang="ja-JP" sz="3200" dirty="0" smtClean="0"/>
-              <a:t>K=0</a:t>
-            </a:r>
+              <a:t/>
+            </a:r>
+            <a:br>
+              <a:rPr kumimoji="1" lang="en-US" altLang="ja-JP" sz="3200" dirty="0" smtClean="0"/>
+            </a:br>
             <a:r>
               <a:rPr kumimoji="1" lang="ja-JP" altLang="en-US" sz="3200" dirty="0" smtClean="0"/>
-              <a:t>の場合と同様に選んでいく</a:t>
+              <a:t>誰を選ぶべきか考える</a:t>
             </a:r>
             <a:endParaRPr kumimoji="1" lang="ja-JP" altLang="en-US" sz="3200" dirty="0"/>
           </a:p>
         </p:txBody>
       </p:sp>
-      <p:sp>
-        <p:nvSpPr>
-          <p:cNvPr id="5" name="テキスト ボックス 4"/>
-          <p:cNvSpPr txBox="1"/>
-          <p:nvPr/>
-        </p:nvSpPr>
-        <p:spPr>
-          <a:xfrm>
-            <a:off x="757246" y="2492896"/>
-            <a:ext cx="7704856" cy="1569660"/>
-          </a:xfrm>
-          <a:prstGeom prst="rect">
-            <a:avLst/>
-          </a:prstGeom>
-          <a:noFill/>
-        </p:spPr>
-        <p:txBody>
-          <a:bodyPr wrap="square" rtlCol="0">
-            <a:spAutoFit/>
-          </a:bodyPr>
-          <a:lstStyle/>
-          <a:p>
-            <a:r>
-              <a:rPr kumimoji="1" lang="ja-JP" altLang="en-US" sz="3200" dirty="0" smtClean="0"/>
-              <a:t>次に選ぶものがなくなったときに</a:t>
-            </a:r>
-            <a:r>
-              <a:rPr kumimoji="1" lang="en-US" altLang="ja-JP" sz="3200" dirty="0" smtClean="0"/>
-              <a:t>K</a:t>
-            </a:r>
-            <a:r>
-              <a:rPr kumimoji="1" lang="ja-JP" altLang="en-US" sz="3200" dirty="0" smtClean="0"/>
-              <a:t>が残っていればそれまでに見たものの中で最も終了が遅いものを使ったことにすればよい</a:t>
-            </a:r>
-            <a:endParaRPr kumimoji="1" lang="ja-JP" altLang="en-US" sz="3200" dirty="0"/>
-          </a:p>
-        </p:txBody>
-      </p:sp>
-      <mc:AlternateContent xmlns:mc="http://schemas.openxmlformats.org/markup-compatibility/2006" xmlns:a14="http://schemas.microsoft.com/office/drawing/2010/main">
-        <mc:Choice Requires="a14">
+      <mc:AlternateContent xmlns:mc="http://schemas.openxmlformats.org/markup-compatibility/2006">
+        <mc:Choice xmlns:a14="http://schemas.microsoft.com/office/drawing/2010/main" Requires="a14">
           <p:sp>
             <p:nvSpPr>
-              <p:cNvPr id="6" name="テキスト ボックス 5"/>
+              <p:cNvPr id="8" name="テキスト ボックス 7"/>
               <p:cNvSpPr txBox="1"/>
               <p:nvPr/>
             </p:nvSpPr>
             <p:spPr>
               <a:xfrm>
-                <a:off x="2026387" y="4944070"/>
-                <a:ext cx="5166574" cy="1077218"/>
+                <a:off x="500050" y="1196752"/>
+                <a:ext cx="8280920" cy="1077218"/>
               </a:xfrm>
               <a:prstGeom prst="rect">
                 <a:avLst/>
@@ -5789,12 +9421,8 @@
               <a:lstStyle/>
               <a:p>
                 <a:r>
-                  <a:rPr lang="en-US" altLang="ja-JP" sz="3200" dirty="0" smtClean="0"/>
-                  <a:t>K=0</a:t>
-                </a:r>
-                <a:r>
                   <a:rPr lang="ja-JP" altLang="en-US" sz="3200" dirty="0" smtClean="0"/>
-                  <a:t>の場合と同様に</a:t>
+                  <a:t>毎日掃除をする人は後から選んだことにすればよい</a:t>
                 </a:r>
                 <a:r>
                   <a:rPr lang="en-US" altLang="ja-JP" sz="3200" dirty="0" smtClean="0"/>
@@ -5805,7 +9433,457 @@
                 </a:br>
                 <a:r>
                   <a:rPr lang="ja-JP" altLang="en-US" sz="3200" dirty="0" smtClean="0"/>
+                  <a:t>ので</a:t>
+                </a:r>
+                <a:r>
+                  <a:rPr lang="ja-JP" altLang="en-US" sz="3200" dirty="0"/>
+                  <a:t>基本的に</a:t>
+                </a:r>
+                <a:r>
+                  <a:rPr lang="en-US" altLang="ja-JP" sz="3200" dirty="0"/>
+                  <a:t> </a:t>
+                </a:r>
+                <a14:m>
+                  <m:oMath xmlns:m="http://schemas.openxmlformats.org/officeDocument/2006/math">
+                    <m:r>
+                      <a:rPr lang="en-US" altLang="ja-JP" sz="3200" i="1">
+                        <a:latin typeface="Cambria Math"/>
+                      </a:rPr>
+                      <m:t>𝐾</m:t>
+                    </m:r>
+                    <m:r>
+                      <a:rPr lang="en-US" altLang="ja-JP" sz="3200" i="1">
+                        <a:latin typeface="Cambria Math"/>
+                      </a:rPr>
+                      <m:t>=0</m:t>
+                    </m:r>
+                  </m:oMath>
+                </a14:m>
+                <a:r>
+                  <a:rPr lang="en-US" altLang="ja-JP" sz="3200" dirty="0"/>
+                  <a:t> </a:t>
+                </a:r>
+                <a:r>
+                  <a:rPr lang="ja-JP" altLang="en-US" sz="3200" dirty="0"/>
+                  <a:t>の場合と同様に選んで</a:t>
+                </a:r>
+                <a:r>
+                  <a:rPr lang="ja-JP" altLang="en-US" sz="3200" dirty="0" smtClean="0"/>
+                  <a:t>いく</a:t>
+                </a:r>
+                <a:endParaRPr lang="ja-JP" altLang="en-US" sz="3200" dirty="0"/>
+              </a:p>
+            </p:txBody>
+          </p:sp>
+        </mc:Choice>
+        <mc:Fallback>
+          <p:sp>
+            <p:nvSpPr>
+              <p:cNvPr id="8" name="テキスト ボックス 7"/>
+              <p:cNvSpPr txBox="1">
+                <a:spLocks noRot="1" noChangeAspect="1" noMove="1" noResize="1" noEditPoints="1" noAdjustHandles="1" noChangeArrowheads="1" noChangeShapeType="1" noTextEdit="1"/>
+              </p:cNvSpPr>
+              <p:nvPr/>
+            </p:nvSpPr>
+            <p:spPr>
+              <a:xfrm>
+                <a:off x="500050" y="1196752"/>
+                <a:ext cx="8280920" cy="1077218"/>
+              </a:xfrm>
+              <a:prstGeom prst="rect">
+                <a:avLst/>
+              </a:prstGeom>
+              <a:blipFill rotWithShape="1">
+                <a:blip r:embed="rId2"/>
+                <a:stretch>
+                  <a:fillRect l="-1841" t="-8475" r="-515" b="-16384"/>
+                </a:stretch>
+              </a:blipFill>
+            </p:spPr>
+            <p:txBody>
+              <a:bodyPr/>
+              <a:lstStyle/>
+              <a:p>
+                <a:r>
+                  <a:rPr lang="ja-JP" altLang="en-US">
+                    <a:noFill/>
+                  </a:rPr>
+                  <a:t> </a:t>
+                </a:r>
+              </a:p>
+            </p:txBody>
+          </p:sp>
+        </mc:Fallback>
+      </mc:AlternateContent>
+      <mc:AlternateContent xmlns:mc="http://schemas.openxmlformats.org/markup-compatibility/2006">
+        <mc:Choice xmlns:a14="http://schemas.microsoft.com/office/drawing/2010/main" Requires="a14">
+          <p:sp>
+            <p:nvSpPr>
+              <p:cNvPr id="9" name="テキスト ボックス 8"/>
+              <p:cNvSpPr txBox="1"/>
+              <p:nvPr/>
+            </p:nvSpPr>
+            <p:spPr>
+              <a:xfrm>
+                <a:off x="1375733" y="3791942"/>
+                <a:ext cx="6529551" cy="1077218"/>
+              </a:xfrm>
+              <a:prstGeom prst="rect">
+                <a:avLst/>
+              </a:prstGeom>
+              <a:noFill/>
+            </p:spPr>
+            <p:txBody>
+              <a:bodyPr wrap="square" rtlCol="0">
+                <a:spAutoFit/>
+              </a:bodyPr>
+              <a:lstStyle/>
+              <a:p>
+                <a:r>
+                  <a:rPr kumimoji="1" lang="ja-JP" altLang="en-US" sz="3200" dirty="0" smtClean="0"/>
+                  <a:t>今までに見た人の中で </a:t>
+                </a:r>
+                <a14:m>
+                  <m:oMath xmlns:m="http://schemas.openxmlformats.org/officeDocument/2006/math">
+                    <m:sSub>
+                      <m:sSubPr>
+                        <m:ctrlPr>
+                          <a:rPr kumimoji="1" lang="en-US" altLang="ja-JP" sz="3200" b="0" i="1" smtClean="0">
+                            <a:latin typeface="Cambria Math"/>
+                          </a:rPr>
+                        </m:ctrlPr>
+                      </m:sSubPr>
+                      <m:e>
+                        <m:r>
+                          <a:rPr kumimoji="1" lang="en-US" altLang="ja-JP" sz="3200" b="0" i="1" smtClean="0">
+                            <a:latin typeface="Cambria Math"/>
+                          </a:rPr>
+                          <m:t>𝑏</m:t>
+                        </m:r>
+                      </m:e>
+                      <m:sub>
+                        <m:r>
+                          <a:rPr kumimoji="1" lang="en-US" altLang="ja-JP" sz="3200" b="0" i="1" smtClean="0">
+                            <a:latin typeface="Cambria Math"/>
+                          </a:rPr>
+                          <m:t>𝑖</m:t>
+                        </m:r>
+                      </m:sub>
+                    </m:sSub>
+                  </m:oMath>
+                </a14:m>
+                <a:r>
+                  <a:rPr kumimoji="1" lang="ja-JP" altLang="en-US" sz="3200" dirty="0" smtClean="0"/>
+                  <a:t> が</a:t>
+                </a:r>
+                <a:r>
+                  <a:rPr kumimoji="1" lang="ja-JP" altLang="en-US" sz="3200" dirty="0" smtClean="0">
+                    <a:solidFill>
+                      <a:srgbClr val="FF0000"/>
+                    </a:solidFill>
+                  </a:rPr>
+                  <a:t>最大</a:t>
+                </a:r>
+                <a:r>
+                  <a:rPr kumimoji="1" lang="ja-JP" altLang="en-US" sz="3200" dirty="0" smtClean="0"/>
+                  <a:t>の人が毎日掃除したことにすればよい</a:t>
+                </a:r>
+                <a:endParaRPr kumimoji="1" lang="ja-JP" altLang="en-US" sz="3200" dirty="0"/>
+              </a:p>
+            </p:txBody>
+          </p:sp>
+        </mc:Choice>
+        <mc:Fallback>
+          <p:sp>
+            <p:nvSpPr>
+              <p:cNvPr id="9" name="テキスト ボックス 8"/>
+              <p:cNvSpPr txBox="1">
+                <a:spLocks noRot="1" noChangeAspect="1" noMove="1" noResize="1" noEditPoints="1" noAdjustHandles="1" noChangeArrowheads="1" noChangeShapeType="1" noTextEdit="1"/>
+              </p:cNvSpPr>
+              <p:nvPr/>
+            </p:nvSpPr>
+            <p:spPr>
+              <a:xfrm>
+                <a:off x="1375733" y="3791942"/>
+                <a:ext cx="6529551" cy="1077218"/>
+              </a:xfrm>
+              <a:prstGeom prst="rect">
+                <a:avLst/>
+              </a:prstGeom>
+              <a:blipFill rotWithShape="1">
+                <a:blip r:embed="rId3"/>
+                <a:stretch>
+                  <a:fillRect l="-2428" t="-8475" r="-2334" b="-16384"/>
+                </a:stretch>
+              </a:blipFill>
+            </p:spPr>
+            <p:txBody>
+              <a:bodyPr/>
+              <a:lstStyle/>
+              <a:p>
+                <a:r>
+                  <a:rPr lang="ja-JP" altLang="en-US">
+                    <a:noFill/>
+                  </a:rPr>
+                  <a:t> </a:t>
+                </a:r>
+              </a:p>
+            </p:txBody>
+          </p:sp>
+        </mc:Fallback>
+      </mc:AlternateContent>
+      <mc:AlternateContent xmlns:mc="http://schemas.openxmlformats.org/markup-compatibility/2006">
+        <mc:Choice xmlns:a14="http://schemas.microsoft.com/office/drawing/2010/main" Requires="a14">
+          <p:sp>
+            <p:nvSpPr>
+              <p:cNvPr id="11" name="テキスト ボックス 10"/>
+              <p:cNvSpPr txBox="1"/>
+              <p:nvPr/>
+            </p:nvSpPr>
+            <p:spPr>
+              <a:xfrm>
+                <a:off x="1674578" y="4872062"/>
+                <a:ext cx="5931860" cy="1077218"/>
+              </a:xfrm>
+              <a:prstGeom prst="rect">
+                <a:avLst/>
+              </a:prstGeom>
+              <a:noFill/>
+            </p:spPr>
+            <p:txBody>
+              <a:bodyPr wrap="square" rtlCol="0">
+                <a:spAutoFit/>
+              </a:bodyPr>
+              <a:lstStyle/>
+              <a:p>
+                <a14:m>
+                  <m:oMath xmlns:m="http://schemas.openxmlformats.org/officeDocument/2006/math">
+                    <m:r>
+                      <a:rPr kumimoji="1" lang="en-US" altLang="ja-JP" sz="3200" b="0" i="1" smtClean="0">
+                        <a:latin typeface="Cambria Math"/>
+                      </a:rPr>
+                      <m:t>→</m:t>
+                    </m:r>
+                  </m:oMath>
+                </a14:m>
+                <a:r>
+                  <a:rPr kumimoji="1" lang="ja-JP" altLang="en-US" sz="3200" dirty="0" smtClean="0"/>
+                  <a:t>今までに見た人で最大の </a:t>
+                </a:r>
+                <a14:m>
+                  <m:oMath xmlns:m="http://schemas.openxmlformats.org/officeDocument/2006/math">
+                    <m:sSub>
+                      <m:sSubPr>
+                        <m:ctrlPr>
+                          <a:rPr kumimoji="1" lang="en-US" altLang="ja-JP" sz="3200" b="0" i="1" smtClean="0">
+                            <a:latin typeface="Cambria Math"/>
+                          </a:rPr>
+                        </m:ctrlPr>
+                      </m:sSubPr>
+                      <m:e>
+                        <m:r>
+                          <a:rPr kumimoji="1" lang="en-US" altLang="ja-JP" sz="3200" b="0" i="1" smtClean="0">
+                            <a:latin typeface="Cambria Math"/>
+                          </a:rPr>
+                          <m:t>𝑏</m:t>
+                        </m:r>
+                      </m:e>
+                      <m:sub>
+                        <m:r>
+                          <a:rPr kumimoji="1" lang="en-US" altLang="ja-JP" sz="3200" b="0" i="1" smtClean="0">
+                            <a:latin typeface="Cambria Math"/>
+                          </a:rPr>
+                          <m:t>𝑖</m:t>
+                        </m:r>
+                      </m:sub>
+                    </m:sSub>
+                  </m:oMath>
+                </a14:m>
+                <a:r>
+                  <a:rPr kumimoji="1" lang="ja-JP" altLang="en-US" sz="3200" dirty="0" smtClean="0"/>
+                  <a:t> よりも</a:t>
+                </a:r>
+                <a:r>
+                  <a:rPr kumimoji="1" lang="en-US" altLang="ja-JP" sz="3200" dirty="0" smtClean="0"/>
+                  <a:t/>
+                </a:r>
+                <a:br>
+                  <a:rPr kumimoji="1" lang="en-US" altLang="ja-JP" sz="3200" dirty="0" smtClean="0"/>
+                </a:br>
+                <a:r>
+                  <a:rPr kumimoji="1" lang="en-US" altLang="ja-JP" sz="3200" dirty="0" smtClean="0"/>
+                  <a:t>   </a:t>
+                </a:r>
+                <a:r>
+                  <a:rPr kumimoji="1" lang="ja-JP" altLang="en-US" sz="3200" dirty="0" smtClean="0"/>
+                  <a:t>先まで掃除することはできない</a:t>
+                </a:r>
+                <a:endParaRPr kumimoji="1" lang="ja-JP" altLang="en-US" sz="3200" dirty="0"/>
+              </a:p>
+            </p:txBody>
+          </p:sp>
+        </mc:Choice>
+        <mc:Fallback>
+          <p:sp>
+            <p:nvSpPr>
+              <p:cNvPr id="11" name="テキスト ボックス 10"/>
+              <p:cNvSpPr txBox="1">
+                <a:spLocks noRot="1" noChangeAspect="1" noMove="1" noResize="1" noEditPoints="1" noAdjustHandles="1" noChangeArrowheads="1" noChangeShapeType="1" noTextEdit="1"/>
+              </p:cNvSpPr>
+              <p:nvPr/>
+            </p:nvSpPr>
+            <p:spPr>
+              <a:xfrm>
+                <a:off x="1674578" y="4872062"/>
+                <a:ext cx="5931860" cy="1077218"/>
+              </a:xfrm>
+              <a:prstGeom prst="rect">
+                <a:avLst/>
+              </a:prstGeom>
+              <a:blipFill rotWithShape="1">
+                <a:blip r:embed="rId4"/>
+                <a:stretch>
+                  <a:fillRect t="-8475" r="-2569" b="-16384"/>
+                </a:stretch>
+              </a:blipFill>
+            </p:spPr>
+            <p:txBody>
+              <a:bodyPr/>
+              <a:lstStyle/>
+              <a:p>
+                <a:r>
+                  <a:rPr lang="ja-JP" altLang="en-US">
+                    <a:noFill/>
+                  </a:rPr>
+                  <a:t> </a:t>
+                </a:r>
+              </a:p>
+            </p:txBody>
+          </p:sp>
+        </mc:Fallback>
+      </mc:AlternateContent>
+    </p:spTree>
+    <p:extLst>
+      <p:ext uri="{BB962C8B-B14F-4D97-AF65-F5344CB8AC3E}">
+        <p14:creationId xmlns:p14="http://schemas.microsoft.com/office/powerpoint/2010/main" val="73569221"/>
+      </p:ext>
+    </p:extLst>
+  </p:cSld>
+  <p:clrMapOvr>
+    <a:masterClrMapping/>
+  </p:clrMapOvr>
+  <p:timing>
+    <p:tnLst>
+      <p:par>
+        <p:cTn id="1" dur="indefinite" restart="never" nodeType="tmRoot"/>
+      </p:par>
+    </p:tnLst>
+  </p:timing>
+</p:sld>
+</file>
+
+<file path=ppt/slides/slide9.xml><?xml version="1.0" encoding="utf-8"?>
+<p:sld xmlns:a="http://schemas.openxmlformats.org/drawingml/2006/main" xmlns:r="http://schemas.openxmlformats.org/officeDocument/2006/relationships" xmlns:p="http://schemas.openxmlformats.org/presentationml/2006/main">
+  <p:cSld>
+    <p:spTree>
+      <p:nvGrpSpPr>
+        <p:cNvPr id="1" name=""/>
+        <p:cNvGrpSpPr/>
+        <p:nvPr/>
+      </p:nvGrpSpPr>
+      <p:grpSpPr>
+        <a:xfrm>
+          <a:off x="0" y="0"/>
+          <a:ext cx="0" cy="0"/>
+          <a:chOff x="0" y="0"/>
+          <a:chExt cx="0" cy="0"/>
+        </a:xfrm>
+      </p:grpSpPr>
+      <p:sp>
+        <p:nvSpPr>
+          <p:cNvPr id="2" name="タイトル 1"/>
+          <p:cNvSpPr>
+            <a:spLocks noGrp="1"/>
+          </p:cNvSpPr>
+          <p:nvPr>
+            <p:ph type="title"/>
+          </p:nvPr>
+        </p:nvSpPr>
+        <p:spPr/>
+        <p:txBody>
+          <a:bodyPr/>
+          <a:lstStyle/>
+          <a:p>
+            <a:r>
+              <a:rPr lang="ja-JP" altLang="en-US" dirty="0"/>
+              <a:t>満点解法</a:t>
+            </a:r>
+            <a:endParaRPr kumimoji="1" lang="ja-JP" altLang="en-US" dirty="0"/>
+          </a:p>
+        </p:txBody>
+      </p:sp>
+      <mc:AlternateContent xmlns:mc="http://schemas.openxmlformats.org/markup-compatibility/2006">
+        <mc:Choice xmlns:a14="http://schemas.microsoft.com/office/drawing/2010/main" Requires="a14">
+          <p:sp>
+            <p:nvSpPr>
+              <p:cNvPr id="6" name="テキスト ボックス 5"/>
+              <p:cNvSpPr txBox="1"/>
+              <p:nvPr/>
+            </p:nvSpPr>
+            <p:spPr>
+              <a:xfrm>
+                <a:off x="1933356" y="5085184"/>
+                <a:ext cx="5352635" cy="1077218"/>
+              </a:xfrm>
+              <a:prstGeom prst="rect">
+                <a:avLst/>
+              </a:prstGeom>
+              <a:noFill/>
+            </p:spPr>
+            <p:txBody>
+              <a:bodyPr wrap="square" rtlCol="0">
+                <a:spAutoFit/>
+              </a:bodyPr>
+              <a:lstStyle/>
+              <a:p>
+                <a14:m>
+                  <m:oMath xmlns:m="http://schemas.openxmlformats.org/officeDocument/2006/math">
+                    <m:r>
+                      <a:rPr lang="en-US" altLang="ja-JP" sz="3200" b="0" i="1" smtClean="0">
+                        <a:latin typeface="Cambria Math"/>
+                      </a:rPr>
+                      <m:t>𝐾</m:t>
+                    </m:r>
+                    <m:r>
+                      <a:rPr lang="en-US" altLang="ja-JP" sz="3200" b="0" i="1" smtClean="0">
+                        <a:latin typeface="Cambria Math"/>
+                      </a:rPr>
+                      <m:t>=0</m:t>
+                    </m:r>
+                  </m:oMath>
+                </a14:m>
+                <a:r>
+                  <a:rPr lang="ja-JP" altLang="en-US" sz="3200" dirty="0" smtClean="0"/>
+                  <a:t> の</a:t>
+                </a:r>
+                <a:r>
+                  <a:rPr lang="ja-JP" altLang="en-US" sz="3200" dirty="0" smtClean="0"/>
+                  <a:t>場合と同様に</a:t>
+                </a:r>
+                <a:r>
+                  <a:rPr lang="en-US" altLang="ja-JP" sz="3200" dirty="0" smtClean="0"/>
+                  <a:t/>
+                </a:r>
+                <a:br>
+                  <a:rPr lang="en-US" altLang="ja-JP" sz="3200" dirty="0" smtClean="0"/>
+                </a:br>
+                <a:r>
+                  <a:rPr lang="ja-JP" altLang="en-US" sz="3200" dirty="0" smtClean="0"/>
                   <a:t>計算量は全体で</a:t>
+                </a:r>
+                <a:r>
+                  <a:rPr lang="ja-JP" altLang="en-US" sz="3200" dirty="0" smtClean="0"/>
+                  <a:t> </a:t>
                 </a:r>
                 <a14:m>
                   <m:oMath xmlns:m="http://schemas.openxmlformats.org/officeDocument/2006/math">
@@ -5876,7 +9954,7 @@
             </p:txBody>
           </p:sp>
         </mc:Choice>
-        <mc:Fallback xmlns="">
+        <mc:Fallback>
           <p:sp>
             <p:nvSpPr>
               <p:cNvPr id="6" name="テキスト ボックス 5"/>
@@ -5887,8 +9965,8 @@
             </p:nvSpPr>
             <p:spPr>
               <a:xfrm>
-                <a:off x="2026387" y="4944070"/>
-                <a:ext cx="5166574" cy="1077218"/>
+                <a:off x="1933356" y="5085184"/>
+                <a:ext cx="5352635" cy="1077218"/>
               </a:xfrm>
               <a:prstGeom prst="rect">
                 <a:avLst/>
@@ -5896,7 +9974,7 @@
               <a:blipFill rotWithShape="1">
                 <a:blip r:embed="rId2"/>
                 <a:stretch>
-                  <a:fillRect l="-2948" t="-8475" b="-16384"/>
+                  <a:fillRect l="-2847" t="-8475" b="-16384"/>
                 </a:stretch>
               </a:blipFill>
             </p:spPr>
@@ -5915,9 +9993,243 @@
           </p:sp>
         </mc:Fallback>
       </mc:AlternateContent>
+      <mc:AlternateContent xmlns:mc="http://schemas.openxmlformats.org/markup-compatibility/2006">
+        <mc:Choice xmlns:a14="http://schemas.microsoft.com/office/drawing/2010/main" Requires="a14">
+          <p:sp>
+            <p:nvSpPr>
+              <p:cNvPr id="7" name="正方形/長方形 6"/>
+              <p:cNvSpPr/>
+              <p:nvPr/>
+            </p:nvSpPr>
+            <p:spPr>
+              <a:xfrm>
+                <a:off x="1840326" y="1367234"/>
+                <a:ext cx="5538696" cy="584775"/>
+              </a:xfrm>
+              <a:prstGeom prst="rect">
+                <a:avLst/>
+              </a:prstGeom>
+            </p:spPr>
+            <p:txBody>
+              <a:bodyPr wrap="none">
+                <a:spAutoFit/>
+              </a:bodyPr>
+              <a:lstStyle/>
+              <a:p>
+                <a14:m>
+                  <m:oMath xmlns:m="http://schemas.openxmlformats.org/officeDocument/2006/math">
+                    <m:r>
+                      <a:rPr lang="en-US" altLang="ja-JP" sz="3200" i="1">
+                        <a:latin typeface="Cambria Math"/>
+                      </a:rPr>
+                      <m:t>𝐾</m:t>
+                    </m:r>
+                    <m:r>
+                      <a:rPr lang="en-US" altLang="ja-JP" sz="3200" i="1">
+                        <a:latin typeface="Cambria Math"/>
+                      </a:rPr>
+                      <m:t>=0</m:t>
+                    </m:r>
+                  </m:oMath>
+                </a14:m>
+                <a:r>
+                  <a:rPr lang="en-US" altLang="ja-JP" sz="3200" dirty="0"/>
+                  <a:t> </a:t>
+                </a:r>
+                <a:r>
+                  <a:rPr lang="ja-JP" altLang="en-US" sz="3200" dirty="0"/>
+                  <a:t>の場合と同様に選んで</a:t>
+                </a:r>
+                <a:r>
+                  <a:rPr lang="ja-JP" altLang="en-US" sz="3200" dirty="0"/>
+                  <a:t>いく</a:t>
+                </a:r>
+              </a:p>
+            </p:txBody>
+          </p:sp>
+        </mc:Choice>
+        <mc:Fallback>
+          <p:sp>
+            <p:nvSpPr>
+              <p:cNvPr id="7" name="正方形/長方形 6"/>
+              <p:cNvSpPr>
+                <a:spLocks noRot="1" noChangeAspect="1" noMove="1" noResize="1" noEditPoints="1" noAdjustHandles="1" noChangeArrowheads="1" noChangeShapeType="1" noTextEdit="1"/>
+              </p:cNvSpPr>
+              <p:nvPr/>
+            </p:nvSpPr>
+            <p:spPr>
+              <a:xfrm>
+                <a:off x="1840326" y="1367234"/>
+                <a:ext cx="5538696" cy="584775"/>
+              </a:xfrm>
+              <a:prstGeom prst="rect">
+                <a:avLst/>
+              </a:prstGeom>
+              <a:blipFill rotWithShape="1">
+                <a:blip r:embed="rId3"/>
+                <a:stretch>
+                  <a:fillRect t="-15625" r="-2093" b="-31250"/>
+                </a:stretch>
+              </a:blipFill>
+            </p:spPr>
+            <p:txBody>
+              <a:bodyPr/>
+              <a:lstStyle/>
+              <a:p>
+                <a:r>
+                  <a:rPr lang="ja-JP" altLang="en-US">
+                    <a:noFill/>
+                  </a:rPr>
+                  <a:t> </a:t>
+                </a:r>
+              </a:p>
+            </p:txBody>
+          </p:sp>
+        </mc:Fallback>
+      </mc:AlternateContent>
+      <mc:AlternateContent xmlns:mc="http://schemas.openxmlformats.org/markup-compatibility/2006">
+        <mc:Choice xmlns:a14="http://schemas.microsoft.com/office/drawing/2010/main" Requires="a14">
+          <p:sp>
+            <p:nvSpPr>
+              <p:cNvPr id="8" name="正方形/長方形 7"/>
+              <p:cNvSpPr/>
+              <p:nvPr/>
+            </p:nvSpPr>
+            <p:spPr>
+              <a:xfrm>
+                <a:off x="1483850" y="2276872"/>
+                <a:ext cx="6251648" cy="1569660"/>
+              </a:xfrm>
+              <a:prstGeom prst="rect">
+                <a:avLst/>
+              </a:prstGeom>
+            </p:spPr>
+            <p:txBody>
+              <a:bodyPr wrap="none">
+                <a:spAutoFit/>
+              </a:bodyPr>
+              <a:lstStyle/>
+              <a:p>
+                <a:r>
+                  <a:rPr lang="ja-JP" altLang="en-US" sz="3200" dirty="0" smtClean="0"/>
+                  <a:t>プライオリティーキューが空になった時に</a:t>
+                </a:r>
+                <a:r>
+                  <a:rPr lang="en-US" altLang="ja-JP" sz="3200" dirty="0" smtClean="0"/>
+                  <a:t/>
+                </a:r>
+                <a:br>
+                  <a:rPr lang="en-US" altLang="ja-JP" sz="3200" dirty="0" smtClean="0"/>
+                </a:br>
+                <a:r>
+                  <a:rPr lang="ja-JP" altLang="en-US" sz="3200" dirty="0" smtClean="0"/>
+                  <a:t>まだ </a:t>
+                </a:r>
+                <a14:m>
+                  <m:oMath xmlns:m="http://schemas.openxmlformats.org/officeDocument/2006/math">
+                    <m:r>
+                      <a:rPr lang="en-US" altLang="ja-JP" sz="3200" b="0" i="1" smtClean="0">
+                        <a:latin typeface="Cambria Math"/>
+                      </a:rPr>
+                      <m:t>𝐾</m:t>
+                    </m:r>
+                  </m:oMath>
+                </a14:m>
+                <a:r>
+                  <a:rPr lang="ja-JP" altLang="en-US" sz="3200" dirty="0" smtClean="0"/>
+                  <a:t> が残っていれば今まで見た中</a:t>
+                </a:r>
+                <a:r>
+                  <a:rPr lang="ja-JP" altLang="en-US" sz="3200" dirty="0"/>
+                  <a:t>で</a:t>
+                </a:r>
+                <a:r>
+                  <a:rPr lang="en-US" altLang="ja-JP" sz="3200" dirty="0"/>
+                  <a:t/>
+                </a:r>
+                <a:br>
+                  <a:rPr lang="en-US" altLang="ja-JP" sz="3200" dirty="0"/>
+                </a:br>
+                <a14:m>
+                  <m:oMath xmlns:m="http://schemas.openxmlformats.org/officeDocument/2006/math">
+                    <m:sSub>
+                      <m:sSubPr>
+                        <m:ctrlPr>
+                          <a:rPr lang="en-US" altLang="ja-JP" sz="3200" b="0" i="1" smtClean="0">
+                            <a:latin typeface="Cambria Math"/>
+                          </a:rPr>
+                        </m:ctrlPr>
+                      </m:sSubPr>
+                      <m:e>
+                        <m:r>
+                          <a:rPr lang="en-US" altLang="ja-JP" sz="3200" b="0" i="1" smtClean="0">
+                            <a:latin typeface="Cambria Math"/>
+                          </a:rPr>
+                          <m:t>𝑏</m:t>
+                        </m:r>
+                      </m:e>
+                      <m:sub>
+                        <m:r>
+                          <a:rPr lang="en-US" altLang="ja-JP" sz="3200" b="0" i="1" smtClean="0">
+                            <a:latin typeface="Cambria Math"/>
+                          </a:rPr>
+                          <m:t>𝑖</m:t>
+                        </m:r>
+                      </m:sub>
+                    </m:sSub>
+                  </m:oMath>
+                </a14:m>
+                <a:r>
+                  <a:rPr lang="ja-JP" altLang="en-US" sz="3200" dirty="0" smtClean="0"/>
+                  <a:t> が最大の人で更新する</a:t>
+                </a:r>
+                <a:endParaRPr lang="ja-JP" altLang="en-US" sz="3200" dirty="0"/>
+              </a:p>
+            </p:txBody>
+          </p:sp>
+        </mc:Choice>
+        <mc:Fallback>
+          <p:sp>
+            <p:nvSpPr>
+              <p:cNvPr id="8" name="正方形/長方形 7"/>
+              <p:cNvSpPr>
+                <a:spLocks noRot="1" noChangeAspect="1" noMove="1" noResize="1" noEditPoints="1" noAdjustHandles="1" noChangeArrowheads="1" noChangeShapeType="1" noTextEdit="1"/>
+              </p:cNvSpPr>
+              <p:nvPr/>
+            </p:nvSpPr>
+            <p:spPr>
+              <a:xfrm>
+                <a:off x="1483850" y="2276872"/>
+                <a:ext cx="6251648" cy="1569660"/>
+              </a:xfrm>
+              <a:prstGeom prst="rect">
+                <a:avLst/>
+              </a:prstGeom>
+              <a:blipFill rotWithShape="1">
+                <a:blip r:embed="rId4"/>
+                <a:stretch>
+                  <a:fillRect l="-2437" t="-5837" r="-1852" b="-11284"/>
+                </a:stretch>
+              </a:blipFill>
+            </p:spPr>
+            <p:txBody>
+              <a:bodyPr/>
+              <a:lstStyle/>
+              <a:p>
+                <a:r>
+                  <a:rPr lang="ja-JP" altLang="en-US">
+                    <a:noFill/>
+                  </a:rPr>
+                  <a:t> </a:t>
+                </a:r>
+              </a:p>
+            </p:txBody>
+          </p:sp>
+        </mc:Fallback>
+      </mc:AlternateContent>
       <p:sp>
         <p:nvSpPr>
-          <p:cNvPr id="7" name="下矢印 6"/>
+          <p:cNvPr id="9" name="下矢印 8"/>
           <p:cNvSpPr/>
           <p:nvPr/>
         </p:nvSpPr>
@@ -5966,166 +10278,20 @@
     </p:spTree>
     <p:extLst>
       <p:ext uri="{BB962C8B-B14F-4D97-AF65-F5344CB8AC3E}">
-        <p14:creationId xmlns:p14="http://schemas.microsoft.com/office/powerpoint/2010/main" val="73569221"/>
+        <p14:creationId xmlns:p14="http://schemas.microsoft.com/office/powerpoint/2010/main" val="86314219"/>
       </p:ext>
     </p:extLst>
   </p:cSld>
   <p:clrMapOvr>
     <a:masterClrMapping/>
   </p:clrMapOvr>
-</p:sld>
-</file>
-
-<file path=ppt/slides/slide6.xml><?xml version="1.0" encoding="utf-8"?>
-<p:sld xmlns:a="http://schemas.openxmlformats.org/drawingml/2006/main" xmlns:r="http://schemas.openxmlformats.org/officeDocument/2006/relationships" xmlns:p="http://schemas.openxmlformats.org/presentationml/2006/main">
-  <p:cSld>
-    <p:spTree>
-      <p:nvGrpSpPr>
-        <p:cNvPr id="1" name=""/>
-        <p:cNvGrpSpPr/>
-        <p:nvPr/>
-      </p:nvGrpSpPr>
-      <p:grpSpPr>
-        <a:xfrm>
-          <a:off x="0" y="0"/>
-          <a:ext cx="0" cy="0"/>
-          <a:chOff x="0" y="0"/>
-          <a:chExt cx="0" cy="0"/>
-        </a:xfrm>
-      </p:grpSpPr>
-      <p:sp>
-        <p:nvSpPr>
-          <p:cNvPr id="2" name="タイトル 1"/>
-          <p:cNvSpPr>
-            <a:spLocks noGrp="1"/>
-          </p:cNvSpPr>
-          <p:nvPr>
-            <p:ph type="title"/>
-          </p:nvPr>
-        </p:nvSpPr>
-        <p:spPr/>
-        <p:txBody>
-          <a:bodyPr/>
-          <a:lstStyle/>
-          <a:p>
-            <a:r>
-              <a:rPr kumimoji="1" lang="ja-JP" altLang="en-US" dirty="0" smtClean="0"/>
-              <a:t>統計情報</a:t>
-            </a:r>
-            <a:endParaRPr kumimoji="1" lang="ja-JP" altLang="en-US" dirty="0"/>
-          </a:p>
-        </p:txBody>
-      </p:sp>
-      <p:sp>
-        <p:nvSpPr>
-          <p:cNvPr id="3" name="コンテンツ プレースホルダー 2"/>
-          <p:cNvSpPr>
-            <a:spLocks noGrp="1"/>
-          </p:cNvSpPr>
-          <p:nvPr>
-            <p:ph idx="1"/>
-          </p:nvPr>
-        </p:nvSpPr>
-        <p:spPr/>
-        <p:txBody>
-          <a:bodyPr/>
-          <a:lstStyle/>
-          <a:p>
-            <a:r>
-              <a:rPr kumimoji="1" lang="en-US" altLang="ja-JP" dirty="0" smtClean="0"/>
-              <a:t>First Accept: yutaka1999 (96:57)</a:t>
-            </a:r>
-          </a:p>
-          <a:p>
-            <a:r>
-              <a:rPr lang="en-US" altLang="ja-JP" dirty="0" smtClean="0"/>
-              <a:t>First Accept (onsite): </a:t>
-            </a:r>
-            <a:r>
-              <a:rPr lang="lo-LA" altLang="ja-JP" dirty="0"/>
-              <a:t>ຣ</a:t>
-            </a:r>
-            <a:r>
-              <a:rPr lang="ml-IN" altLang="ja-JP" dirty="0"/>
-              <a:t>സ</a:t>
-            </a:r>
-            <a:r>
-              <a:rPr lang="ar-AE" altLang="ja-JP" dirty="0"/>
-              <a:t>ں</a:t>
-            </a:r>
-            <a:r>
-              <a:rPr lang="en-US" altLang="ja-JP" dirty="0"/>
-              <a:t>ƙ</a:t>
-            </a:r>
-            <a:r>
-              <a:rPr lang="iu-Cans-CA" altLang="ja-JP" dirty="0"/>
-              <a:t>ᘓ</a:t>
-            </a:r>
-            <a:r>
-              <a:rPr lang="iu-Cans-CA" altLang="ja-JP" dirty="0" smtClean="0"/>
-              <a:t>‮</a:t>
-            </a:r>
-            <a:r>
-              <a:rPr lang="en-US" altLang="ja-JP" dirty="0"/>
-              <a:t>(</a:t>
-            </a:r>
-            <a:r>
-              <a:rPr lang="ja-JP" altLang="en-US" dirty="0" smtClean="0"/>
-              <a:t>ひとり</a:t>
-            </a:r>
-            <a:r>
-              <a:rPr lang="en-US" altLang="ja-JP" dirty="0" smtClean="0"/>
-              <a:t>) (</a:t>
-            </a:r>
-            <a:r>
-              <a:rPr lang="en-US" altLang="ja-JP" dirty="0" smtClean="0"/>
-              <a:t>108:46</a:t>
-            </a:r>
-            <a:r>
-              <a:rPr lang="en-US" altLang="ja-JP" dirty="0" smtClean="0"/>
-              <a:t>)</a:t>
-            </a:r>
-          </a:p>
-          <a:p>
-            <a:r>
-              <a:rPr kumimoji="1" lang="en-US" altLang="ja-JP" dirty="0" smtClean="0"/>
-              <a:t>Accepted: </a:t>
-            </a:r>
-            <a:r>
-              <a:rPr kumimoji="1" lang="en-US" altLang="ja-JP" dirty="0" smtClean="0"/>
-              <a:t>29 (12%)</a:t>
-            </a:r>
-          </a:p>
-          <a:p>
-            <a:r>
-              <a:rPr lang="en-US" altLang="ja-JP" dirty="0" smtClean="0"/>
-              <a:t>Trying: 67</a:t>
-            </a:r>
-            <a:endParaRPr kumimoji="1" lang="en-US" altLang="ja-JP" dirty="0" smtClean="0"/>
-          </a:p>
-          <a:p>
-            <a:r>
-              <a:rPr lang="en-US" altLang="ja-JP" dirty="0" smtClean="0"/>
-              <a:t>Total Submission: </a:t>
-            </a:r>
-            <a:r>
-              <a:rPr lang="en-US" altLang="ja-JP" dirty="0" smtClean="0"/>
-              <a:t>245</a:t>
-            </a:r>
-            <a:endParaRPr kumimoji="1" lang="ja-JP" altLang="en-US" dirty="0"/>
-          </a:p>
-        </p:txBody>
-      </p:sp>
-    </p:spTree>
-    <p:extLst>
-      <p:ext uri="{BB962C8B-B14F-4D97-AF65-F5344CB8AC3E}">
-        <p14:creationId xmlns:p14="http://schemas.microsoft.com/office/powerpoint/2010/main" val="1113980814"/>
-      </p:ext>
-    </p:extLst>
-  </p:cSld>
-  <p:clrMapOvr>
-    <a:masterClrMapping/>
-  </p:clrMapOvr>
+  <p:timing>
+    <p:tnLst>
+      <p:par>
+        <p:cTn id="1" dur="indefinite" restart="never" nodeType="tmRoot"/>
+      </p:par>
+    </p:tnLst>
+  </p:timing>
 </p:sld>
 </file>
 
